--- a/Final-Group-Presentation/Final-Group-Presentation.pptx
+++ b/Final-Group-Presentation/Final-Group-Presentation.pptx
@@ -769,6 +769,69 @@
               <a:spcAft>
                 <a:spcPts val="0"/>
               </a:spcAft>
+              <a:buClr>
+                <a:schemeClr val="dk1"/>
+              </a:buClr>
+              <a:buSzPts val="1100"/>
+              <a:buFont typeface="Arial"/>
+              <a:buNone/>
+            </a:pPr>
+            <a:r>
+              <a:rPr lang="en-US"/>
+              <a:t>"Ever read a headline and wondered, 'Is this serious or just cleverly sarcastic?' Well, that's exactly the puzzle we've been tackling!"</a:t>
+            </a:r>
+            <a:endParaRPr/>
+          </a:p>
+          <a:p>
+            <a:pPr indent="0" lvl="0" marL="0" rtl="0" algn="l">
+              <a:spcBef>
+                <a:spcPts val="0"/>
+              </a:spcBef>
+              <a:spcAft>
+                <a:spcPts val="0"/>
+              </a:spcAft>
+              <a:buClr>
+                <a:schemeClr val="dk1"/>
+              </a:buClr>
+              <a:buSzPts val="1100"/>
+              <a:buFont typeface="Arial"/>
+              <a:buNone/>
+            </a:pPr>
+            <a:r>
+              <a:rPr lang="en-US"/>
+              <a:t>Good Evening Everyone, I am Purvi and  I'm thrilled to introduce my colleagues, Shikha  and Tanmay .</a:t>
+            </a:r>
+            <a:endParaRPr/>
+          </a:p>
+          <a:p>
+            <a:pPr indent="0" lvl="0" marL="0" rtl="0" algn="l">
+              <a:spcBef>
+                <a:spcPts val="0"/>
+              </a:spcBef>
+              <a:spcAft>
+                <a:spcPts val="0"/>
+              </a:spcAft>
+              <a:buClr>
+                <a:schemeClr val="dk1"/>
+              </a:buClr>
+              <a:buSzPts val="1100"/>
+              <a:buFont typeface="Arial"/>
+              <a:buNone/>
+            </a:pPr>
+            <a:r>
+              <a:rPr lang="en-US"/>
+              <a:t>Today, we're excited to walk you through our project on sarcasm detection in news headlines."</a:t>
+            </a:r>
+            <a:endParaRPr/>
+          </a:p>
+          <a:p>
+            <a:pPr indent="0" lvl="0" marL="0" rtl="0" algn="l">
+              <a:spcBef>
+                <a:spcPts val="0"/>
+              </a:spcBef>
+              <a:spcAft>
+                <a:spcPts val="0"/>
+              </a:spcAft>
               <a:buNone/>
             </a:pPr>
             <a:r>
@@ -840,106 +903,7 @@
       </p:grpSpPr>
       <p:sp>
         <p:nvSpPr>
-          <p:cNvPr id="134" name="Google Shape;134;p7:notes"/>
-          <p:cNvSpPr txBox="1"/>
-          <p:nvPr>
-            <p:ph idx="1" type="body"/>
-          </p:nvPr>
-        </p:nvSpPr>
-        <p:spPr>
-          <a:xfrm>
-            <a:off x="685800" y="4343400"/>
-            <a:ext cx="5486400" cy="4114800"/>
-          </a:xfrm>
-          <a:prstGeom prst="rect">
-            <a:avLst/>
-          </a:prstGeom>
-        </p:spPr>
-        <p:txBody>
-          <a:bodyPr anchorCtr="0" anchor="t" bIns="91425" lIns="91425" spcFirstLastPara="1" rIns="91425" wrap="square" tIns="91425">
-            <a:noAutofit/>
-          </a:bodyPr>
-          <a:lstStyle/>
-          <a:p>
-            <a:pPr indent="0" lvl="0" marL="0" rtl="0" algn="l">
-              <a:spcBef>
-                <a:spcPts val="0"/>
-              </a:spcBef>
-              <a:spcAft>
-                <a:spcPts val="0"/>
-              </a:spcAft>
-              <a:buNone/>
-            </a:pPr>
-            <a:r>
-              <a:t/>
-            </a:r>
-            <a:endParaRPr/>
-          </a:p>
-        </p:txBody>
-      </p:sp>
-      <p:sp>
-        <p:nvSpPr>
-          <p:cNvPr id="135" name="Google Shape;135;p7:notes"/>
-          <p:cNvSpPr/>
-          <p:nvPr>
-            <p:ph idx="2" type="sldImg"/>
-          </p:nvPr>
-        </p:nvSpPr>
-        <p:spPr>
-          <a:xfrm>
-            <a:off x="1143225" y="685800"/>
-            <a:ext cx="4572225" cy="3429000"/>
-          </a:xfrm>
-          <a:custGeom>
-            <a:rect b="b" l="l" r="r" t="t"/>
-            <a:pathLst>
-              <a:path extrusionOk="0" h="120000" w="120000">
-                <a:moveTo>
-                  <a:pt x="0" y="0"/>
-                </a:moveTo>
-                <a:lnTo>
-                  <a:pt x="120000" y="0"/>
-                </a:lnTo>
-                <a:lnTo>
-                  <a:pt x="120000" y="120000"/>
-                </a:lnTo>
-                <a:lnTo>
-                  <a:pt x="0" y="120000"/>
-                </a:lnTo>
-                <a:close/>
-              </a:path>
-            </a:pathLst>
-          </a:custGeom>
-        </p:spPr>
-      </p:sp>
-    </p:spTree>
-  </p:cSld>
-  <p:clrMapOvr>
-    <a:masterClrMapping/>
-  </p:clrMapOvr>
-</p:notes>
-</file>
-
-<file path=ppt/notesSlides/notesSlide11.xml><?xml version="1.0" encoding="utf-8"?>
-<p:notes xmlns:a="http://schemas.openxmlformats.org/drawingml/2006/main" xmlns:r="http://schemas.openxmlformats.org/officeDocument/2006/relationships" xmlns:mc="http://schemas.openxmlformats.org/markup-compatibility/2006" xmlns:mv="urn:schemas-microsoft-com:mac:vml" xmlns:p="http://schemas.openxmlformats.org/presentationml/2006/main" xmlns:c="http://schemas.openxmlformats.org/drawingml/2006/chart" xmlns:dgm="http://schemas.openxmlformats.org/drawingml/2006/diagram" xmlns:o="urn:schemas-microsoft-com:office:office" xmlns:v="urn:schemas-microsoft-com:vml" xmlns:pvml="urn:schemas-microsoft-com:office:powerpoint" xmlns:com="http://schemas.openxmlformats.org/drawingml/2006/compatibility" xmlns:p14="http://schemas.microsoft.com/office/powerpoint/2010/main" xmlns:p15="http://schemas.microsoft.com/office/powerpoint/2012/main" xmlns:ahyp="http://schemas.microsoft.com/office/drawing/2018/hyperlinkcolor" showMasterPhAnim="0" showMasterSp="0">
-  <p:cSld>
-    <p:spTree>
-      <p:nvGrpSpPr>
-        <p:cNvPr id="140" name="Shape 140"/>
-        <p:cNvGrpSpPr/>
-        <p:nvPr/>
-      </p:nvGrpSpPr>
-      <p:grpSpPr>
-        <a:xfrm>
-          <a:off x="0" y="0"/>
-          <a:ext cx="0" cy="0"/>
-          <a:chOff x="0" y="0"/>
-          <a:chExt cx="0" cy="0"/>
-        </a:xfrm>
-      </p:grpSpPr>
-      <p:sp>
-        <p:nvSpPr>
-          <p:cNvPr id="141" name="Google Shape;141;g28e60363b8d_0_2723:notes"/>
+          <p:cNvPr id="134" name="Google Shape;134;g28e60363b8d_0_2723:notes"/>
           <p:cNvSpPr/>
           <p:nvPr>
             <p:ph idx="2" type="sldImg"/>
@@ -974,7 +938,7 @@
       </p:sp>
       <p:sp>
         <p:nvSpPr>
-          <p:cNvPr id="142" name="Google Shape;142;g28e60363b8d_0_2723:notes"/>
+          <p:cNvPr id="135" name="Google Shape;135;g28e60363b8d_0_2723:notes"/>
           <p:cNvSpPr txBox="1"/>
           <p:nvPr>
             <p:ph idx="1" type="body"/>
@@ -1005,11 +969,665 @@
               <a:buNone/>
             </a:pPr>
             <a:r>
-              <a:t/>
-            </a:r>
-            <a:endParaRPr/>
+              <a:rPr lang="en-US" sz="1200">
+                <a:solidFill>
+                  <a:srgbClr val="374151"/>
+                </a:solidFill>
+                <a:latin typeface="Roboto"/>
+                <a:ea typeface="Roboto"/>
+                <a:cs typeface="Roboto"/>
+                <a:sym typeface="Roboto"/>
+              </a:rPr>
+              <a:t>By synthesizing BERT's contextual embeddings with LSTM's memory of past inputs, our model can detect sarcasm with nuanced precision. </a:t>
+            </a:r>
+            <a:endParaRPr sz="1200">
+              <a:solidFill>
+                <a:srgbClr val="374151"/>
+              </a:solidFill>
+              <a:latin typeface="Roboto"/>
+              <a:ea typeface="Roboto"/>
+              <a:cs typeface="Roboto"/>
+              <a:sym typeface="Roboto"/>
+            </a:endParaRPr>
+          </a:p>
+          <a:p>
+            <a:pPr indent="0" lvl="0" marL="0" rtl="0" algn="l">
+              <a:spcBef>
+                <a:spcPts val="0"/>
+              </a:spcBef>
+              <a:spcAft>
+                <a:spcPts val="0"/>
+              </a:spcAft>
+              <a:buNone/>
+            </a:pPr>
+            <a:r>
+              <a:rPr lang="en-US" sz="1200">
+                <a:solidFill>
+                  <a:srgbClr val="374151"/>
+                </a:solidFill>
+                <a:latin typeface="Roboto"/>
+                <a:ea typeface="Roboto"/>
+                <a:cs typeface="Roboto"/>
+                <a:sym typeface="Roboto"/>
+              </a:rPr>
+              <a:t>The model showcased a significant learning curve, with training accuracy soaring from 89.3% to a remarkable 98.1%, illustrating the model's ability to adapt and learn from complex sarcasm patterns in the data.</a:t>
+            </a:r>
+            <a:endParaRPr sz="1200">
+              <a:solidFill>
+                <a:srgbClr val="374151"/>
+              </a:solidFill>
+              <a:latin typeface="Roboto"/>
+              <a:ea typeface="Roboto"/>
+              <a:cs typeface="Roboto"/>
+              <a:sym typeface="Roboto"/>
+            </a:endParaRPr>
+          </a:p>
+          <a:p>
+            <a:pPr indent="-304800" lvl="0" marL="457200" rtl="0" algn="l">
+              <a:lnSpc>
+                <a:spcPct val="115000"/>
+              </a:lnSpc>
+              <a:spcBef>
+                <a:spcPts val="1500"/>
+              </a:spcBef>
+              <a:spcAft>
+                <a:spcPts val="0"/>
+              </a:spcAft>
+              <a:buClr>
+                <a:srgbClr val="374151"/>
+              </a:buClr>
+              <a:buSzPts val="1200"/>
+              <a:buFont typeface="Roboto"/>
+              <a:buChar char="●"/>
+            </a:pPr>
+            <a:r>
+              <a:rPr lang="en-US" sz="1200">
+                <a:solidFill>
+                  <a:srgbClr val="374151"/>
+                </a:solidFill>
+                <a:latin typeface="Roboto"/>
+                <a:ea typeface="Roboto"/>
+                <a:cs typeface="Roboto"/>
+                <a:sym typeface="Roboto"/>
+              </a:rPr>
+              <a:t>Validation accuracy reached an outstanding 98%, underscoring the model's robustness and its capability to generalize well on unseen data.</a:t>
+            </a:r>
+            <a:endParaRPr sz="1200">
+              <a:solidFill>
+                <a:srgbClr val="374151"/>
+              </a:solidFill>
+              <a:latin typeface="Roboto"/>
+              <a:ea typeface="Roboto"/>
+              <a:cs typeface="Roboto"/>
+              <a:sym typeface="Roboto"/>
+            </a:endParaRPr>
+          </a:p>
+          <a:p>
+            <a:pPr indent="-304800" lvl="0" marL="457200" rtl="0" algn="l">
+              <a:lnSpc>
+                <a:spcPct val="115000"/>
+              </a:lnSpc>
+              <a:spcBef>
+                <a:spcPts val="0"/>
+              </a:spcBef>
+              <a:spcAft>
+                <a:spcPts val="0"/>
+              </a:spcAft>
+              <a:buClr>
+                <a:srgbClr val="374151"/>
+              </a:buClr>
+              <a:buSzPts val="1200"/>
+              <a:buFont typeface="Roboto"/>
+              <a:buChar char="●"/>
+            </a:pPr>
+            <a:r>
+              <a:rPr lang="en-US" sz="1200">
+                <a:solidFill>
+                  <a:srgbClr val="374151"/>
+                </a:solidFill>
+                <a:latin typeface="Roboto"/>
+                <a:ea typeface="Roboto"/>
+                <a:cs typeface="Roboto"/>
+                <a:sym typeface="Roboto"/>
+              </a:rPr>
+              <a:t>Both training and validation losses diminished substantially, signaling that the model was learning effectively without overfitting—a common challenge in deep learning models.</a:t>
+            </a:r>
+            <a:endParaRPr sz="1200">
+              <a:solidFill>
+                <a:srgbClr val="374151"/>
+              </a:solidFill>
+              <a:latin typeface="Roboto"/>
+              <a:ea typeface="Roboto"/>
+              <a:cs typeface="Roboto"/>
+              <a:sym typeface="Roboto"/>
+            </a:endParaRPr>
+          </a:p>
+          <a:p>
+            <a:pPr indent="-304800" lvl="0" marL="457200" rtl="0" algn="l">
+              <a:lnSpc>
+                <a:spcPct val="115000"/>
+              </a:lnSpc>
+              <a:spcBef>
+                <a:spcPts val="0"/>
+              </a:spcBef>
+              <a:spcAft>
+                <a:spcPts val="0"/>
+              </a:spcAft>
+              <a:buClr>
+                <a:srgbClr val="374151"/>
+              </a:buClr>
+              <a:buSzPts val="1200"/>
+              <a:buFont typeface="Roboto"/>
+              <a:buChar char="●"/>
+            </a:pPr>
+            <a:r>
+              <a:rPr lang="en-US" sz="1200">
+                <a:solidFill>
+                  <a:srgbClr val="374151"/>
+                </a:solidFill>
+                <a:latin typeface="Roboto"/>
+                <a:ea typeface="Roboto"/>
+                <a:cs typeface="Roboto"/>
+                <a:sym typeface="Roboto"/>
+              </a:rPr>
+              <a:t>The incorporation of dropout at a rate of 0.5 helped prevent overfitting, ensuring that the model remains accurate and stable when exposed to new, varied data.</a:t>
+            </a:r>
+            <a:endParaRPr sz="1200">
+              <a:solidFill>
+                <a:srgbClr val="374151"/>
+              </a:solidFill>
+              <a:latin typeface="Roboto"/>
+              <a:ea typeface="Roboto"/>
+              <a:cs typeface="Roboto"/>
+              <a:sym typeface="Roboto"/>
+            </a:endParaRPr>
           </a:p>
         </p:txBody>
+      </p:sp>
+    </p:spTree>
+  </p:cSld>
+  <p:clrMapOvr>
+    <a:masterClrMapping/>
+  </p:clrMapOvr>
+</p:notes>
+</file>
+
+<file path=ppt/notesSlides/notesSlide11.xml><?xml version="1.0" encoding="utf-8"?>
+<p:notes xmlns:a="http://schemas.openxmlformats.org/drawingml/2006/main" xmlns:r="http://schemas.openxmlformats.org/officeDocument/2006/relationships" xmlns:mc="http://schemas.openxmlformats.org/markup-compatibility/2006" xmlns:mv="urn:schemas-microsoft-com:mac:vml" xmlns:p="http://schemas.openxmlformats.org/presentationml/2006/main" xmlns:c="http://schemas.openxmlformats.org/drawingml/2006/chart" xmlns:dgm="http://schemas.openxmlformats.org/drawingml/2006/diagram" xmlns:o="urn:schemas-microsoft-com:office:office" xmlns:v="urn:schemas-microsoft-com:vml" xmlns:pvml="urn:schemas-microsoft-com:office:powerpoint" xmlns:com="http://schemas.openxmlformats.org/drawingml/2006/compatibility" xmlns:p14="http://schemas.microsoft.com/office/powerpoint/2010/main" xmlns:p15="http://schemas.microsoft.com/office/powerpoint/2012/main" xmlns:ahyp="http://schemas.microsoft.com/office/drawing/2018/hyperlinkcolor" showMasterPhAnim="0" showMasterSp="0">
+  <p:cSld>
+    <p:spTree>
+      <p:nvGrpSpPr>
+        <p:cNvPr id="140" name="Shape 140"/>
+        <p:cNvGrpSpPr/>
+        <p:nvPr/>
+      </p:nvGrpSpPr>
+      <p:grpSpPr>
+        <a:xfrm>
+          <a:off x="0" y="0"/>
+          <a:ext cx="0" cy="0"/>
+          <a:chOff x="0" y="0"/>
+          <a:chExt cx="0" cy="0"/>
+        </a:xfrm>
+      </p:grpSpPr>
+      <p:sp>
+        <p:nvSpPr>
+          <p:cNvPr id="141" name="Google Shape;141;p7:notes"/>
+          <p:cNvSpPr txBox="1"/>
+          <p:nvPr>
+            <p:ph idx="1" type="body"/>
+          </p:nvPr>
+        </p:nvSpPr>
+        <p:spPr>
+          <a:xfrm>
+            <a:off x="685800" y="4343400"/>
+            <a:ext cx="5486400" cy="4114800"/>
+          </a:xfrm>
+          <a:prstGeom prst="rect">
+            <a:avLst/>
+          </a:prstGeom>
+        </p:spPr>
+        <p:txBody>
+          <a:bodyPr anchorCtr="0" anchor="t" bIns="91425" lIns="91425" spcFirstLastPara="1" rIns="91425" wrap="square" tIns="91425">
+            <a:noAutofit/>
+          </a:bodyPr>
+          <a:lstStyle/>
+          <a:p>
+            <a:pPr indent="-304800" lvl="1" marL="914400" rtl="0" algn="l">
+              <a:lnSpc>
+                <a:spcPct val="115000"/>
+              </a:lnSpc>
+              <a:spcBef>
+                <a:spcPts val="1500"/>
+              </a:spcBef>
+              <a:spcAft>
+                <a:spcPts val="0"/>
+              </a:spcAft>
+              <a:buClr>
+                <a:schemeClr val="dk1"/>
+              </a:buClr>
+              <a:buSzPts val="1200"/>
+              <a:buFont typeface="Roboto"/>
+              <a:buChar char="●"/>
+            </a:pPr>
+            <a:r>
+              <a:rPr lang="en-US" sz="1200">
+                <a:solidFill>
+                  <a:schemeClr val="dk1"/>
+                </a:solidFill>
+                <a:latin typeface="Roboto"/>
+                <a:ea typeface="Roboto"/>
+                <a:cs typeface="Roboto"/>
+                <a:sym typeface="Roboto"/>
+              </a:rPr>
+              <a:t>Begin by explaining the model, "We've implemented a sophisticated text classification system using BERT combined with a Multi-Layer Perceptron, </a:t>
+            </a:r>
+            <a:endParaRPr sz="1200">
+              <a:solidFill>
+                <a:schemeClr val="dk1"/>
+              </a:solidFill>
+              <a:latin typeface="Roboto"/>
+              <a:ea typeface="Roboto"/>
+              <a:cs typeface="Roboto"/>
+              <a:sym typeface="Roboto"/>
+            </a:endParaRPr>
+          </a:p>
+          <a:p>
+            <a:pPr indent="-304800" lvl="1" marL="914400" rtl="0" algn="l">
+              <a:lnSpc>
+                <a:spcPct val="115000"/>
+              </a:lnSpc>
+              <a:spcBef>
+                <a:spcPts val="0"/>
+              </a:spcBef>
+              <a:spcAft>
+                <a:spcPts val="0"/>
+              </a:spcAft>
+              <a:buClr>
+                <a:schemeClr val="dk1"/>
+              </a:buClr>
+              <a:buSzPts val="1200"/>
+              <a:buFont typeface="Roboto"/>
+              <a:buChar char="●"/>
+            </a:pPr>
+            <a:r>
+              <a:rPr lang="en-US" sz="1200">
+                <a:solidFill>
+                  <a:schemeClr val="dk1"/>
+                </a:solidFill>
+                <a:latin typeface="Roboto"/>
+                <a:ea typeface="Roboto"/>
+                <a:cs typeface="Roboto"/>
+                <a:sym typeface="Roboto"/>
+              </a:rPr>
+              <a:t>as my friend already </a:t>
+            </a:r>
+            <a:r>
+              <a:rPr lang="en-US" sz="1200">
+                <a:solidFill>
+                  <a:schemeClr val="dk1"/>
+                </a:solidFill>
+                <a:latin typeface="Roboto"/>
+                <a:ea typeface="Roboto"/>
+                <a:cs typeface="Roboto"/>
+                <a:sym typeface="Roboto"/>
+              </a:rPr>
+              <a:t>explain</a:t>
+            </a:r>
+            <a:r>
+              <a:rPr lang="en-US" sz="1200">
+                <a:solidFill>
+                  <a:schemeClr val="dk1"/>
+                </a:solidFill>
+                <a:latin typeface="Roboto"/>
+                <a:ea typeface="Roboto"/>
+                <a:cs typeface="Roboto"/>
+                <a:sym typeface="Roboto"/>
+              </a:rPr>
+              <a:t> the functioning of bert so ill add one more point in that "bert  reads text in both directions, left-to-right and right-to-left, which allows it to capture context more effectively than previous models."</a:t>
+            </a:r>
+            <a:endParaRPr sz="1200">
+              <a:solidFill>
+                <a:schemeClr val="dk1"/>
+              </a:solidFill>
+              <a:latin typeface="Roboto"/>
+              <a:ea typeface="Roboto"/>
+              <a:cs typeface="Roboto"/>
+              <a:sym typeface="Roboto"/>
+            </a:endParaRPr>
+          </a:p>
+          <a:p>
+            <a:pPr indent="-228600" lvl="0" marL="457200" rtl="0" algn="l">
+              <a:lnSpc>
+                <a:spcPct val="115000"/>
+              </a:lnSpc>
+              <a:spcBef>
+                <a:spcPts val="0"/>
+              </a:spcBef>
+              <a:spcAft>
+                <a:spcPts val="0"/>
+              </a:spcAft>
+              <a:buClr>
+                <a:schemeClr val="dk1"/>
+              </a:buClr>
+              <a:buSzPts val="1200"/>
+              <a:buFont typeface="Roboto"/>
+              <a:buNone/>
+            </a:pPr>
+            <a:r>
+              <a:rPr lang="en-US" sz="1200">
+                <a:solidFill>
+                  <a:schemeClr val="dk1"/>
+                </a:solidFill>
+                <a:latin typeface="Roboto"/>
+                <a:ea typeface="Roboto"/>
+                <a:cs typeface="Roboto"/>
+                <a:sym typeface="Roboto"/>
+              </a:rPr>
+              <a:t>"Once BERT has processed the text, the MLP takes over. It's a type of neural network with layers of neurons that learn to map the features extracted by BERT to our target classifications."</a:t>
+            </a:r>
+            <a:endParaRPr sz="1200">
+              <a:solidFill>
+                <a:schemeClr val="dk1"/>
+              </a:solidFill>
+              <a:latin typeface="Roboto"/>
+              <a:ea typeface="Roboto"/>
+              <a:cs typeface="Roboto"/>
+              <a:sym typeface="Roboto"/>
+            </a:endParaRPr>
+          </a:p>
+          <a:p>
+            <a:pPr indent="-228600" lvl="0" marL="457200" rtl="0" algn="l">
+              <a:lnSpc>
+                <a:spcPct val="115000"/>
+              </a:lnSpc>
+              <a:spcBef>
+                <a:spcPts val="0"/>
+              </a:spcBef>
+              <a:spcAft>
+                <a:spcPts val="0"/>
+              </a:spcAft>
+              <a:buClr>
+                <a:schemeClr val="dk1"/>
+              </a:buClr>
+              <a:buSzPts val="1200"/>
+              <a:buFont typeface="Roboto"/>
+              <a:buNone/>
+            </a:pPr>
+            <a:r>
+              <a:rPr lang="en-US" sz="1200">
+                <a:solidFill>
+                  <a:schemeClr val="dk1"/>
+                </a:solidFill>
+                <a:latin typeface="Roboto"/>
+                <a:ea typeface="Roboto"/>
+                <a:cs typeface="Roboto"/>
+                <a:sym typeface="Roboto"/>
+              </a:rPr>
+              <a:t>Introduce the concept, "The BERT + MLP Head refers to the additional neural network layers on top of the pre-trained BERT model. These layers are tailored to our specific classification task.</a:t>
+            </a:r>
+            <a:endParaRPr sz="1200">
+              <a:solidFill>
+                <a:schemeClr val="dk1"/>
+              </a:solidFill>
+              <a:latin typeface="Roboto"/>
+              <a:ea typeface="Roboto"/>
+              <a:cs typeface="Roboto"/>
+              <a:sym typeface="Roboto"/>
+            </a:endParaRPr>
+          </a:p>
+          <a:p>
+            <a:pPr indent="-304800" lvl="1" marL="914400" rtl="0" algn="l">
+              <a:lnSpc>
+                <a:spcPct val="115000"/>
+              </a:lnSpc>
+              <a:spcBef>
+                <a:spcPts val="0"/>
+              </a:spcBef>
+              <a:spcAft>
+                <a:spcPts val="0"/>
+              </a:spcAft>
+              <a:buClr>
+                <a:schemeClr val="dk1"/>
+              </a:buClr>
+              <a:buSzPts val="1200"/>
+              <a:buFont typeface="Roboto"/>
+              <a:buChar char="●"/>
+            </a:pPr>
+            <a:r>
+              <a:rPr lang="en-US" sz="1200">
+                <a:solidFill>
+                  <a:schemeClr val="dk1"/>
+                </a:solidFill>
+                <a:latin typeface="Roboto"/>
+                <a:ea typeface="Roboto"/>
+                <a:cs typeface="Roboto"/>
+                <a:sym typeface="Roboto"/>
+              </a:rPr>
+              <a:t>Move on to the training process, "We trained our model in three epochs. With each epoch, the model learned and improved, as evidenced by the decreasing training and validation loss."</a:t>
+            </a:r>
+            <a:endParaRPr sz="1200">
+              <a:solidFill>
+                <a:schemeClr val="dk1"/>
+              </a:solidFill>
+              <a:latin typeface="Roboto"/>
+              <a:ea typeface="Roboto"/>
+              <a:cs typeface="Roboto"/>
+              <a:sym typeface="Roboto"/>
+            </a:endParaRPr>
+          </a:p>
+          <a:p>
+            <a:pPr indent="-304800" lvl="1" marL="914400" rtl="0" algn="l">
+              <a:lnSpc>
+                <a:spcPct val="115000"/>
+              </a:lnSpc>
+              <a:spcBef>
+                <a:spcPts val="0"/>
+              </a:spcBef>
+              <a:spcAft>
+                <a:spcPts val="0"/>
+              </a:spcAft>
+              <a:buClr>
+                <a:schemeClr val="dk1"/>
+              </a:buClr>
+              <a:buSzPts val="1200"/>
+              <a:buFont typeface="Roboto"/>
+              <a:buChar char="●"/>
+            </a:pPr>
+            <a:r>
+              <a:rPr lang="en-US" sz="1200">
+                <a:solidFill>
+                  <a:schemeClr val="dk1"/>
+                </a:solidFill>
+                <a:latin typeface="Roboto"/>
+                <a:ea typeface="Roboto"/>
+                <a:cs typeface="Roboto"/>
+                <a:sym typeface="Roboto"/>
+              </a:rPr>
+              <a:t>"Our evaluation metrics here are accuracy and loss for both training and validation. As training progresses, we want the training loss to decrease and the accuracy to increase, which is exactly what we observe."</a:t>
+            </a:r>
+            <a:endParaRPr sz="1200">
+              <a:solidFill>
+                <a:schemeClr val="dk1"/>
+              </a:solidFill>
+              <a:latin typeface="Roboto"/>
+              <a:ea typeface="Roboto"/>
+              <a:cs typeface="Roboto"/>
+              <a:sym typeface="Roboto"/>
+            </a:endParaRPr>
+          </a:p>
+          <a:p>
+            <a:pPr indent="-228600" lvl="0" marL="457200" rtl="0" algn="l">
+              <a:lnSpc>
+                <a:spcPct val="115000"/>
+              </a:lnSpc>
+              <a:spcBef>
+                <a:spcPts val="0"/>
+              </a:spcBef>
+              <a:spcAft>
+                <a:spcPts val="0"/>
+              </a:spcAft>
+              <a:buClr>
+                <a:schemeClr val="dk1"/>
+              </a:buClr>
+              <a:buSzPts val="1200"/>
+              <a:buFont typeface="Roboto"/>
+              <a:buNone/>
+            </a:pPr>
+            <a:r>
+              <a:rPr lang="en-US" sz="1200">
+                <a:solidFill>
+                  <a:schemeClr val="dk1"/>
+                </a:solidFill>
+                <a:latin typeface="Roboto"/>
+                <a:ea typeface="Roboto"/>
+                <a:cs typeface="Roboto"/>
+                <a:sym typeface="Roboto"/>
+              </a:rPr>
+              <a:t>By the end of the third epoch, our BERT+MLP model achieved an impressive validation accuracy of 98%."Note the consistency in gains over the epochs, indicating a well-tuned model with reduced losses."</a:t>
+            </a:r>
+            <a:endParaRPr sz="1200">
+              <a:solidFill>
+                <a:schemeClr val="dk1"/>
+              </a:solidFill>
+              <a:latin typeface="Roboto"/>
+              <a:ea typeface="Roboto"/>
+              <a:cs typeface="Roboto"/>
+              <a:sym typeface="Roboto"/>
+            </a:endParaRPr>
+          </a:p>
+          <a:p>
+            <a:pPr indent="0" lvl="0" marL="914400" rtl="0" algn="l">
+              <a:lnSpc>
+                <a:spcPct val="115000"/>
+              </a:lnSpc>
+              <a:spcBef>
+                <a:spcPts val="1500"/>
+              </a:spcBef>
+              <a:spcAft>
+                <a:spcPts val="0"/>
+              </a:spcAft>
+              <a:buNone/>
+            </a:pPr>
+            <a:r>
+              <a:t/>
+            </a:r>
+            <a:endParaRPr sz="1200">
+              <a:solidFill>
+                <a:schemeClr val="dk1"/>
+              </a:solidFill>
+              <a:latin typeface="Roboto"/>
+              <a:ea typeface="Roboto"/>
+              <a:cs typeface="Roboto"/>
+              <a:sym typeface="Roboto"/>
+            </a:endParaRPr>
+          </a:p>
+          <a:p>
+            <a:pPr indent="0" lvl="0" marL="914400" rtl="0" algn="l">
+              <a:lnSpc>
+                <a:spcPct val="115000"/>
+              </a:lnSpc>
+              <a:spcBef>
+                <a:spcPts val="1500"/>
+              </a:spcBef>
+              <a:spcAft>
+                <a:spcPts val="0"/>
+              </a:spcAft>
+              <a:buNone/>
+            </a:pPr>
+            <a:r>
+              <a:t/>
+            </a:r>
+            <a:endParaRPr sz="1200">
+              <a:solidFill>
+                <a:schemeClr val="dk1"/>
+              </a:solidFill>
+              <a:latin typeface="Roboto"/>
+              <a:ea typeface="Roboto"/>
+              <a:cs typeface="Roboto"/>
+              <a:sym typeface="Roboto"/>
+            </a:endParaRPr>
+          </a:p>
+          <a:p>
+            <a:pPr indent="0" lvl="0" marL="914400" rtl="0" algn="l">
+              <a:lnSpc>
+                <a:spcPct val="115000"/>
+              </a:lnSpc>
+              <a:spcBef>
+                <a:spcPts val="1500"/>
+              </a:spcBef>
+              <a:spcAft>
+                <a:spcPts val="0"/>
+              </a:spcAft>
+              <a:buNone/>
+            </a:pPr>
+            <a:r>
+              <a:t/>
+            </a:r>
+            <a:endParaRPr sz="1200">
+              <a:solidFill>
+                <a:schemeClr val="dk1"/>
+              </a:solidFill>
+              <a:latin typeface="Roboto"/>
+              <a:ea typeface="Roboto"/>
+              <a:cs typeface="Roboto"/>
+              <a:sym typeface="Roboto"/>
+            </a:endParaRPr>
+          </a:p>
+          <a:p>
+            <a:pPr indent="0" lvl="0" marL="0" rtl="0" algn="l">
+              <a:spcBef>
+                <a:spcPts val="1500"/>
+              </a:spcBef>
+              <a:spcAft>
+                <a:spcPts val="0"/>
+              </a:spcAft>
+              <a:buNone/>
+            </a:pPr>
+            <a:r>
+              <a:t/>
+            </a:r>
+            <a:endParaRPr>
+              <a:solidFill>
+                <a:schemeClr val="dk1"/>
+              </a:solidFill>
+            </a:endParaRPr>
+          </a:p>
+        </p:txBody>
+      </p:sp>
+      <p:sp>
+        <p:nvSpPr>
+          <p:cNvPr id="142" name="Google Shape;142;p7:notes"/>
+          <p:cNvSpPr/>
+          <p:nvPr>
+            <p:ph idx="2" type="sldImg"/>
+          </p:nvPr>
+        </p:nvSpPr>
+        <p:spPr>
+          <a:xfrm>
+            <a:off x="1143225" y="685800"/>
+            <a:ext cx="4572225" cy="3429000"/>
+          </a:xfrm>
+          <a:custGeom>
+            <a:rect b="b" l="l" r="r" t="t"/>
+            <a:pathLst>
+              <a:path extrusionOk="0" h="120000" w="120000">
+                <a:moveTo>
+                  <a:pt x="0" y="0"/>
+                </a:moveTo>
+                <a:lnTo>
+                  <a:pt x="120000" y="0"/>
+                </a:lnTo>
+                <a:lnTo>
+                  <a:pt x="120000" y="120000"/>
+                </a:lnTo>
+                <a:lnTo>
+                  <a:pt x="0" y="120000"/>
+                </a:lnTo>
+                <a:close/>
+              </a:path>
+            </a:pathLst>
+          </a:custGeom>
+        </p:spPr>
       </p:sp>
     </p:spTree>
   </p:cSld>
@@ -1059,9 +1677,572 @@
           </a:bodyPr>
           <a:lstStyle/>
           <a:p>
+            <a:pPr indent="-304800" lvl="2" marL="1371600" rtl="0" algn="l">
+              <a:lnSpc>
+                <a:spcPct val="115000"/>
+              </a:lnSpc>
+              <a:spcBef>
+                <a:spcPts val="1500"/>
+              </a:spcBef>
+              <a:spcAft>
+                <a:spcPts val="0"/>
+              </a:spcAft>
+              <a:buClr>
+                <a:schemeClr val="dk1"/>
+              </a:buClr>
+              <a:buSzPts val="1200"/>
+              <a:buFont typeface="Roboto"/>
+              <a:buAutoNum type="romanLcPeriod"/>
+            </a:pPr>
+            <a:r>
+              <a:rPr lang="en-US" sz="1200">
+                <a:solidFill>
+                  <a:schemeClr val="dk1"/>
+                </a:solidFill>
+                <a:latin typeface="Roboto"/>
+                <a:ea typeface="Roboto"/>
+                <a:cs typeface="Roboto"/>
+                <a:sym typeface="Roboto"/>
+              </a:rPr>
+              <a:t>Begin with an introduction, "Let's look into the parameters that play a critical role in the training and performance of our project models."</a:t>
+            </a:r>
+            <a:endParaRPr sz="1200">
+              <a:solidFill>
+                <a:schemeClr val="dk1"/>
+              </a:solidFill>
+              <a:latin typeface="Roboto"/>
+              <a:ea typeface="Roboto"/>
+              <a:cs typeface="Roboto"/>
+              <a:sym typeface="Roboto"/>
+            </a:endParaRPr>
+          </a:p>
+          <a:p>
+            <a:pPr indent="-304800" lvl="2" marL="1371600" rtl="0" algn="l">
+              <a:lnSpc>
+                <a:spcPct val="115000"/>
+              </a:lnSpc>
+              <a:spcBef>
+                <a:spcPts val="0"/>
+              </a:spcBef>
+              <a:spcAft>
+                <a:spcPts val="0"/>
+              </a:spcAft>
+              <a:buClr>
+                <a:schemeClr val="dk1"/>
+              </a:buClr>
+              <a:buSzPts val="1200"/>
+              <a:buFont typeface="Roboto"/>
+              <a:buAutoNum type="romanLcPeriod"/>
+            </a:pPr>
+            <a:r>
+              <a:rPr lang="en-US" sz="1200">
+                <a:solidFill>
+                  <a:schemeClr val="dk1"/>
+                </a:solidFill>
+                <a:latin typeface="Roboto"/>
+                <a:ea typeface="Roboto"/>
+                <a:cs typeface="Roboto"/>
+                <a:sym typeface="Roboto"/>
+              </a:rPr>
+              <a:t>"We'll cover what epochs, max length, learning rate, batch size, and optimizer mean and how they impact our model's learning process."</a:t>
+            </a:r>
+            <a:endParaRPr sz="1200">
+              <a:solidFill>
+                <a:schemeClr val="dk1"/>
+              </a:solidFill>
+              <a:latin typeface="Roboto"/>
+              <a:ea typeface="Roboto"/>
+              <a:cs typeface="Roboto"/>
+              <a:sym typeface="Roboto"/>
+            </a:endParaRPr>
+          </a:p>
+          <a:p>
+            <a:pPr indent="-304800" lvl="2" marL="1371600" rtl="0" algn="l">
+              <a:lnSpc>
+                <a:spcPct val="115000"/>
+              </a:lnSpc>
+              <a:spcBef>
+                <a:spcPts val="0"/>
+              </a:spcBef>
+              <a:spcAft>
+                <a:spcPts val="0"/>
+              </a:spcAft>
+              <a:buClr>
+                <a:schemeClr val="dk1"/>
+              </a:buClr>
+              <a:buSzPts val="1200"/>
+              <a:buFont typeface="Roboto"/>
+              <a:buAutoNum type="romanLcPeriod"/>
+            </a:pPr>
+            <a:r>
+              <a:rPr lang="en-US" sz="1200">
+                <a:solidFill>
+                  <a:schemeClr val="dk1"/>
+                </a:solidFill>
+                <a:latin typeface="Roboto"/>
+                <a:ea typeface="Roboto"/>
+                <a:cs typeface="Roboto"/>
+                <a:sym typeface="Roboto"/>
+              </a:rPr>
+              <a:t>—"More epochs mean the model has more opportunities to learn and adjust its weights. However, too many epochs can lead to overfitting</a:t>
+            </a:r>
+            <a:endParaRPr sz="1200">
+              <a:solidFill>
+                <a:schemeClr val="dk1"/>
+              </a:solidFill>
+              <a:latin typeface="Roboto"/>
+              <a:ea typeface="Roboto"/>
+              <a:cs typeface="Roboto"/>
+              <a:sym typeface="Roboto"/>
+            </a:endParaRPr>
+          </a:p>
+          <a:p>
+            <a:pPr indent="-304800" lvl="2" marL="1371600" rtl="0" algn="l">
+              <a:lnSpc>
+                <a:spcPct val="115000"/>
+              </a:lnSpc>
+              <a:spcBef>
+                <a:spcPts val="0"/>
+              </a:spcBef>
+              <a:spcAft>
+                <a:spcPts val="0"/>
+              </a:spcAft>
+              <a:buClr>
+                <a:schemeClr val="dk1"/>
+              </a:buClr>
+              <a:buSzPts val="1200"/>
+              <a:buFont typeface="Roboto"/>
+              <a:buAutoNum type="romanLcPeriod"/>
+            </a:pPr>
+            <a:r>
+              <a:rPr lang="en-US" sz="1200">
+                <a:solidFill>
+                  <a:schemeClr val="dk1"/>
+                </a:solidFill>
+                <a:latin typeface="Roboto"/>
+                <a:ea typeface="Roboto"/>
+                <a:cs typeface="Roboto"/>
+                <a:sym typeface="Roboto"/>
+              </a:rPr>
+              <a:t>Setting the right max length is crucial for capturing sufficient context without wasting computational resources on padding"</a:t>
+            </a:r>
+            <a:endParaRPr sz="1200">
+              <a:solidFill>
+                <a:schemeClr val="dk1"/>
+              </a:solidFill>
+              <a:latin typeface="Roboto"/>
+              <a:ea typeface="Roboto"/>
+              <a:cs typeface="Roboto"/>
+              <a:sym typeface="Roboto"/>
+            </a:endParaRPr>
+          </a:p>
+          <a:p>
+            <a:pPr indent="-304800" lvl="2" marL="1371600" rtl="0" algn="l">
+              <a:lnSpc>
+                <a:spcPct val="115000"/>
+              </a:lnSpc>
+              <a:spcBef>
+                <a:spcPts val="0"/>
+              </a:spcBef>
+              <a:spcAft>
+                <a:spcPts val="0"/>
+              </a:spcAft>
+              <a:buClr>
+                <a:schemeClr val="dk1"/>
+              </a:buClr>
+              <a:buSzPts val="1200"/>
+              <a:buFont typeface="Roboto"/>
+              <a:buAutoNum type="romanLcPeriod"/>
+            </a:pPr>
+            <a:r>
+              <a:rPr lang="en-US" sz="1200">
+                <a:solidFill>
+                  <a:schemeClr val="dk1"/>
+                </a:solidFill>
+                <a:latin typeface="Roboto"/>
+                <a:ea typeface="Roboto"/>
+                <a:cs typeface="Roboto"/>
+                <a:sym typeface="Roboto"/>
+              </a:rPr>
+              <a:t>—, "A smaller learning rate means the model updates its weights more slowly, which can be good for fine-tuning but too small can make training inefficient. A larger rate speeds up training but can overshoot the optimal values."</a:t>
+            </a:r>
+            <a:endParaRPr sz="1200">
+              <a:solidFill>
+                <a:schemeClr val="dk1"/>
+              </a:solidFill>
+              <a:latin typeface="Roboto"/>
+              <a:ea typeface="Roboto"/>
+              <a:cs typeface="Roboto"/>
+              <a:sym typeface="Roboto"/>
+            </a:endParaRPr>
+          </a:p>
+          <a:p>
+            <a:pPr indent="-304800" lvl="2" marL="1371600" rtl="0" algn="l">
+              <a:lnSpc>
+                <a:spcPct val="115000"/>
+              </a:lnSpc>
+              <a:spcBef>
+                <a:spcPts val="0"/>
+              </a:spcBef>
+              <a:spcAft>
+                <a:spcPts val="0"/>
+              </a:spcAft>
+              <a:buClr>
+                <a:schemeClr val="dk1"/>
+              </a:buClr>
+              <a:buSzPts val="1200"/>
+              <a:buFont typeface="Roboto"/>
+              <a:buAutoNum type="romanLcPeriod"/>
+            </a:pPr>
+            <a:r>
+              <a:rPr lang="en-US" sz="1200">
+                <a:solidFill>
+                  <a:schemeClr val="dk1"/>
+                </a:solidFill>
+                <a:latin typeface="Roboto"/>
+                <a:ea typeface="Roboto"/>
+                <a:cs typeface="Roboto"/>
+                <a:sym typeface="Roboto"/>
+              </a:rPr>
+              <a:t>"A smaller batch size provides a more granular update to weights but can be noisy and take longer to train, while a larger batch size can be more stable and efficient but requires more memory."</a:t>
+            </a:r>
+            <a:endParaRPr sz="1200">
+              <a:solidFill>
+                <a:schemeClr val="dk1"/>
+              </a:solidFill>
+              <a:latin typeface="Roboto"/>
+              <a:ea typeface="Roboto"/>
+              <a:cs typeface="Roboto"/>
+              <a:sym typeface="Roboto"/>
+            </a:endParaRPr>
+          </a:p>
+          <a:p>
+            <a:pPr indent="-304800" lvl="2" marL="1371600" rtl="0" algn="l">
+              <a:lnSpc>
+                <a:spcPct val="115000"/>
+              </a:lnSpc>
+              <a:spcBef>
+                <a:spcPts val="0"/>
+              </a:spcBef>
+              <a:spcAft>
+                <a:spcPts val="0"/>
+              </a:spcAft>
+              <a:buClr>
+                <a:schemeClr val="dk1"/>
+              </a:buClr>
+              <a:buSzPts val="1200"/>
+              <a:buFont typeface="Roboto"/>
+              <a:buAutoNum type="romanLcPeriod"/>
+            </a:pPr>
+            <a:r>
+              <a:rPr lang="en-US" sz="1200">
+                <a:solidFill>
+                  <a:schemeClr val="dk1"/>
+                </a:solidFill>
+                <a:latin typeface="Roboto"/>
+                <a:ea typeface="Roboto"/>
+                <a:cs typeface="Roboto"/>
+                <a:sym typeface="Roboto"/>
+              </a:rPr>
+              <a:t>"Adam and AdamW are advanced optimizers that adapt the learning rate for each weight of the model. AdamW is a variant of Adam with better weight regularization."</a:t>
+            </a:r>
+            <a:endParaRPr sz="1200">
+              <a:solidFill>
+                <a:schemeClr val="dk1"/>
+              </a:solidFill>
+              <a:latin typeface="Roboto"/>
+              <a:ea typeface="Roboto"/>
+              <a:cs typeface="Roboto"/>
+              <a:sym typeface="Roboto"/>
+            </a:endParaRPr>
+          </a:p>
+          <a:p>
+            <a:pPr indent="-304800" lvl="1" marL="914400" rtl="0" algn="l">
+              <a:lnSpc>
+                <a:spcPct val="115000"/>
+              </a:lnSpc>
+              <a:spcBef>
+                <a:spcPts val="0"/>
+              </a:spcBef>
+              <a:spcAft>
+                <a:spcPts val="0"/>
+              </a:spcAft>
+              <a:buClr>
+                <a:schemeClr val="dk1"/>
+              </a:buClr>
+              <a:buSzPts val="1200"/>
+              <a:buFont typeface="Roboto"/>
+              <a:buChar char="●"/>
+            </a:pPr>
+            <a:r>
+              <a:rPr lang="en-US" sz="1200">
+                <a:solidFill>
+                  <a:schemeClr val="dk1"/>
+                </a:solidFill>
+                <a:latin typeface="Roboto"/>
+                <a:ea typeface="Roboto"/>
+                <a:cs typeface="Roboto"/>
+                <a:sym typeface="Roboto"/>
+              </a:rPr>
+              <a:t>now we compare the performance of several machine learning models on our text classification task."</a:t>
+            </a:r>
+            <a:endParaRPr sz="1200">
+              <a:solidFill>
+                <a:schemeClr val="dk1"/>
+              </a:solidFill>
+              <a:latin typeface="Roboto"/>
+              <a:ea typeface="Roboto"/>
+              <a:cs typeface="Roboto"/>
+              <a:sym typeface="Roboto"/>
+            </a:endParaRPr>
+          </a:p>
+          <a:p>
+            <a:pPr indent="-228600" lvl="0" marL="457200" rtl="0" algn="l">
+              <a:lnSpc>
+                <a:spcPct val="115000"/>
+              </a:lnSpc>
+              <a:spcBef>
+                <a:spcPts val="0"/>
+              </a:spcBef>
+              <a:spcAft>
+                <a:spcPts val="0"/>
+              </a:spcAft>
+              <a:buClr>
+                <a:schemeClr val="dk1"/>
+              </a:buClr>
+              <a:buSzPts val="1200"/>
+              <a:buFont typeface="Roboto"/>
+              <a:buNone/>
+            </a:pPr>
+            <a:r>
+              <a:rPr lang="en-US" sz="1200">
+                <a:solidFill>
+                  <a:schemeClr val="dk1"/>
+                </a:solidFill>
+                <a:latin typeface="Roboto"/>
+                <a:ea typeface="Roboto"/>
+                <a:cs typeface="Roboto"/>
+                <a:sym typeface="Roboto"/>
+              </a:rPr>
+              <a:t>"First, we have our baseline models. Naive Bayes showed an accuracy of 86%, while Logistic Regression performed better with 94%."</a:t>
+            </a:r>
+            <a:endParaRPr sz="1200">
+              <a:solidFill>
+                <a:schemeClr val="dk1"/>
+              </a:solidFill>
+              <a:latin typeface="Roboto"/>
+              <a:ea typeface="Roboto"/>
+              <a:cs typeface="Roboto"/>
+              <a:sym typeface="Roboto"/>
+            </a:endParaRPr>
+          </a:p>
+          <a:p>
+            <a:pPr indent="-228600" lvl="0" marL="457200" rtl="0" algn="l">
+              <a:lnSpc>
+                <a:spcPct val="115000"/>
+              </a:lnSpc>
+              <a:spcBef>
+                <a:spcPts val="0"/>
+              </a:spcBef>
+              <a:spcAft>
+                <a:spcPts val="0"/>
+              </a:spcAft>
+              <a:buClr>
+                <a:schemeClr val="dk1"/>
+              </a:buClr>
+              <a:buSzPts val="1200"/>
+              <a:buFont typeface="Roboto"/>
+              <a:buNone/>
+            </a:pPr>
+            <a:r>
+              <a:rPr lang="en-US" sz="1200">
+                <a:solidFill>
+                  <a:schemeClr val="dk1"/>
+                </a:solidFill>
+                <a:latin typeface="Roboto"/>
+                <a:ea typeface="Roboto"/>
+                <a:cs typeface="Roboto"/>
+                <a:sym typeface="Roboto"/>
+              </a:rPr>
+              <a:t>"Next, The LSTM achieved 95% accuracy over 4 epochs, and the CNN surpassed it slightly with 97% accuracy, </a:t>
+            </a:r>
+            <a:endParaRPr sz="1200">
+              <a:solidFill>
+                <a:schemeClr val="dk1"/>
+              </a:solidFill>
+              <a:latin typeface="Roboto"/>
+              <a:ea typeface="Roboto"/>
+              <a:cs typeface="Roboto"/>
+              <a:sym typeface="Roboto"/>
+            </a:endParaRPr>
+          </a:p>
+          <a:p>
+            <a:pPr indent="-228600" lvl="0" marL="457200" rtl="0" algn="l">
+              <a:lnSpc>
+                <a:spcPct val="115000"/>
+              </a:lnSpc>
+              <a:spcBef>
+                <a:spcPts val="0"/>
+              </a:spcBef>
+              <a:spcAft>
+                <a:spcPts val="0"/>
+              </a:spcAft>
+              <a:buClr>
+                <a:schemeClr val="dk1"/>
+              </a:buClr>
+              <a:buSzPts val="1200"/>
+              <a:buFont typeface="Roboto"/>
+              <a:buNone/>
+            </a:pPr>
+            <a:r>
+              <a:rPr lang="en-US" sz="1200">
+                <a:solidFill>
+                  <a:schemeClr val="dk1"/>
+                </a:solidFill>
+                <a:latin typeface="Roboto"/>
+                <a:ea typeface="Roboto"/>
+                <a:cs typeface="Roboto"/>
+                <a:sym typeface="Roboto"/>
+              </a:rPr>
+              <a:t>"Moving to the more advanced transformer models, BERT alone reached 97% accuracy </a:t>
+            </a:r>
+            <a:endParaRPr sz="1200">
+              <a:solidFill>
+                <a:schemeClr val="dk1"/>
+              </a:solidFill>
+              <a:latin typeface="Roboto"/>
+              <a:ea typeface="Roboto"/>
+              <a:cs typeface="Roboto"/>
+              <a:sym typeface="Roboto"/>
+            </a:endParaRPr>
+          </a:p>
+          <a:p>
+            <a:pPr indent="-228600" lvl="0" marL="457200" rtl="0" algn="l">
+              <a:lnSpc>
+                <a:spcPct val="115000"/>
+              </a:lnSpc>
+              <a:spcBef>
+                <a:spcPts val="0"/>
+              </a:spcBef>
+              <a:spcAft>
+                <a:spcPts val="0"/>
+              </a:spcAft>
+              <a:buClr>
+                <a:schemeClr val="dk1"/>
+              </a:buClr>
+              <a:buSzPts val="1200"/>
+              <a:buFont typeface="Roboto"/>
+              <a:buNone/>
+            </a:pPr>
+            <a:r>
+              <a:rPr lang="en-US" sz="1200">
+                <a:solidFill>
+                  <a:schemeClr val="dk1"/>
+                </a:solidFill>
+                <a:latin typeface="Roboto"/>
+                <a:ea typeface="Roboto"/>
+                <a:cs typeface="Roboto"/>
+                <a:sym typeface="Roboto"/>
+              </a:rPr>
+              <a:t>"Combining BERT with LSTM or MLP boosted the accuracy to 98%, but interestingly, BERT with CNN decreased to 82% despite more epochs and the same learning rate as BERT alone."</a:t>
+            </a:r>
+            <a:endParaRPr sz="1200">
+              <a:solidFill>
+                <a:schemeClr val="dk1"/>
+              </a:solidFill>
+              <a:latin typeface="Roboto"/>
+              <a:ea typeface="Roboto"/>
+              <a:cs typeface="Roboto"/>
+              <a:sym typeface="Roboto"/>
+            </a:endParaRPr>
+          </a:p>
+          <a:p>
+            <a:pPr indent="-228600" lvl="0" marL="457200" rtl="0" algn="l">
+              <a:lnSpc>
+                <a:spcPct val="115000"/>
+              </a:lnSpc>
+              <a:spcBef>
+                <a:spcPts val="0"/>
+              </a:spcBef>
+              <a:spcAft>
+                <a:spcPts val="0"/>
+              </a:spcAft>
+              <a:buClr>
+                <a:schemeClr val="dk1"/>
+              </a:buClr>
+              <a:buSzPts val="1200"/>
+              <a:buFont typeface="Roboto"/>
+              <a:buNone/>
+            </a:pPr>
+            <a:r>
+              <a:rPr lang="en-US" sz="1200">
+                <a:solidFill>
+                  <a:schemeClr val="dk1"/>
+                </a:solidFill>
+                <a:latin typeface="Roboto"/>
+                <a:ea typeface="Roboto"/>
+                <a:cs typeface="Roboto"/>
+                <a:sym typeface="Roboto"/>
+              </a:rPr>
+              <a:t>These results show us that while transformer models have high potential, their performance is heavily dependent on the right combination of hyperparameters and architecture."</a:t>
+            </a:r>
+            <a:endParaRPr sz="1200">
+              <a:solidFill>
+                <a:schemeClr val="dk1"/>
+              </a:solidFill>
+              <a:latin typeface="Roboto"/>
+              <a:ea typeface="Roboto"/>
+              <a:cs typeface="Roboto"/>
+              <a:sym typeface="Roboto"/>
+            </a:endParaRPr>
+          </a:p>
+          <a:p>
+            <a:pPr indent="-228600" lvl="0" marL="457200" rtl="0" algn="l">
+              <a:lnSpc>
+                <a:spcPct val="115000"/>
+              </a:lnSpc>
+              <a:spcBef>
+                <a:spcPts val="0"/>
+              </a:spcBef>
+              <a:spcAft>
+                <a:spcPts val="0"/>
+              </a:spcAft>
+              <a:buClr>
+                <a:schemeClr val="dk1"/>
+              </a:buClr>
+              <a:buSzPts val="1200"/>
+              <a:buFont typeface="Roboto"/>
+              <a:buNone/>
+            </a:pPr>
+            <a:r>
+              <a:rPr lang="en-US" sz="1200">
+                <a:solidFill>
+                  <a:schemeClr val="dk1"/>
+                </a:solidFill>
+                <a:latin typeface="Roboto"/>
+                <a:ea typeface="Roboto"/>
+                <a:cs typeface="Roboto"/>
+                <a:sym typeface="Roboto"/>
+              </a:rPr>
+              <a:t>In conclusion, our best-performing model was the BERT+MLP, with an accuracy of 98% over just 3 epochs. This indicates a well-tuned model suitable for our classification needs."</a:t>
+            </a:r>
+            <a:endParaRPr sz="1200">
+              <a:solidFill>
+                <a:schemeClr val="dk1"/>
+              </a:solidFill>
+              <a:latin typeface="Roboto"/>
+              <a:ea typeface="Roboto"/>
+              <a:cs typeface="Roboto"/>
+              <a:sym typeface="Roboto"/>
+            </a:endParaRPr>
+          </a:p>
+          <a:p>
             <a:pPr indent="0" lvl="0" marL="0" rtl="0" algn="l">
-              <a:spcBef>
-                <a:spcPts val="0"/>
+              <a:lnSpc>
+                <a:spcPct val="115000"/>
+              </a:lnSpc>
+              <a:spcBef>
+                <a:spcPts val="1500"/>
               </a:spcBef>
               <a:spcAft>
                 <a:spcPts val="0"/>
@@ -1071,7 +2252,357 @@
             <a:r>
               <a:t/>
             </a:r>
-            <a:endParaRPr/>
+            <a:endParaRPr sz="1200">
+              <a:solidFill>
+                <a:schemeClr val="dk1"/>
+              </a:solidFill>
+              <a:latin typeface="Roboto"/>
+              <a:ea typeface="Roboto"/>
+              <a:cs typeface="Roboto"/>
+              <a:sym typeface="Roboto"/>
+            </a:endParaRPr>
+          </a:p>
+          <a:p>
+            <a:pPr indent="0" lvl="0" marL="0" rtl="0" algn="l">
+              <a:lnSpc>
+                <a:spcPct val="115000"/>
+              </a:lnSpc>
+              <a:spcBef>
+                <a:spcPts val="1500"/>
+              </a:spcBef>
+              <a:spcAft>
+                <a:spcPts val="0"/>
+              </a:spcAft>
+              <a:buNone/>
+            </a:pPr>
+            <a:r>
+              <a:rPr lang="en-US" sz="1200">
+                <a:solidFill>
+                  <a:schemeClr val="dk1"/>
+                </a:solidFill>
+                <a:latin typeface="Roboto"/>
+                <a:ea typeface="Roboto"/>
+                <a:cs typeface="Roboto"/>
+                <a:sym typeface="Roboto"/>
+              </a:rPr>
+              <a:t>epoch</a:t>
+            </a:r>
+            <a:r>
+              <a:rPr lang="en-US" sz="1200">
+                <a:solidFill>
+                  <a:schemeClr val="dk1"/>
+                </a:solidFill>
+                <a:latin typeface="Roboto"/>
+                <a:ea typeface="Roboto"/>
+                <a:cs typeface="Roboto"/>
+                <a:sym typeface="Roboto"/>
+              </a:rPr>
+              <a:t> s,learning rate or sb </a:t>
+            </a:r>
+            <a:r>
+              <a:rPr lang="en-US" sz="1200">
+                <a:solidFill>
+                  <a:schemeClr val="dk1"/>
+                </a:solidFill>
+                <a:latin typeface="Roboto"/>
+                <a:ea typeface="Roboto"/>
+                <a:cs typeface="Roboto"/>
+                <a:sym typeface="Roboto"/>
+              </a:rPr>
+              <a:t>change</a:t>
+            </a:r>
+            <a:r>
+              <a:rPr lang="en-US" sz="1200">
+                <a:solidFill>
+                  <a:schemeClr val="dk1"/>
+                </a:solidFill>
+                <a:latin typeface="Roboto"/>
+                <a:ea typeface="Roboto"/>
+                <a:cs typeface="Roboto"/>
+                <a:sym typeface="Roboto"/>
+              </a:rPr>
+              <a:t> kita to</a:t>
+            </a:r>
+            <a:endParaRPr sz="1200">
+              <a:solidFill>
+                <a:schemeClr val="dk1"/>
+              </a:solidFill>
+              <a:latin typeface="Roboto"/>
+              <a:ea typeface="Roboto"/>
+              <a:cs typeface="Roboto"/>
+              <a:sym typeface="Roboto"/>
+            </a:endParaRPr>
+          </a:p>
+          <a:p>
+            <a:pPr indent="-304800" lvl="0" marL="457200" rtl="0" algn="l">
+              <a:lnSpc>
+                <a:spcPct val="115000"/>
+              </a:lnSpc>
+              <a:spcBef>
+                <a:spcPts val="1500"/>
+              </a:spcBef>
+              <a:spcAft>
+                <a:spcPts val="0"/>
+              </a:spcAft>
+              <a:buClr>
+                <a:schemeClr val="dk1"/>
+              </a:buClr>
+              <a:buSzPts val="1200"/>
+              <a:buFont typeface="Roboto"/>
+              <a:buChar char="●"/>
+            </a:pPr>
+            <a:r>
+              <a:rPr lang="en-US" sz="1200">
+                <a:solidFill>
+                  <a:schemeClr val="dk1"/>
+                </a:solidFill>
+                <a:latin typeface="Roboto"/>
+                <a:ea typeface="Roboto"/>
+                <a:cs typeface="Roboto"/>
+                <a:sym typeface="Roboto"/>
+              </a:rPr>
+              <a:t>Suppose you have the BERT+MLP model with an accuracy of 0.98, trained over 3 epochs with a learning rate of 5e-5, a batch size of 32, and using the AdamW optimizer.</a:t>
+            </a:r>
+            <a:endParaRPr sz="1200">
+              <a:solidFill>
+                <a:schemeClr val="dk1"/>
+              </a:solidFill>
+              <a:latin typeface="Roboto"/>
+              <a:ea typeface="Roboto"/>
+              <a:cs typeface="Roboto"/>
+              <a:sym typeface="Roboto"/>
+            </a:endParaRPr>
+          </a:p>
+          <a:p>
+            <a:pPr indent="-304800" lvl="0" marL="457200" rtl="0" algn="l">
+              <a:lnSpc>
+                <a:spcPct val="115000"/>
+              </a:lnSpc>
+              <a:spcBef>
+                <a:spcPts val="0"/>
+              </a:spcBef>
+              <a:spcAft>
+                <a:spcPts val="0"/>
+              </a:spcAft>
+              <a:buClr>
+                <a:schemeClr val="dk1"/>
+              </a:buClr>
+              <a:buSzPts val="1200"/>
+              <a:buFont typeface="Roboto"/>
+              <a:buChar char="●"/>
+            </a:pPr>
+            <a:r>
+              <a:rPr lang="en-US" sz="1200">
+                <a:solidFill>
+                  <a:schemeClr val="dk1"/>
+                </a:solidFill>
+                <a:latin typeface="Roboto"/>
+                <a:ea typeface="Roboto"/>
+                <a:cs typeface="Roboto"/>
+                <a:sym typeface="Roboto"/>
+              </a:rPr>
+              <a:t>If you increase the epochs to 5, the model might start overfitting, leading to a potentially higher training accuracy but possibly lower validation accuracy.</a:t>
+            </a:r>
+            <a:endParaRPr sz="1200">
+              <a:solidFill>
+                <a:schemeClr val="dk1"/>
+              </a:solidFill>
+              <a:latin typeface="Roboto"/>
+              <a:ea typeface="Roboto"/>
+              <a:cs typeface="Roboto"/>
+              <a:sym typeface="Roboto"/>
+            </a:endParaRPr>
+          </a:p>
+          <a:p>
+            <a:pPr indent="-304800" lvl="0" marL="457200" rtl="0" algn="l">
+              <a:lnSpc>
+                <a:spcPct val="115000"/>
+              </a:lnSpc>
+              <a:spcBef>
+                <a:spcPts val="0"/>
+              </a:spcBef>
+              <a:spcAft>
+                <a:spcPts val="0"/>
+              </a:spcAft>
+              <a:buClr>
+                <a:schemeClr val="dk1"/>
+              </a:buClr>
+              <a:buSzPts val="1200"/>
+              <a:buFont typeface="Roboto"/>
+              <a:buChar char="●"/>
+            </a:pPr>
+            <a:r>
+              <a:rPr lang="en-US" sz="1200">
+                <a:solidFill>
+                  <a:schemeClr val="dk1"/>
+                </a:solidFill>
+                <a:latin typeface="Roboto"/>
+                <a:ea typeface="Roboto"/>
+                <a:cs typeface="Roboto"/>
+                <a:sym typeface="Roboto"/>
+              </a:rPr>
+              <a:t>If you increase the learning rate to 1e-4, the model might converge faster, but it could start to overshoot the optimal solution, which could reduce accuracy.</a:t>
+            </a:r>
+            <a:endParaRPr sz="1200">
+              <a:solidFill>
+                <a:schemeClr val="dk1"/>
+              </a:solidFill>
+              <a:latin typeface="Roboto"/>
+              <a:ea typeface="Roboto"/>
+              <a:cs typeface="Roboto"/>
+              <a:sym typeface="Roboto"/>
+            </a:endParaRPr>
+          </a:p>
+          <a:p>
+            <a:pPr indent="-304800" lvl="0" marL="457200" rtl="0" algn="l">
+              <a:lnSpc>
+                <a:spcPct val="115000"/>
+              </a:lnSpc>
+              <a:spcBef>
+                <a:spcPts val="0"/>
+              </a:spcBef>
+              <a:spcAft>
+                <a:spcPts val="0"/>
+              </a:spcAft>
+              <a:buClr>
+                <a:schemeClr val="dk1"/>
+              </a:buClr>
+              <a:buSzPts val="1200"/>
+              <a:buFont typeface="Roboto"/>
+              <a:buChar char="●"/>
+            </a:pPr>
+            <a:r>
+              <a:rPr lang="en-US" sz="1200">
+                <a:solidFill>
+                  <a:schemeClr val="dk1"/>
+                </a:solidFill>
+                <a:latin typeface="Roboto"/>
+                <a:ea typeface="Roboto"/>
+                <a:cs typeface="Roboto"/>
+                <a:sym typeface="Roboto"/>
+              </a:rPr>
+              <a:t>If you increase the batch size to 64, the training might become faster, but the model might not generalize as well due to convergence to sharper minima.</a:t>
+            </a:r>
+            <a:endParaRPr sz="1200">
+              <a:solidFill>
+                <a:schemeClr val="dk1"/>
+              </a:solidFill>
+              <a:latin typeface="Roboto"/>
+              <a:ea typeface="Roboto"/>
+              <a:cs typeface="Roboto"/>
+              <a:sym typeface="Roboto"/>
+            </a:endParaRPr>
+          </a:p>
+          <a:p>
+            <a:pPr indent="-304800" lvl="0" marL="457200" rtl="0" algn="l">
+              <a:lnSpc>
+                <a:spcPct val="115000"/>
+              </a:lnSpc>
+              <a:spcBef>
+                <a:spcPts val="0"/>
+              </a:spcBef>
+              <a:spcAft>
+                <a:spcPts val="0"/>
+              </a:spcAft>
+              <a:buClr>
+                <a:schemeClr val="dk1"/>
+              </a:buClr>
+              <a:buSzPts val="1200"/>
+              <a:buFont typeface="Roboto"/>
+              <a:buChar char="●"/>
+            </a:pPr>
+            <a:r>
+              <a:rPr lang="en-US" sz="1200">
+                <a:solidFill>
+                  <a:schemeClr val="dk1"/>
+                </a:solidFill>
+                <a:latin typeface="Roboto"/>
+                <a:ea typeface="Roboto"/>
+                <a:cs typeface="Roboto"/>
+                <a:sym typeface="Roboto"/>
+              </a:rPr>
+              <a:t>If you switch the optimizer from AdamW to SGD, you might see a slower convergence and potentially worse performance unless you also adjust the learning rate and introduce momentum.</a:t>
+            </a:r>
+            <a:endParaRPr sz="1200">
+              <a:solidFill>
+                <a:schemeClr val="dk1"/>
+              </a:solidFill>
+              <a:latin typeface="Roboto"/>
+              <a:ea typeface="Roboto"/>
+              <a:cs typeface="Roboto"/>
+              <a:sym typeface="Roboto"/>
+            </a:endParaRPr>
+          </a:p>
+          <a:p>
+            <a:pPr indent="0" lvl="0" marL="457200" rtl="0" algn="l">
+              <a:lnSpc>
+                <a:spcPct val="115000"/>
+              </a:lnSpc>
+              <a:spcBef>
+                <a:spcPts val="1500"/>
+              </a:spcBef>
+              <a:spcAft>
+                <a:spcPts val="0"/>
+              </a:spcAft>
+              <a:buNone/>
+            </a:pPr>
+            <a:r>
+              <a:t/>
+            </a:r>
+            <a:endParaRPr sz="1200">
+              <a:solidFill>
+                <a:schemeClr val="dk1"/>
+              </a:solidFill>
+              <a:latin typeface="Roboto"/>
+              <a:ea typeface="Roboto"/>
+              <a:cs typeface="Roboto"/>
+              <a:sym typeface="Roboto"/>
+            </a:endParaRPr>
+          </a:p>
+          <a:p>
+            <a:pPr indent="0" lvl="0" marL="0" rtl="0" algn="l">
+              <a:lnSpc>
+                <a:spcPct val="115000"/>
+              </a:lnSpc>
+              <a:spcBef>
+                <a:spcPts val="1500"/>
+              </a:spcBef>
+              <a:spcAft>
+                <a:spcPts val="0"/>
+              </a:spcAft>
+              <a:buNone/>
+            </a:pPr>
+            <a:r>
+              <a:t/>
+            </a:r>
+            <a:endParaRPr sz="1200">
+              <a:solidFill>
+                <a:schemeClr val="dk1"/>
+              </a:solidFill>
+              <a:latin typeface="Roboto"/>
+              <a:ea typeface="Roboto"/>
+              <a:cs typeface="Roboto"/>
+              <a:sym typeface="Roboto"/>
+            </a:endParaRPr>
+          </a:p>
+          <a:p>
+            <a:pPr indent="0" lvl="0" marL="0" rtl="0" algn="l">
+              <a:spcBef>
+                <a:spcPts val="1500"/>
+              </a:spcBef>
+              <a:spcAft>
+                <a:spcPts val="0"/>
+              </a:spcAft>
+              <a:buNone/>
+            </a:pPr>
+            <a:r>
+              <a:t/>
+            </a:r>
+            <a:endParaRPr>
+              <a:solidFill>
+                <a:schemeClr val="dk1"/>
+              </a:solidFill>
+            </a:endParaRPr>
           </a:p>
         </p:txBody>
       </p:sp>
@@ -1168,11 +2699,6 @@
               <a:spcAft>
                 <a:spcPts val="0"/>
               </a:spcAft>
-              <a:buClr>
-                <a:schemeClr val="dk1"/>
-              </a:buClr>
-              <a:buSzPts val="1100"/>
-              <a:buFont typeface="Arial"/>
               <a:buNone/>
             </a:pPr>
             <a:r>
@@ -1185,9 +2711,343 @@
                 <a:cs typeface="Times New Roman"/>
                 <a:sym typeface="Times New Roman"/>
               </a:rPr>
-              <a:t>ROUGE-1 measures unigram overlap, ROUGE-2 evaluates bigram overlap, ROUGE-L assesses the longest common subsequence, and ROUGE-Lsum considers unigrams, bigrams, and longest common subsequence in automatic text summarization evaluation.</a:t>
-            </a:r>
-            <a:endParaRPr/>
+              <a:t>The T5 (Text-to-Text Transfer Transformer) is a transformer-based neural network architecture designed for a unified text-to-text approach. Particularly, we have used the pre-trained t5-small-headline-generator model and trained it on our set of training data to generate sarcastic headlines.</a:t>
+            </a:r>
+            <a:endParaRPr sz="1200">
+              <a:solidFill>
+                <a:schemeClr val="dk1"/>
+              </a:solidFill>
+              <a:latin typeface="Times New Roman"/>
+              <a:ea typeface="Times New Roman"/>
+              <a:cs typeface="Times New Roman"/>
+              <a:sym typeface="Times New Roman"/>
+            </a:endParaRPr>
+          </a:p>
+          <a:p>
+            <a:pPr indent="0" lvl="0" marL="0" rtl="0" algn="l">
+              <a:lnSpc>
+                <a:spcPct val="115000"/>
+              </a:lnSpc>
+              <a:spcBef>
+                <a:spcPts val="0"/>
+              </a:spcBef>
+              <a:spcAft>
+                <a:spcPts val="0"/>
+              </a:spcAft>
+              <a:buNone/>
+            </a:pPr>
+            <a:r>
+              <a:t/>
+            </a:r>
+            <a:endParaRPr sz="1200">
+              <a:solidFill>
+                <a:schemeClr val="dk1"/>
+              </a:solidFill>
+              <a:latin typeface="Times New Roman"/>
+              <a:ea typeface="Times New Roman"/>
+              <a:cs typeface="Times New Roman"/>
+              <a:sym typeface="Times New Roman"/>
+            </a:endParaRPr>
+          </a:p>
+          <a:p>
+            <a:pPr indent="0" lvl="0" marL="0" rtl="0" algn="l">
+              <a:lnSpc>
+                <a:spcPct val="115000"/>
+              </a:lnSpc>
+              <a:spcBef>
+                <a:spcPts val="0"/>
+              </a:spcBef>
+              <a:spcAft>
+                <a:spcPts val="0"/>
+              </a:spcAft>
+              <a:buNone/>
+            </a:pPr>
+            <a:r>
+              <a:rPr lang="en-US" sz="1200">
+                <a:solidFill>
+                  <a:schemeClr val="dk1"/>
+                </a:solidFill>
+                <a:latin typeface="Times New Roman"/>
+                <a:ea typeface="Times New Roman"/>
+                <a:cs typeface="Times New Roman"/>
+                <a:sym typeface="Times New Roman"/>
+              </a:rPr>
+              <a:t>To evaluate our model performance, we have used ROUGE (Recall-Oriented Understudy for Gisting Evaluation) metrics to evaluate how well the generated summary captures the key information present in the reference summary or document.</a:t>
+            </a:r>
+            <a:endParaRPr sz="1200">
+              <a:solidFill>
+                <a:schemeClr val="dk1"/>
+              </a:solidFill>
+              <a:latin typeface="Times New Roman"/>
+              <a:ea typeface="Times New Roman"/>
+              <a:cs typeface="Times New Roman"/>
+              <a:sym typeface="Times New Roman"/>
+            </a:endParaRPr>
+          </a:p>
+          <a:p>
+            <a:pPr indent="0" lvl="0" marL="0" rtl="0" algn="l">
+              <a:lnSpc>
+                <a:spcPct val="115000"/>
+              </a:lnSpc>
+              <a:spcBef>
+                <a:spcPts val="0"/>
+              </a:spcBef>
+              <a:spcAft>
+                <a:spcPts val="0"/>
+              </a:spcAft>
+              <a:buNone/>
+            </a:pPr>
+            <a:r>
+              <a:rPr lang="en-US" sz="1200">
+                <a:solidFill>
+                  <a:schemeClr val="dk1"/>
+                </a:solidFill>
+                <a:latin typeface="Times New Roman"/>
+                <a:ea typeface="Times New Roman"/>
+                <a:cs typeface="Times New Roman"/>
+                <a:sym typeface="Times New Roman"/>
+              </a:rPr>
+              <a:t>ROUGE-1 measures unigram overlap between the generated text and reference text,</a:t>
+            </a:r>
+            <a:endParaRPr sz="1200">
+              <a:solidFill>
+                <a:schemeClr val="dk1"/>
+              </a:solidFill>
+              <a:latin typeface="Times New Roman"/>
+              <a:ea typeface="Times New Roman"/>
+              <a:cs typeface="Times New Roman"/>
+              <a:sym typeface="Times New Roman"/>
+            </a:endParaRPr>
+          </a:p>
+          <a:p>
+            <a:pPr indent="0" lvl="0" marL="0" rtl="0" algn="l">
+              <a:lnSpc>
+                <a:spcPct val="115000"/>
+              </a:lnSpc>
+              <a:spcBef>
+                <a:spcPts val="0"/>
+              </a:spcBef>
+              <a:spcAft>
+                <a:spcPts val="0"/>
+              </a:spcAft>
+              <a:buNone/>
+            </a:pPr>
+            <a:r>
+              <a:rPr lang="en-US" sz="1200">
+                <a:solidFill>
+                  <a:schemeClr val="dk1"/>
+                </a:solidFill>
+                <a:latin typeface="Times New Roman"/>
+                <a:ea typeface="Times New Roman"/>
+                <a:cs typeface="Times New Roman"/>
+                <a:sym typeface="Times New Roman"/>
+              </a:rPr>
+              <a:t>ROUGE-2 evaluates bigram</a:t>
+            </a:r>
+            <a:r>
+              <a:rPr lang="en-US" sz="1200">
+                <a:solidFill>
+                  <a:schemeClr val="dk1"/>
+                </a:solidFill>
+                <a:latin typeface="Times New Roman"/>
+                <a:ea typeface="Times New Roman"/>
+                <a:cs typeface="Times New Roman"/>
+                <a:sym typeface="Times New Roman"/>
+              </a:rPr>
+              <a:t>, </a:t>
+            </a:r>
+            <a:endParaRPr sz="1200">
+              <a:solidFill>
+                <a:schemeClr val="dk1"/>
+              </a:solidFill>
+              <a:latin typeface="Times New Roman"/>
+              <a:ea typeface="Times New Roman"/>
+              <a:cs typeface="Times New Roman"/>
+              <a:sym typeface="Times New Roman"/>
+            </a:endParaRPr>
+          </a:p>
+          <a:p>
+            <a:pPr indent="0" lvl="0" marL="0" rtl="0" algn="l">
+              <a:lnSpc>
+                <a:spcPct val="115000"/>
+              </a:lnSpc>
+              <a:spcBef>
+                <a:spcPts val="0"/>
+              </a:spcBef>
+              <a:spcAft>
+                <a:spcPts val="0"/>
+              </a:spcAft>
+              <a:buNone/>
+            </a:pPr>
+            <a:r>
+              <a:rPr lang="en-US" sz="1200">
+                <a:solidFill>
+                  <a:schemeClr val="dk1"/>
+                </a:solidFill>
+                <a:latin typeface="Times New Roman"/>
+                <a:ea typeface="Times New Roman"/>
+                <a:cs typeface="Times New Roman"/>
+                <a:sym typeface="Times New Roman"/>
+              </a:rPr>
+              <a:t>ROUGE-L assesses the longest common subsequence, </a:t>
+            </a:r>
+            <a:endParaRPr sz="1200">
+              <a:solidFill>
+                <a:schemeClr val="dk1"/>
+              </a:solidFill>
+              <a:latin typeface="Times New Roman"/>
+              <a:ea typeface="Times New Roman"/>
+              <a:cs typeface="Times New Roman"/>
+              <a:sym typeface="Times New Roman"/>
+            </a:endParaRPr>
+          </a:p>
+          <a:p>
+            <a:pPr indent="0" lvl="0" marL="0" rtl="0" algn="l">
+              <a:lnSpc>
+                <a:spcPct val="115000"/>
+              </a:lnSpc>
+              <a:spcBef>
+                <a:spcPts val="0"/>
+              </a:spcBef>
+              <a:spcAft>
+                <a:spcPts val="0"/>
+              </a:spcAft>
+              <a:buNone/>
+            </a:pPr>
+            <a:r>
+              <a:rPr lang="en-US" sz="1200">
+                <a:solidFill>
+                  <a:schemeClr val="dk1"/>
+                </a:solidFill>
+                <a:latin typeface="Times New Roman"/>
+                <a:ea typeface="Times New Roman"/>
+                <a:cs typeface="Times New Roman"/>
+                <a:sym typeface="Times New Roman"/>
+              </a:rPr>
+              <a:t>and ROUGE-Lsum considers unigrams, bigrams, and longest common subsequence in automatic text summarization evaluation.</a:t>
+            </a:r>
+            <a:endParaRPr sz="1200">
+              <a:solidFill>
+                <a:schemeClr val="dk1"/>
+              </a:solidFill>
+              <a:latin typeface="Times New Roman"/>
+              <a:ea typeface="Times New Roman"/>
+              <a:cs typeface="Times New Roman"/>
+              <a:sym typeface="Times New Roman"/>
+            </a:endParaRPr>
+          </a:p>
+          <a:p>
+            <a:pPr indent="0" lvl="0" marL="0" rtl="0" algn="l">
+              <a:lnSpc>
+                <a:spcPct val="115000"/>
+              </a:lnSpc>
+              <a:spcBef>
+                <a:spcPts val="0"/>
+              </a:spcBef>
+              <a:spcAft>
+                <a:spcPts val="0"/>
+              </a:spcAft>
+              <a:buNone/>
+            </a:pPr>
+            <a:r>
+              <a:rPr lang="en-US" sz="1200">
+                <a:solidFill>
+                  <a:schemeClr val="dk1"/>
+                </a:solidFill>
+                <a:latin typeface="Times New Roman"/>
+                <a:ea typeface="Times New Roman"/>
+                <a:cs typeface="Times New Roman"/>
+                <a:sym typeface="Times New Roman"/>
+              </a:rPr>
+              <a:t>A ROUGE score of over 0.5 means that the model is </a:t>
+            </a:r>
+            <a:r>
+              <a:rPr lang="en-US" sz="1200">
+                <a:solidFill>
+                  <a:schemeClr val="dk1"/>
+                </a:solidFill>
+                <a:latin typeface="Times New Roman"/>
+                <a:ea typeface="Times New Roman"/>
+                <a:cs typeface="Times New Roman"/>
+                <a:sym typeface="Times New Roman"/>
+              </a:rPr>
+              <a:t>capturing most of the required features.</a:t>
+            </a:r>
+            <a:endParaRPr sz="1200">
+              <a:solidFill>
+                <a:schemeClr val="dk1"/>
+              </a:solidFill>
+              <a:latin typeface="Times New Roman"/>
+              <a:ea typeface="Times New Roman"/>
+              <a:cs typeface="Times New Roman"/>
+              <a:sym typeface="Times New Roman"/>
+            </a:endParaRPr>
+          </a:p>
+          <a:p>
+            <a:pPr indent="0" lvl="0" marL="0" rtl="0" algn="l">
+              <a:lnSpc>
+                <a:spcPct val="115000"/>
+              </a:lnSpc>
+              <a:spcBef>
+                <a:spcPts val="0"/>
+              </a:spcBef>
+              <a:spcAft>
+                <a:spcPts val="0"/>
+              </a:spcAft>
+              <a:buNone/>
+            </a:pPr>
+            <a:r>
+              <a:t/>
+            </a:r>
+            <a:endParaRPr sz="1200">
+              <a:solidFill>
+                <a:schemeClr val="dk1"/>
+              </a:solidFill>
+              <a:latin typeface="Times New Roman"/>
+              <a:ea typeface="Times New Roman"/>
+              <a:cs typeface="Times New Roman"/>
+              <a:sym typeface="Times New Roman"/>
+            </a:endParaRPr>
+          </a:p>
+          <a:p>
+            <a:pPr indent="0" lvl="0" marL="0" rtl="0" algn="l">
+              <a:lnSpc>
+                <a:spcPct val="115000"/>
+              </a:lnSpc>
+              <a:spcBef>
+                <a:spcPts val="0"/>
+              </a:spcBef>
+              <a:spcAft>
+                <a:spcPts val="0"/>
+              </a:spcAft>
+              <a:buClr>
+                <a:schemeClr val="dk1"/>
+              </a:buClr>
+              <a:buSzPts val="1100"/>
+              <a:buFont typeface="Arial"/>
+              <a:buNone/>
+            </a:pPr>
+            <a:r>
+              <a:rPr lang="en-US" sz="1200">
+                <a:solidFill>
+                  <a:schemeClr val="dk1"/>
+                </a:solidFill>
+                <a:latin typeface="Times New Roman"/>
+                <a:ea typeface="Times New Roman"/>
+                <a:cs typeface="Times New Roman"/>
+                <a:sym typeface="Times New Roman"/>
+              </a:rPr>
+              <a:t>Here we have trained our model over 30 epochs and most of the ROUGE scores are over 0.5. This suggests that the generated summaries are capturing the content and context well, but the ROUGE-2 is relatively lower. ROUGE-2 focuses on bigrams, which involve the structure and ordering of words. So one potential explanation for this is that the generated summaries preserve content but rearrange or rephrase words.</a:t>
+            </a:r>
+            <a:endParaRPr sz="1200">
+              <a:solidFill>
+                <a:schemeClr val="dk1"/>
+              </a:solidFill>
+              <a:latin typeface="Times New Roman"/>
+              <a:ea typeface="Times New Roman"/>
+              <a:cs typeface="Times New Roman"/>
+              <a:sym typeface="Times New Roman"/>
+            </a:endParaRPr>
           </a:p>
         </p:txBody>
       </p:sp>
@@ -1275,6 +3135,9 @@
           <a:lstStyle/>
           <a:p>
             <a:pPr indent="0" lvl="0" marL="0" rtl="0" algn="l">
+              <a:lnSpc>
+                <a:spcPct val="115000"/>
+              </a:lnSpc>
               <a:spcBef>
                 <a:spcPts val="0"/>
               </a:spcBef>
@@ -1284,9 +3147,153 @@
               <a:buNone/>
             </a:pPr>
             <a:r>
+              <a:rPr lang="en-US" sz="1200">
+                <a:solidFill>
+                  <a:schemeClr val="dk1"/>
+                </a:solidFill>
+                <a:latin typeface="Times New Roman"/>
+                <a:ea typeface="Times New Roman"/>
+                <a:cs typeface="Times New Roman"/>
+                <a:sym typeface="Times New Roman"/>
+              </a:rPr>
+              <a:t>Understanding how the model summarized the text is a very complex task. We tried to use SHAP to interpret the summarized text and how the model interpreted the words.</a:t>
+            </a:r>
+            <a:endParaRPr sz="1200">
+              <a:solidFill>
+                <a:schemeClr val="dk1"/>
+              </a:solidFill>
+              <a:latin typeface="Times New Roman"/>
+              <a:ea typeface="Times New Roman"/>
+              <a:cs typeface="Times New Roman"/>
+              <a:sym typeface="Times New Roman"/>
+            </a:endParaRPr>
+          </a:p>
+          <a:p>
+            <a:pPr indent="0" lvl="0" marL="0" rtl="0" algn="l">
+              <a:lnSpc>
+                <a:spcPct val="115000"/>
+              </a:lnSpc>
+              <a:spcBef>
+                <a:spcPts val="0"/>
+              </a:spcBef>
+              <a:spcAft>
+                <a:spcPts val="0"/>
+              </a:spcAft>
+              <a:buNone/>
+            </a:pPr>
+            <a:r>
               <a:t/>
             </a:r>
-            <a:endParaRPr/>
+            <a:endParaRPr sz="1200">
+              <a:solidFill>
+                <a:schemeClr val="dk1"/>
+              </a:solidFill>
+              <a:latin typeface="Times New Roman"/>
+              <a:ea typeface="Times New Roman"/>
+              <a:cs typeface="Times New Roman"/>
+              <a:sym typeface="Times New Roman"/>
+            </a:endParaRPr>
+          </a:p>
+          <a:p>
+            <a:pPr indent="0" lvl="0" marL="0" rtl="0" algn="l">
+              <a:lnSpc>
+                <a:spcPct val="115000"/>
+              </a:lnSpc>
+              <a:spcBef>
+                <a:spcPts val="0"/>
+              </a:spcBef>
+              <a:spcAft>
+                <a:spcPts val="0"/>
+              </a:spcAft>
+              <a:buNone/>
+            </a:pPr>
+            <a:r>
+              <a:rPr lang="en-US" sz="1200">
+                <a:solidFill>
+                  <a:schemeClr val="dk1"/>
+                </a:solidFill>
+                <a:latin typeface="Times New Roman"/>
+                <a:ea typeface="Times New Roman"/>
+                <a:cs typeface="Times New Roman"/>
+                <a:sym typeface="Times New Roman"/>
+              </a:rPr>
+              <a:t>SHAP (SHapley Additive exPlanations) is a model-agnostic framework for interpreting the output of machine learning models. It assigns fair contributions to individual input features, allowing for a nuanced understanding of a model's decision process.</a:t>
+            </a:r>
+            <a:endParaRPr sz="1200">
+              <a:solidFill>
+                <a:schemeClr val="dk1"/>
+              </a:solidFill>
+              <a:latin typeface="Times New Roman"/>
+              <a:ea typeface="Times New Roman"/>
+              <a:cs typeface="Times New Roman"/>
+              <a:sym typeface="Times New Roman"/>
+            </a:endParaRPr>
+          </a:p>
+          <a:p>
+            <a:pPr indent="0" lvl="0" marL="0" rtl="0" algn="l">
+              <a:lnSpc>
+                <a:spcPct val="115000"/>
+              </a:lnSpc>
+              <a:spcBef>
+                <a:spcPts val="0"/>
+              </a:spcBef>
+              <a:spcAft>
+                <a:spcPts val="0"/>
+              </a:spcAft>
+              <a:buNone/>
+            </a:pPr>
+            <a:r>
+              <a:rPr lang="en-US" sz="1200">
+                <a:solidFill>
+                  <a:schemeClr val="dk1"/>
+                </a:solidFill>
+                <a:latin typeface="Times New Roman"/>
+                <a:ea typeface="Times New Roman"/>
+                <a:cs typeface="Times New Roman"/>
+                <a:sym typeface="Times New Roman"/>
+              </a:rPr>
+              <a:t>Here, we can see that the word with higher red intensity indicates that this token significantly increased the model's prediction for the specific summary. While, there are some words with blue intensity indicating that these tokens slightly decreased the model's prediction for the specific summary. This suggests that the model identified "airport", “checkpoint”, “remind” as a key words for summarizing the article.</a:t>
+            </a:r>
+            <a:endParaRPr sz="1200">
+              <a:solidFill>
+                <a:schemeClr val="dk1"/>
+              </a:solidFill>
+              <a:latin typeface="Times New Roman"/>
+              <a:ea typeface="Times New Roman"/>
+              <a:cs typeface="Times New Roman"/>
+              <a:sym typeface="Times New Roman"/>
+            </a:endParaRPr>
+          </a:p>
+          <a:p>
+            <a:pPr indent="0" lvl="0" marL="0" rtl="0" algn="l">
+              <a:lnSpc>
+                <a:spcPct val="115000"/>
+              </a:lnSpc>
+              <a:spcBef>
+                <a:spcPts val="0"/>
+              </a:spcBef>
+              <a:spcAft>
+                <a:spcPts val="0"/>
+              </a:spcAft>
+              <a:buClr>
+                <a:schemeClr val="dk1"/>
+              </a:buClr>
+              <a:buSzPts val="1100"/>
+              <a:buFont typeface="Arial"/>
+              <a:buNone/>
+            </a:pPr>
+            <a:r>
+              <a:t/>
+            </a:r>
+            <a:endParaRPr sz="1200">
+              <a:solidFill>
+                <a:schemeClr val="dk1"/>
+              </a:solidFill>
+              <a:latin typeface="Times New Roman"/>
+              <a:ea typeface="Times New Roman"/>
+              <a:cs typeface="Times New Roman"/>
+              <a:sym typeface="Times New Roman"/>
+            </a:endParaRPr>
           </a:p>
         </p:txBody>
       </p:sp>
@@ -1374,6 +3381,9 @@
           <a:lstStyle/>
           <a:p>
             <a:pPr indent="0" lvl="0" marL="0" rtl="0" algn="l">
+              <a:lnSpc>
+                <a:spcPct val="115000"/>
+              </a:lnSpc>
               <a:spcBef>
                 <a:spcPts val="0"/>
               </a:spcBef>
@@ -1383,9 +3393,207 @@
               <a:buNone/>
             </a:pPr>
             <a:r>
+              <a:rPr lang="en-US" sz="1200">
+                <a:solidFill>
+                  <a:schemeClr val="dk1"/>
+                </a:solidFill>
+                <a:latin typeface="Times New Roman"/>
+                <a:ea typeface="Times New Roman"/>
+                <a:cs typeface="Times New Roman"/>
+                <a:sym typeface="Times New Roman"/>
+              </a:rPr>
+              <a:t>The integration of BERT with other neural network architectures has proven to be highly effective for sarcasm detection, outperforming traditional models and even other advanced neural network-based classifiers. The text summarization model gave a good ROUGE score &amp; provided some good results. </a:t>
+            </a:r>
+            <a:endParaRPr sz="1200">
+              <a:solidFill>
+                <a:schemeClr val="dk1"/>
+              </a:solidFill>
+              <a:latin typeface="Times New Roman"/>
+              <a:ea typeface="Times New Roman"/>
+              <a:cs typeface="Times New Roman"/>
+              <a:sym typeface="Times New Roman"/>
+            </a:endParaRPr>
+          </a:p>
+          <a:p>
+            <a:pPr indent="0" lvl="0" marL="0" rtl="0" algn="l">
+              <a:lnSpc>
+                <a:spcPct val="115000"/>
+              </a:lnSpc>
+              <a:spcBef>
+                <a:spcPts val="0"/>
+              </a:spcBef>
+              <a:spcAft>
+                <a:spcPts val="0"/>
+              </a:spcAft>
+              <a:buNone/>
+            </a:pPr>
+            <a:r>
               <a:t/>
             </a:r>
-            <a:endParaRPr/>
+            <a:endParaRPr sz="1200">
+              <a:solidFill>
+                <a:schemeClr val="dk1"/>
+              </a:solidFill>
+              <a:latin typeface="Times New Roman"/>
+              <a:ea typeface="Times New Roman"/>
+              <a:cs typeface="Times New Roman"/>
+              <a:sym typeface="Times New Roman"/>
+            </a:endParaRPr>
+          </a:p>
+          <a:p>
+            <a:pPr indent="0" lvl="0" marL="0" rtl="0" algn="l">
+              <a:lnSpc>
+                <a:spcPct val="115000"/>
+              </a:lnSpc>
+              <a:spcBef>
+                <a:spcPts val="0"/>
+              </a:spcBef>
+              <a:spcAft>
+                <a:spcPts val="0"/>
+              </a:spcAft>
+              <a:buNone/>
+            </a:pPr>
+            <a:r>
+              <a:rPr lang="en-US" sz="1200">
+                <a:solidFill>
+                  <a:schemeClr val="dk1"/>
+                </a:solidFill>
+                <a:latin typeface="Times New Roman"/>
+                <a:ea typeface="Times New Roman"/>
+                <a:cs typeface="Times New Roman"/>
+                <a:sym typeface="Times New Roman"/>
+              </a:rPr>
+              <a:t>However, we observed a number of things that can be improved in future:</a:t>
+            </a:r>
+            <a:endParaRPr sz="1200">
+              <a:solidFill>
+                <a:schemeClr val="dk1"/>
+              </a:solidFill>
+              <a:latin typeface="Times New Roman"/>
+              <a:ea typeface="Times New Roman"/>
+              <a:cs typeface="Times New Roman"/>
+              <a:sym typeface="Times New Roman"/>
+            </a:endParaRPr>
+          </a:p>
+          <a:p>
+            <a:pPr indent="-304800" lvl="0" marL="457200" rtl="0" algn="l">
+              <a:lnSpc>
+                <a:spcPct val="115000"/>
+              </a:lnSpc>
+              <a:spcBef>
+                <a:spcPts val="1500"/>
+              </a:spcBef>
+              <a:spcAft>
+                <a:spcPts val="0"/>
+              </a:spcAft>
+              <a:buClr>
+                <a:schemeClr val="dk1"/>
+              </a:buClr>
+              <a:buSzPts val="1200"/>
+              <a:buFont typeface="Times New Roman"/>
+              <a:buChar char="●"/>
+            </a:pPr>
+            <a:r>
+              <a:rPr lang="en-US" sz="1200">
+                <a:solidFill>
+                  <a:schemeClr val="dk1"/>
+                </a:solidFill>
+                <a:latin typeface="Times New Roman"/>
+                <a:ea typeface="Times New Roman"/>
+                <a:cs typeface="Times New Roman"/>
+                <a:sym typeface="Times New Roman"/>
+              </a:rPr>
+              <a:t>Dataset Expansion: Incorporation of more diverse datasets to improve the model's robustness and applicability across different contexts.</a:t>
+            </a:r>
+            <a:endParaRPr sz="1200">
+              <a:solidFill>
+                <a:schemeClr val="dk1"/>
+              </a:solidFill>
+              <a:latin typeface="Times New Roman"/>
+              <a:ea typeface="Times New Roman"/>
+              <a:cs typeface="Times New Roman"/>
+              <a:sym typeface="Times New Roman"/>
+            </a:endParaRPr>
+          </a:p>
+          <a:p>
+            <a:pPr indent="-304800" lvl="0" marL="457200" rtl="0" algn="l">
+              <a:lnSpc>
+                <a:spcPct val="115000"/>
+              </a:lnSpc>
+              <a:spcBef>
+                <a:spcPts val="0"/>
+              </a:spcBef>
+              <a:spcAft>
+                <a:spcPts val="0"/>
+              </a:spcAft>
+              <a:buClr>
+                <a:schemeClr val="dk1"/>
+              </a:buClr>
+              <a:buSzPts val="1200"/>
+              <a:buFont typeface="Times New Roman"/>
+              <a:buChar char="●"/>
+            </a:pPr>
+            <a:r>
+              <a:rPr lang="en-US" sz="1200">
+                <a:solidFill>
+                  <a:schemeClr val="dk1"/>
+                </a:solidFill>
+                <a:latin typeface="Times New Roman"/>
+                <a:ea typeface="Times New Roman"/>
+                <a:cs typeface="Times New Roman"/>
+                <a:sym typeface="Times New Roman"/>
+              </a:rPr>
+              <a:t>Model Optimization: Further refinement of hyperparameters for transformer models to enhance their ability to detect sarcasm.</a:t>
+            </a:r>
+            <a:endParaRPr sz="1200">
+              <a:solidFill>
+                <a:schemeClr val="dk1"/>
+              </a:solidFill>
+              <a:latin typeface="Times New Roman"/>
+              <a:ea typeface="Times New Roman"/>
+              <a:cs typeface="Times New Roman"/>
+              <a:sym typeface="Times New Roman"/>
+            </a:endParaRPr>
+          </a:p>
+          <a:p>
+            <a:pPr indent="-304800" lvl="0" marL="457200" rtl="0" algn="l">
+              <a:lnSpc>
+                <a:spcPct val="115000"/>
+              </a:lnSpc>
+              <a:spcBef>
+                <a:spcPts val="0"/>
+              </a:spcBef>
+              <a:spcAft>
+                <a:spcPts val="0"/>
+              </a:spcAft>
+              <a:buClr>
+                <a:schemeClr val="dk1"/>
+              </a:buClr>
+              <a:buSzPts val="1200"/>
+              <a:buFont typeface="Times New Roman"/>
+              <a:buChar char="●"/>
+            </a:pPr>
+            <a:r>
+              <a:rPr lang="en-US" sz="1200">
+                <a:solidFill>
+                  <a:schemeClr val="dk1"/>
+                </a:solidFill>
+                <a:latin typeface="Times New Roman"/>
+                <a:ea typeface="Times New Roman"/>
+                <a:cs typeface="Times New Roman"/>
+                <a:sym typeface="Times New Roman"/>
+              </a:rPr>
+              <a:t>Summarization Improvement: Development of a more sophisticated approach for the t5-small-headline-generator to improve its performance in generating contextually relevant sarcastic summaries.</a:t>
+            </a:r>
+            <a:endParaRPr sz="1200">
+              <a:solidFill>
+                <a:schemeClr val="dk1"/>
+              </a:solidFill>
+              <a:latin typeface="Times New Roman"/>
+              <a:ea typeface="Times New Roman"/>
+              <a:cs typeface="Times New Roman"/>
+              <a:sym typeface="Times New Roman"/>
+            </a:endParaRPr>
           </a:p>
         </p:txBody>
       </p:sp>
@@ -1581,7 +3789,8 @@
               <a:buNone/>
             </a:pPr>
             <a:r>
-              <a:t/>
+              <a:rPr lang="en-US"/>
+              <a:t>In our project, we aimed to develop an advanced NLP model capable of accurately classifying news headlines as sarcastic or non-sarcastic. Utilizing LSTM networks and BERT, we delved deep into the complexities of language to identify sarcasm. Additionally, we implemented transformer-based models like the T5, designed to not only detect but also mimic sarcasm in news summaries.</a:t>
             </a:r>
             <a:endParaRPr/>
           </a:p>
@@ -1677,6 +3886,90 @@
               <a:spcAft>
                 <a:spcPts val="0"/>
               </a:spcAft>
+              <a:buClr>
+                <a:schemeClr val="dk1"/>
+              </a:buClr>
+              <a:buSzPts val="1100"/>
+              <a:buFont typeface="Arial"/>
+              <a:buNone/>
+            </a:pPr>
+            <a:r>
+              <a:rPr lang="en-US"/>
+              <a:t>"For our project, we sourced our data available on Kaggle. </a:t>
+            </a:r>
+            <a:endParaRPr/>
+          </a:p>
+          <a:p>
+            <a:pPr indent="0" lvl="0" marL="0" rtl="0" algn="l">
+              <a:spcBef>
+                <a:spcPts val="0"/>
+              </a:spcBef>
+              <a:spcAft>
+                <a:spcPts val="0"/>
+              </a:spcAft>
+              <a:buClr>
+                <a:schemeClr val="dk1"/>
+              </a:buClr>
+              <a:buSzPts val="1100"/>
+              <a:buFont typeface="Arial"/>
+              <a:buNone/>
+            </a:pPr>
+            <a:r>
+              <a:rPr lang="en-US"/>
+              <a:t>The dataset contains 55,328 headlines, offering a rich and varied set of data points for training our models.</a:t>
+            </a:r>
+            <a:endParaRPr/>
+          </a:p>
+          <a:p>
+            <a:pPr indent="0" lvl="0" marL="0" rtl="0" algn="l">
+              <a:spcBef>
+                <a:spcPts val="0"/>
+              </a:spcBef>
+              <a:spcAft>
+                <a:spcPts val="0"/>
+              </a:spcAft>
+              <a:buClr>
+                <a:schemeClr val="dk1"/>
+              </a:buClr>
+              <a:buSzPts val="1100"/>
+              <a:buFont typeface="Arial"/>
+              <a:buNone/>
+            </a:pPr>
+            <a:r>
+              <a:rPr lang="en-US"/>
+              <a:t>We used headlines from two distinct sources - TheOnion for sarcastic content, and HuffPost for genuine news headlines, providing a balance of humorous and serious tones.</a:t>
+            </a:r>
+            <a:endParaRPr/>
+          </a:p>
+          <a:p>
+            <a:pPr indent="0" lvl="0" marL="0" rtl="0" algn="l">
+              <a:spcBef>
+                <a:spcPts val="0"/>
+              </a:spcBef>
+              <a:spcAft>
+                <a:spcPts val="0"/>
+              </a:spcAft>
+              <a:buClr>
+                <a:schemeClr val="dk1"/>
+              </a:buClr>
+              <a:buSzPts val="1100"/>
+              <a:buFont typeface="Arial"/>
+              <a:buNone/>
+            </a:pPr>
+            <a:r>
+              <a:rPr lang="en-US"/>
+              <a:t>Structured Data: Each record comes with two key attributes - the sarcasm label indicating whether it's sarcastic or not, and the headline text itself,analysis.'article_link': A URL pointing to the original news article. Now to perform text summarization task we scrapped the sarcastic data from The Onion website for text summarization.</a:t>
+            </a:r>
+            <a:endParaRPr/>
+          </a:p>
+          <a:p>
+            <a:pPr indent="0" lvl="0" marL="0" rtl="0" algn="l">
+              <a:spcBef>
+                <a:spcPts val="0"/>
+              </a:spcBef>
+              <a:spcAft>
+                <a:spcPts val="0"/>
+              </a:spcAft>
               <a:buNone/>
             </a:pPr>
             <a:r>
@@ -1868,19 +4161,304 @@
           </a:bodyPr>
           <a:lstStyle/>
           <a:p>
-            <a:pPr indent="0" lvl="0" marL="0" rtl="0" algn="l">
-              <a:spcBef>
-                <a:spcPts val="0"/>
-              </a:spcBef>
-              <a:spcAft>
-                <a:spcPts val="0"/>
-              </a:spcAft>
-              <a:buNone/>
+            <a:pPr indent="-304800" lvl="1" marL="914400" rtl="0" algn="l">
+              <a:lnSpc>
+                <a:spcPct val="115000"/>
+              </a:lnSpc>
+              <a:spcBef>
+                <a:spcPts val="1500"/>
+              </a:spcBef>
+              <a:spcAft>
+                <a:spcPts val="0"/>
+              </a:spcAft>
+              <a:buClr>
+                <a:schemeClr val="dk1"/>
+              </a:buClr>
+              <a:buSzPts val="1200"/>
+              <a:buFont typeface="Roboto"/>
+              <a:buChar char="●"/>
             </a:pPr>
             <a:r>
-              <a:t/>
-            </a:r>
-            <a:endParaRPr/>
+              <a:rPr lang="en-US" sz="1200">
+                <a:solidFill>
+                  <a:schemeClr val="dk1"/>
+                </a:solidFill>
+                <a:latin typeface="Roboto"/>
+                <a:ea typeface="Roboto"/>
+                <a:cs typeface="Roboto"/>
+                <a:sym typeface="Roboto"/>
+              </a:rPr>
+              <a:t>Our first step in preprocessing is Data Cleaning. Here, we use regular expressions tool to remove unnecessary elements like numbers, punctuations, and </a:t>
+            </a:r>
+            <a:r>
+              <a:rPr lang="en-US" sz="1200">
+                <a:solidFill>
+                  <a:schemeClr val="dk1"/>
+                </a:solidFill>
+                <a:latin typeface="Roboto"/>
+                <a:ea typeface="Roboto"/>
+                <a:cs typeface="Roboto"/>
+                <a:sym typeface="Roboto"/>
+              </a:rPr>
+              <a:t>unnecessary characters</a:t>
+            </a:r>
+            <a:r>
+              <a:rPr lang="en-US" sz="1200">
+                <a:solidFill>
+                  <a:schemeClr val="dk1"/>
+                </a:solidFill>
+                <a:latin typeface="Roboto"/>
+                <a:ea typeface="Roboto"/>
+                <a:cs typeface="Roboto"/>
+                <a:sym typeface="Roboto"/>
+              </a:rPr>
+              <a:t> from our text data."</a:t>
+            </a:r>
+            <a:endParaRPr sz="1200">
+              <a:solidFill>
+                <a:schemeClr val="dk1"/>
+              </a:solidFill>
+              <a:latin typeface="Roboto"/>
+              <a:ea typeface="Roboto"/>
+              <a:cs typeface="Roboto"/>
+              <a:sym typeface="Roboto"/>
+            </a:endParaRPr>
+          </a:p>
+          <a:p>
+            <a:pPr indent="-304800" lvl="1" marL="914400" rtl="0" algn="l">
+              <a:lnSpc>
+                <a:spcPct val="115000"/>
+              </a:lnSpc>
+              <a:spcBef>
+                <a:spcPts val="0"/>
+              </a:spcBef>
+              <a:spcAft>
+                <a:spcPts val="0"/>
+              </a:spcAft>
+              <a:buClr>
+                <a:schemeClr val="dk1"/>
+              </a:buClr>
+              <a:buSzPts val="1200"/>
+              <a:buFont typeface="Roboto"/>
+              <a:buChar char="●"/>
+            </a:pPr>
+            <a:r>
+              <a:rPr lang="en-US" sz="1200">
+                <a:solidFill>
+                  <a:schemeClr val="dk1"/>
+                </a:solidFill>
+                <a:latin typeface="Roboto"/>
+                <a:ea typeface="Roboto"/>
+                <a:cs typeface="Roboto"/>
+                <a:sym typeface="Roboto"/>
+              </a:rPr>
+              <a:t>We also transform all the text to lowercase. This ensures uniformity, making our data more easier to analyze."</a:t>
+            </a:r>
+            <a:endParaRPr sz="1200">
+              <a:solidFill>
+                <a:schemeClr val="dk1"/>
+              </a:solidFill>
+              <a:latin typeface="Roboto"/>
+              <a:ea typeface="Roboto"/>
+              <a:cs typeface="Roboto"/>
+              <a:sym typeface="Roboto"/>
+            </a:endParaRPr>
+          </a:p>
+          <a:p>
+            <a:pPr indent="-228600" lvl="0" marL="457200" rtl="0" algn="l">
+              <a:lnSpc>
+                <a:spcPct val="115000"/>
+              </a:lnSpc>
+              <a:spcBef>
+                <a:spcPts val="0"/>
+              </a:spcBef>
+              <a:spcAft>
+                <a:spcPts val="0"/>
+              </a:spcAft>
+              <a:buClr>
+                <a:schemeClr val="dk1"/>
+              </a:buClr>
+              <a:buSzPts val="1200"/>
+              <a:buFont typeface="Roboto"/>
+              <a:buNone/>
+            </a:pPr>
+            <a:r>
+              <a:rPr lang="en-US" sz="1200">
+                <a:solidFill>
+                  <a:schemeClr val="dk1"/>
+                </a:solidFill>
+                <a:latin typeface="Roboto"/>
+                <a:ea typeface="Roboto"/>
+                <a:cs typeface="Roboto"/>
+                <a:sym typeface="Roboto"/>
+              </a:rPr>
+              <a:t>"Next, we perform Stop Words Removal to filter out common words like 'the', 'is', and 'in', which are frequent but don't add significant meaning to the text"</a:t>
+            </a:r>
+            <a:endParaRPr sz="1200">
+              <a:solidFill>
+                <a:schemeClr val="dk1"/>
+              </a:solidFill>
+              <a:latin typeface="Roboto"/>
+              <a:ea typeface="Roboto"/>
+              <a:cs typeface="Roboto"/>
+              <a:sym typeface="Roboto"/>
+            </a:endParaRPr>
+          </a:p>
+          <a:p>
+            <a:pPr indent="-228600" lvl="0" marL="457200" rtl="0" algn="l">
+              <a:lnSpc>
+                <a:spcPct val="115000"/>
+              </a:lnSpc>
+              <a:spcBef>
+                <a:spcPts val="0"/>
+              </a:spcBef>
+              <a:spcAft>
+                <a:spcPts val="0"/>
+              </a:spcAft>
+              <a:buClr>
+                <a:schemeClr val="dk1"/>
+              </a:buClr>
+              <a:buSzPts val="1200"/>
+              <a:buFont typeface="Roboto"/>
+              <a:buNone/>
+            </a:pPr>
+            <a:r>
+              <a:rPr lang="en-US" sz="1200">
+                <a:solidFill>
+                  <a:schemeClr val="dk1"/>
+                </a:solidFill>
+                <a:latin typeface="Roboto"/>
+                <a:ea typeface="Roboto"/>
+                <a:cs typeface="Roboto"/>
+                <a:sym typeface="Roboto"/>
+              </a:rPr>
+              <a:t>"The final step in our preprocessing is Text Normalization."</a:t>
+            </a:r>
+            <a:endParaRPr sz="1200">
+              <a:solidFill>
+                <a:schemeClr val="dk1"/>
+              </a:solidFill>
+              <a:latin typeface="Roboto"/>
+              <a:ea typeface="Roboto"/>
+              <a:cs typeface="Roboto"/>
+              <a:sym typeface="Roboto"/>
+            </a:endParaRPr>
+          </a:p>
+          <a:p>
+            <a:pPr indent="-304800" lvl="1" marL="914400" rtl="0" algn="l">
+              <a:lnSpc>
+                <a:spcPct val="115000"/>
+              </a:lnSpc>
+              <a:spcBef>
+                <a:spcPts val="0"/>
+              </a:spcBef>
+              <a:spcAft>
+                <a:spcPts val="0"/>
+              </a:spcAft>
+              <a:buClr>
+                <a:schemeClr val="dk1"/>
+              </a:buClr>
+              <a:buSzPts val="1200"/>
+              <a:buFont typeface="Roboto"/>
+              <a:buChar char="●"/>
+            </a:pPr>
+            <a:r>
+              <a:rPr lang="en-US" sz="1200">
+                <a:solidFill>
+                  <a:schemeClr val="dk1"/>
+                </a:solidFill>
+                <a:latin typeface="Roboto"/>
+                <a:ea typeface="Roboto"/>
+                <a:cs typeface="Roboto"/>
+                <a:sym typeface="Roboto"/>
+              </a:rPr>
+              <a:t>Here, we perform lemmatization. It's a technique where we convert words to their base or dictionary form."</a:t>
+            </a:r>
+            <a:endParaRPr sz="1200">
+              <a:solidFill>
+                <a:schemeClr val="dk1"/>
+              </a:solidFill>
+              <a:latin typeface="Roboto"/>
+              <a:ea typeface="Roboto"/>
+              <a:cs typeface="Roboto"/>
+              <a:sym typeface="Roboto"/>
+            </a:endParaRPr>
+          </a:p>
+          <a:p>
+            <a:pPr indent="-304800" lvl="1" marL="914400" rtl="0" algn="l">
+              <a:lnSpc>
+                <a:spcPct val="115000"/>
+              </a:lnSpc>
+              <a:spcBef>
+                <a:spcPts val="0"/>
+              </a:spcBef>
+              <a:spcAft>
+                <a:spcPts val="0"/>
+              </a:spcAft>
+              <a:buClr>
+                <a:schemeClr val="dk1"/>
+              </a:buClr>
+              <a:buSzPts val="1200"/>
+              <a:buFont typeface="Roboto"/>
+              <a:buChar char="●"/>
+            </a:pPr>
+            <a:r>
+              <a:rPr lang="en-US" sz="1200">
+                <a:solidFill>
+                  <a:schemeClr val="dk1"/>
+                </a:solidFill>
+                <a:latin typeface="Roboto"/>
+                <a:ea typeface="Roboto"/>
+                <a:cs typeface="Roboto"/>
+                <a:sym typeface="Roboto"/>
+              </a:rPr>
+              <a:t>For instance, 'running', 'ran', and 'runs' are all transformed to 'run'."</a:t>
+            </a:r>
+            <a:endParaRPr sz="1200">
+              <a:solidFill>
+                <a:schemeClr val="dk1"/>
+              </a:solidFill>
+              <a:latin typeface="Roboto"/>
+              <a:ea typeface="Roboto"/>
+              <a:cs typeface="Roboto"/>
+              <a:sym typeface="Roboto"/>
+            </a:endParaRPr>
+          </a:p>
+          <a:p>
+            <a:pPr indent="-304800" lvl="1" marL="914400" rtl="0" algn="l">
+              <a:lnSpc>
+                <a:spcPct val="115000"/>
+              </a:lnSpc>
+              <a:spcBef>
+                <a:spcPts val="0"/>
+              </a:spcBef>
+              <a:spcAft>
+                <a:spcPts val="0"/>
+              </a:spcAft>
+              <a:buClr>
+                <a:schemeClr val="dk1"/>
+              </a:buClr>
+              <a:buSzPts val="1200"/>
+              <a:buFont typeface="Roboto"/>
+              <a:buChar char="●"/>
+            </a:pPr>
+            <a:r>
+              <a:rPr lang="en-US" sz="1200">
+                <a:solidFill>
+                  <a:schemeClr val="dk1"/>
+                </a:solidFill>
+                <a:latin typeface="Roboto"/>
+                <a:ea typeface="Roboto"/>
+                <a:cs typeface="Roboto"/>
+                <a:sym typeface="Roboto"/>
+              </a:rPr>
+              <a:t>This enhances the consistency of our dataset</a:t>
+            </a:r>
+            <a:endParaRPr>
+              <a:solidFill>
+                <a:schemeClr val="dk1"/>
+              </a:solidFill>
+            </a:endParaRPr>
           </a:p>
         </p:txBody>
       </p:sp>
@@ -1967,9 +4545,372 @@
           </a:bodyPr>
           <a:lstStyle/>
           <a:p>
+            <a:pPr indent="-304800" lvl="1" marL="914400" rtl="0" algn="l">
+              <a:lnSpc>
+                <a:spcPct val="115000"/>
+              </a:lnSpc>
+              <a:spcBef>
+                <a:spcPts val="1500"/>
+              </a:spcBef>
+              <a:spcAft>
+                <a:spcPts val="0"/>
+              </a:spcAft>
+              <a:buClr>
+                <a:schemeClr val="dk1"/>
+              </a:buClr>
+              <a:buSzPts val="1200"/>
+              <a:buFont typeface="Roboto"/>
+              <a:buChar char="●"/>
+            </a:pPr>
+            <a:r>
+              <a:rPr lang="en-US" sz="1200">
+                <a:solidFill>
+                  <a:schemeClr val="dk1"/>
+                </a:solidFill>
+                <a:latin typeface="Roboto"/>
+                <a:ea typeface="Roboto"/>
+                <a:cs typeface="Roboto"/>
+                <a:sym typeface="Roboto"/>
+              </a:rPr>
+              <a:t>"First, we established a baseline for our model's performance using unprocessed data."</a:t>
+            </a:r>
+            <a:endParaRPr sz="1200">
+              <a:solidFill>
+                <a:schemeClr val="dk1"/>
+              </a:solidFill>
+              <a:latin typeface="Roboto"/>
+              <a:ea typeface="Roboto"/>
+              <a:cs typeface="Roboto"/>
+              <a:sym typeface="Roboto"/>
+            </a:endParaRPr>
+          </a:p>
+          <a:p>
+            <a:pPr indent="-304800" lvl="1" marL="914400" rtl="0" algn="l">
+              <a:lnSpc>
+                <a:spcPct val="115000"/>
+              </a:lnSpc>
+              <a:spcBef>
+                <a:spcPts val="0"/>
+              </a:spcBef>
+              <a:spcAft>
+                <a:spcPts val="0"/>
+              </a:spcAft>
+              <a:buClr>
+                <a:schemeClr val="dk1"/>
+              </a:buClr>
+              <a:buSzPts val="1200"/>
+              <a:buFont typeface="Roboto"/>
+              <a:buChar char="●"/>
+            </a:pPr>
+            <a:r>
+              <a:rPr lang="en-US" sz="1200">
+                <a:solidFill>
+                  <a:schemeClr val="dk1"/>
+                </a:solidFill>
+                <a:latin typeface="Roboto"/>
+                <a:ea typeface="Roboto"/>
+                <a:cs typeface="Roboto"/>
+                <a:sym typeface="Roboto"/>
+              </a:rPr>
+              <a:t>It's important to see how the models perform with raw data,</a:t>
+            </a:r>
+            <a:endParaRPr sz="1200">
+              <a:solidFill>
+                <a:schemeClr val="dk1"/>
+              </a:solidFill>
+              <a:latin typeface="Roboto"/>
+              <a:ea typeface="Roboto"/>
+              <a:cs typeface="Roboto"/>
+              <a:sym typeface="Roboto"/>
+            </a:endParaRPr>
+          </a:p>
+          <a:p>
+            <a:pPr indent="-304800" lvl="1" marL="914400" rtl="0" algn="l">
+              <a:lnSpc>
+                <a:spcPct val="115000"/>
+              </a:lnSpc>
+              <a:spcBef>
+                <a:spcPts val="0"/>
+              </a:spcBef>
+              <a:spcAft>
+                <a:spcPts val="0"/>
+              </a:spcAft>
+              <a:buClr>
+                <a:schemeClr val="dk1"/>
+              </a:buClr>
+              <a:buSzPts val="1200"/>
+              <a:buFont typeface="Roboto"/>
+              <a:buChar char="●"/>
+            </a:pPr>
+            <a:r>
+              <a:rPr lang="en-US" sz="1200">
+                <a:solidFill>
+                  <a:schemeClr val="dk1"/>
+                </a:solidFill>
+                <a:latin typeface="Roboto"/>
+                <a:ea typeface="Roboto"/>
+                <a:cs typeface="Roboto"/>
+                <a:sym typeface="Roboto"/>
+              </a:rPr>
+              <a:t>We then segregated our dataset into training and testing sets, </a:t>
+            </a:r>
+            <a:endParaRPr sz="1200">
+              <a:solidFill>
+                <a:schemeClr val="dk1"/>
+              </a:solidFill>
+              <a:latin typeface="Roboto"/>
+              <a:ea typeface="Roboto"/>
+              <a:cs typeface="Roboto"/>
+              <a:sym typeface="Roboto"/>
+            </a:endParaRPr>
+          </a:p>
+          <a:p>
+            <a:pPr indent="-228600" lvl="0" marL="457200" rtl="0" algn="l">
+              <a:lnSpc>
+                <a:spcPct val="115000"/>
+              </a:lnSpc>
+              <a:spcBef>
+                <a:spcPts val="0"/>
+              </a:spcBef>
+              <a:spcAft>
+                <a:spcPts val="0"/>
+              </a:spcAft>
+              <a:buClr>
+                <a:schemeClr val="dk1"/>
+              </a:buClr>
+              <a:buSzPts val="1200"/>
+              <a:buFont typeface="Roboto"/>
+              <a:buNone/>
+            </a:pPr>
+            <a:r>
+              <a:rPr lang="en-US" sz="1200">
+                <a:solidFill>
+                  <a:schemeClr val="dk1"/>
+                </a:solidFill>
+                <a:latin typeface="Roboto"/>
+                <a:ea typeface="Roboto"/>
+                <a:cs typeface="Roboto"/>
+                <a:sym typeface="Roboto"/>
+              </a:rPr>
+              <a:t>"For our feature extraction, we utilized the TF-IDF technique."</a:t>
+            </a:r>
+            <a:endParaRPr sz="1200">
+              <a:solidFill>
+                <a:schemeClr val="dk1"/>
+              </a:solidFill>
+              <a:latin typeface="Roboto"/>
+              <a:ea typeface="Roboto"/>
+              <a:cs typeface="Roboto"/>
+              <a:sym typeface="Roboto"/>
+            </a:endParaRPr>
+          </a:p>
+          <a:p>
+            <a:pPr indent="-228600" lvl="0" marL="457200" rtl="0" algn="l">
+              <a:lnSpc>
+                <a:spcPct val="115000"/>
+              </a:lnSpc>
+              <a:spcBef>
+                <a:spcPts val="0"/>
+              </a:spcBef>
+              <a:spcAft>
+                <a:spcPts val="0"/>
+              </a:spcAft>
+              <a:buClr>
+                <a:schemeClr val="dk1"/>
+              </a:buClr>
+              <a:buSzPts val="1200"/>
+              <a:buFont typeface="Roboto"/>
+              <a:buNone/>
+            </a:pPr>
+            <a:r>
+              <a:rPr lang="en-US" sz="1200">
+                <a:solidFill>
+                  <a:schemeClr val="dk1"/>
+                </a:solidFill>
+                <a:latin typeface="Roboto"/>
+                <a:ea typeface="Roboto"/>
+                <a:cs typeface="Roboto"/>
+                <a:sym typeface="Roboto"/>
+              </a:rPr>
+              <a:t> It's a used to evaluate how important a word is to a document in a collection or corpus."</a:t>
+            </a:r>
+            <a:endParaRPr sz="1200">
+              <a:solidFill>
+                <a:schemeClr val="dk1"/>
+              </a:solidFill>
+              <a:latin typeface="Roboto"/>
+              <a:ea typeface="Roboto"/>
+              <a:cs typeface="Roboto"/>
+              <a:sym typeface="Roboto"/>
+            </a:endParaRPr>
+          </a:p>
+          <a:p>
+            <a:pPr indent="-228600" lvl="0" marL="457200" rtl="0" algn="l">
+              <a:lnSpc>
+                <a:spcPct val="115000"/>
+              </a:lnSpc>
+              <a:spcBef>
+                <a:spcPts val="0"/>
+              </a:spcBef>
+              <a:spcAft>
+                <a:spcPts val="0"/>
+              </a:spcAft>
+              <a:buClr>
+                <a:schemeClr val="dk1"/>
+              </a:buClr>
+              <a:buSzPts val="1200"/>
+              <a:buFont typeface="Roboto"/>
+              <a:buNone/>
+            </a:pPr>
+            <a:r>
+              <a:rPr lang="en-US" sz="1200">
+                <a:solidFill>
+                  <a:schemeClr val="dk1"/>
+                </a:solidFill>
+                <a:latin typeface="Roboto"/>
+                <a:ea typeface="Roboto"/>
+                <a:cs typeface="Roboto"/>
+                <a:sym typeface="Roboto"/>
+              </a:rPr>
+              <a:t>"We evaluated two popular models Logistic Regression and Naive Bayes."</a:t>
+            </a:r>
+            <a:endParaRPr sz="1200">
+              <a:solidFill>
+                <a:schemeClr val="dk1"/>
+              </a:solidFill>
+              <a:latin typeface="Roboto"/>
+              <a:ea typeface="Roboto"/>
+              <a:cs typeface="Roboto"/>
+              <a:sym typeface="Roboto"/>
+            </a:endParaRPr>
+          </a:p>
+          <a:p>
+            <a:pPr indent="-304800" lvl="1" marL="914400" rtl="0" algn="l">
+              <a:lnSpc>
+                <a:spcPct val="115000"/>
+              </a:lnSpc>
+              <a:spcBef>
+                <a:spcPts val="0"/>
+              </a:spcBef>
+              <a:spcAft>
+                <a:spcPts val="0"/>
+              </a:spcAft>
+              <a:buClr>
+                <a:schemeClr val="dk1"/>
+              </a:buClr>
+              <a:buSzPts val="1200"/>
+              <a:buFont typeface="Roboto"/>
+              <a:buChar char="●"/>
+            </a:pPr>
+            <a:r>
+              <a:rPr lang="en-US" sz="1200">
+                <a:solidFill>
+                  <a:schemeClr val="dk1"/>
+                </a:solidFill>
+                <a:latin typeface="Roboto"/>
+                <a:ea typeface="Roboto"/>
+                <a:cs typeface="Roboto"/>
+                <a:sym typeface="Roboto"/>
+              </a:rPr>
+              <a:t>"Let's look at the classification report. For Logistic Regression, we observed high precision, recall, and F1-scores across both classes."</a:t>
+            </a:r>
+            <a:endParaRPr sz="1200">
+              <a:solidFill>
+                <a:schemeClr val="dk1"/>
+              </a:solidFill>
+              <a:latin typeface="Roboto"/>
+              <a:ea typeface="Roboto"/>
+              <a:cs typeface="Roboto"/>
+              <a:sym typeface="Roboto"/>
+            </a:endParaRPr>
+          </a:p>
+          <a:p>
+            <a:pPr indent="-304800" lvl="1" marL="914400" rtl="0" algn="l">
+              <a:lnSpc>
+                <a:spcPct val="115000"/>
+              </a:lnSpc>
+              <a:spcBef>
+                <a:spcPts val="0"/>
+              </a:spcBef>
+              <a:spcAft>
+                <a:spcPts val="0"/>
+              </a:spcAft>
+              <a:buClr>
+                <a:schemeClr val="dk1"/>
+              </a:buClr>
+              <a:buSzPts val="1200"/>
+              <a:buFont typeface="Roboto"/>
+              <a:buChar char="●"/>
+            </a:pPr>
+            <a:r>
+              <a:rPr lang="en-US" sz="1200">
+                <a:solidFill>
+                  <a:schemeClr val="dk1"/>
+                </a:solidFill>
+                <a:latin typeface="Roboto"/>
+                <a:ea typeface="Roboto"/>
+                <a:cs typeface="Roboto"/>
+                <a:sym typeface="Roboto"/>
+              </a:rPr>
+              <a:t>Specifically, we achieved an accuracy of 95%, with precision and recall both around 94-95%."</a:t>
+            </a:r>
+            <a:endParaRPr sz="1200">
+              <a:solidFill>
+                <a:schemeClr val="dk1"/>
+              </a:solidFill>
+              <a:latin typeface="Roboto"/>
+              <a:ea typeface="Roboto"/>
+              <a:cs typeface="Roboto"/>
+              <a:sym typeface="Roboto"/>
+            </a:endParaRPr>
+          </a:p>
+          <a:p>
+            <a:pPr indent="-304800" lvl="1" marL="914400" rtl="0" algn="l">
+              <a:lnSpc>
+                <a:spcPct val="115000"/>
+              </a:lnSpc>
+              <a:spcBef>
+                <a:spcPts val="0"/>
+              </a:spcBef>
+              <a:spcAft>
+                <a:spcPts val="0"/>
+              </a:spcAft>
+              <a:buClr>
+                <a:schemeClr val="dk1"/>
+              </a:buClr>
+              <a:buSzPts val="1200"/>
+              <a:buFont typeface="Roboto"/>
+              <a:buChar char="●"/>
+            </a:pPr>
+            <a:r>
+              <a:rPr lang="en-US" sz="1200">
+                <a:solidFill>
+                  <a:schemeClr val="dk1"/>
+                </a:solidFill>
+                <a:latin typeface="Roboto"/>
+                <a:ea typeface="Roboto"/>
+                <a:cs typeface="Roboto"/>
+                <a:sym typeface="Roboto"/>
+              </a:rPr>
+              <a:t>In opposite side, the Naive Bayes model showed a slightly lower performance with an accuracy of 86%, and precision and recall around 85-89%."</a:t>
+            </a:r>
+            <a:endParaRPr sz="1200">
+              <a:solidFill>
+                <a:schemeClr val="dk1"/>
+              </a:solidFill>
+              <a:latin typeface="Roboto"/>
+              <a:ea typeface="Roboto"/>
+              <a:cs typeface="Roboto"/>
+              <a:sym typeface="Roboto"/>
+            </a:endParaRPr>
+          </a:p>
+          <a:p>
             <a:pPr indent="0" lvl="0" marL="0" rtl="0" algn="l">
-              <a:spcBef>
-                <a:spcPts val="0"/>
+              <a:lnSpc>
+                <a:spcPct val="115000"/>
+              </a:lnSpc>
+              <a:spcBef>
+                <a:spcPts val="1500"/>
               </a:spcBef>
               <a:spcAft>
                 <a:spcPts val="0"/>
@@ -1979,7 +4920,34 @@
             <a:r>
               <a:t/>
             </a:r>
-            <a:endParaRPr/>
+            <a:endParaRPr sz="1200">
+              <a:solidFill>
+                <a:schemeClr val="dk1"/>
+              </a:solidFill>
+              <a:latin typeface="Roboto"/>
+              <a:ea typeface="Roboto"/>
+              <a:cs typeface="Roboto"/>
+              <a:sym typeface="Roboto"/>
+            </a:endParaRPr>
+          </a:p>
+          <a:p>
+            <a:pPr indent="0" lvl="0" marL="0" rtl="0" algn="l">
+              <a:spcBef>
+                <a:spcPts val="1500"/>
+              </a:spcBef>
+              <a:spcAft>
+                <a:spcPts val="0"/>
+              </a:spcAft>
+              <a:buNone/>
+            </a:pPr>
+            <a:r>
+              <a:t/>
+            </a:r>
+            <a:endParaRPr>
+              <a:solidFill>
+                <a:schemeClr val="dk1"/>
+              </a:solidFill>
+            </a:endParaRPr>
           </a:p>
         </p:txBody>
       </p:sp>
@@ -2067,8 +5035,11 @@
           <a:lstStyle/>
           <a:p>
             <a:pPr indent="0" lvl="0" marL="0" rtl="0" algn="l">
-              <a:spcBef>
-                <a:spcPts val="0"/>
+              <a:lnSpc>
+                <a:spcPct val="115000"/>
+              </a:lnSpc>
+              <a:spcBef>
+                <a:spcPts val="1500"/>
               </a:spcBef>
               <a:spcAft>
                 <a:spcPts val="0"/>
@@ -2076,9 +5047,390 @@
               <a:buNone/>
             </a:pPr>
             <a:r>
+              <a:rPr lang="en-US" sz="1200">
+                <a:solidFill>
+                  <a:schemeClr val="dk1"/>
+                </a:solidFill>
+                <a:latin typeface="Roboto"/>
+                <a:ea typeface="Roboto"/>
+                <a:cs typeface="Roboto"/>
+                <a:sym typeface="Roboto"/>
+              </a:rPr>
+              <a:t>Start with, "To understand how our Naive Bayes classifier makes decisions, we've applied a technique called LIME."</a:t>
+            </a:r>
+            <a:endParaRPr sz="1200">
+              <a:solidFill>
+                <a:schemeClr val="dk1"/>
+              </a:solidFill>
+              <a:latin typeface="Roboto"/>
+              <a:ea typeface="Roboto"/>
+              <a:cs typeface="Roboto"/>
+              <a:sym typeface="Roboto"/>
+            </a:endParaRPr>
+          </a:p>
+          <a:p>
+            <a:pPr indent="0" lvl="0" marL="0" rtl="0" algn="l">
+              <a:lnSpc>
+                <a:spcPct val="115000"/>
+              </a:lnSpc>
+              <a:spcBef>
+                <a:spcPts val="1500"/>
+              </a:spcBef>
+              <a:spcAft>
+                <a:spcPts val="0"/>
+              </a:spcAft>
+              <a:buNone/>
+            </a:pPr>
+            <a:r>
+              <a:rPr lang="en-US" sz="1200">
+                <a:solidFill>
+                  <a:schemeClr val="dk1"/>
+                </a:solidFill>
+                <a:latin typeface="Roboto"/>
+                <a:ea typeface="Roboto"/>
+                <a:cs typeface="Roboto"/>
+                <a:sym typeface="Roboto"/>
+              </a:rPr>
+              <a:t>"LIME </a:t>
+            </a:r>
+            <a:r>
+              <a:rPr lang="en-US" sz="1500">
+                <a:solidFill>
+                  <a:srgbClr val="242424"/>
+                </a:solidFill>
+                <a:highlight>
+                  <a:srgbClr val="FFFFFF"/>
+                </a:highlight>
+                <a:latin typeface="Georgia"/>
+                <a:ea typeface="Georgia"/>
+                <a:cs typeface="Georgia"/>
+                <a:sym typeface="Georgia"/>
+              </a:rPr>
+              <a:t>Local Interpretable Model-agnostic Explanations </a:t>
+            </a:r>
+            <a:r>
+              <a:rPr lang="en-US" sz="1200">
+                <a:solidFill>
+                  <a:schemeClr val="dk1"/>
+                </a:solidFill>
+                <a:latin typeface="Roboto"/>
+                <a:ea typeface="Roboto"/>
+                <a:cs typeface="Roboto"/>
+                <a:sym typeface="Roboto"/>
+              </a:rPr>
+              <a:t> provides us with local interpretable explanations for any prediction, by highlighting which features are most influential."</a:t>
+            </a:r>
+            <a:endParaRPr sz="1200">
+              <a:solidFill>
+                <a:schemeClr val="dk1"/>
+              </a:solidFill>
+              <a:latin typeface="Roboto"/>
+              <a:ea typeface="Roboto"/>
+              <a:cs typeface="Roboto"/>
+              <a:sym typeface="Roboto"/>
+            </a:endParaRPr>
+          </a:p>
+          <a:p>
+            <a:pPr indent="-228600" lvl="0" marL="457200" rtl="0" algn="l">
+              <a:lnSpc>
+                <a:spcPct val="115000"/>
+              </a:lnSpc>
+              <a:spcBef>
+                <a:spcPts val="1500"/>
+              </a:spcBef>
+              <a:spcAft>
+                <a:spcPts val="0"/>
+              </a:spcAft>
+              <a:buClr>
+                <a:schemeClr val="dk1"/>
+              </a:buClr>
+              <a:buSzPts val="1200"/>
+              <a:buFont typeface="Roboto"/>
+              <a:buNone/>
+            </a:pPr>
+            <a:r>
+              <a:rPr lang="en-US" sz="1200">
+                <a:solidFill>
+                  <a:schemeClr val="dk1"/>
+                </a:solidFill>
+                <a:latin typeface="Roboto"/>
+                <a:ea typeface="Roboto"/>
+                <a:cs typeface="Roboto"/>
+                <a:sym typeface="Roboto"/>
+              </a:rPr>
+              <a:t>let's</a:t>
+            </a:r>
+            <a:r>
+              <a:rPr lang="en-US" sz="1200">
+                <a:solidFill>
+                  <a:schemeClr val="dk1"/>
+                </a:solidFill>
+                <a:latin typeface="Roboto"/>
+                <a:ea typeface="Roboto"/>
+                <a:cs typeface="Roboto"/>
+                <a:sym typeface="Roboto"/>
+              </a:rPr>
+              <a:t> Consider the example of this headline: 'The gun doesn't have to go off for it to be a hate crime.'"</a:t>
+            </a:r>
+            <a:endParaRPr sz="1200">
+              <a:solidFill>
+                <a:schemeClr val="dk1"/>
+              </a:solidFill>
+              <a:latin typeface="Roboto"/>
+              <a:ea typeface="Roboto"/>
+              <a:cs typeface="Roboto"/>
+              <a:sym typeface="Roboto"/>
+            </a:endParaRPr>
+          </a:p>
+          <a:p>
+            <a:pPr indent="-228600" lvl="0" marL="457200" rtl="0" algn="l">
+              <a:lnSpc>
+                <a:spcPct val="115000"/>
+              </a:lnSpc>
+              <a:spcBef>
+                <a:spcPts val="0"/>
+              </a:spcBef>
+              <a:spcAft>
+                <a:spcPts val="0"/>
+              </a:spcAft>
+              <a:buClr>
+                <a:schemeClr val="dk1"/>
+              </a:buClr>
+              <a:buSzPts val="1200"/>
+              <a:buFont typeface="Roboto"/>
+              <a:buNone/>
+            </a:pPr>
+            <a:r>
+              <a:rPr lang="en-US" sz="1200">
+                <a:solidFill>
+                  <a:schemeClr val="dk1"/>
+                </a:solidFill>
+                <a:latin typeface="Roboto"/>
+                <a:ea typeface="Roboto"/>
+                <a:cs typeface="Roboto"/>
+                <a:sym typeface="Roboto"/>
+              </a:rPr>
+              <a:t>"Our model predicted this as sarcastic with a high probability. However, the true class is non-sarcastic, indicating a discrepancy in the model's understanding."</a:t>
+            </a:r>
+            <a:endParaRPr sz="1200">
+              <a:solidFill>
+                <a:schemeClr val="dk1"/>
+              </a:solidFill>
+              <a:latin typeface="Roboto"/>
+              <a:ea typeface="Roboto"/>
+              <a:cs typeface="Roboto"/>
+              <a:sym typeface="Roboto"/>
+            </a:endParaRPr>
+          </a:p>
+          <a:p>
+            <a:pPr indent="-228600" lvl="0" marL="457200" rtl="0" algn="l">
+              <a:lnSpc>
+                <a:spcPct val="115000"/>
+              </a:lnSpc>
+              <a:spcBef>
+                <a:spcPts val="0"/>
+              </a:spcBef>
+              <a:spcAft>
+                <a:spcPts val="0"/>
+              </a:spcAft>
+              <a:buClr>
+                <a:schemeClr val="dk1"/>
+              </a:buClr>
+              <a:buSzPts val="1200"/>
+              <a:buFont typeface="Roboto"/>
+              <a:buNone/>
+            </a:pPr>
+            <a:r>
+              <a:rPr lang="en-US" sz="1200">
+                <a:solidFill>
+                  <a:schemeClr val="dk1"/>
+                </a:solidFill>
+                <a:latin typeface="Roboto"/>
+                <a:ea typeface="Roboto"/>
+                <a:cs typeface="Roboto"/>
+                <a:sym typeface="Roboto"/>
+              </a:rPr>
+              <a:t>"This bar chart illustrates the words that impacted the model's prediction."</a:t>
+            </a:r>
+            <a:endParaRPr sz="1200">
+              <a:solidFill>
+                <a:schemeClr val="dk1"/>
+              </a:solidFill>
+              <a:latin typeface="Roboto"/>
+              <a:ea typeface="Roboto"/>
+              <a:cs typeface="Roboto"/>
+              <a:sym typeface="Roboto"/>
+            </a:endParaRPr>
+          </a:p>
+          <a:p>
+            <a:pPr indent="-304800" lvl="1" marL="914400" rtl="0" algn="l">
+              <a:lnSpc>
+                <a:spcPct val="115000"/>
+              </a:lnSpc>
+              <a:spcBef>
+                <a:spcPts val="0"/>
+              </a:spcBef>
+              <a:spcAft>
+                <a:spcPts val="0"/>
+              </a:spcAft>
+              <a:buClr>
+                <a:schemeClr val="dk1"/>
+              </a:buClr>
+              <a:buSzPts val="1200"/>
+              <a:buFont typeface="Roboto"/>
+              <a:buChar char="●"/>
+            </a:pPr>
+            <a:r>
+              <a:rPr lang="en-US" sz="1200">
+                <a:solidFill>
+                  <a:schemeClr val="dk1"/>
+                </a:solidFill>
+                <a:latin typeface="Roboto"/>
+                <a:ea typeface="Roboto"/>
+                <a:cs typeface="Roboto"/>
+                <a:sym typeface="Roboto"/>
+              </a:rPr>
+              <a:t>"Words like 'doesn't,' 'it,' 'crime,' 'have,' 'hate,' and 'gun' negatively influenced the prediction, pushing the model towards a sarcastic classification."</a:t>
+            </a:r>
+            <a:endParaRPr sz="1200">
+              <a:solidFill>
+                <a:schemeClr val="dk1"/>
+              </a:solidFill>
+              <a:latin typeface="Roboto"/>
+              <a:ea typeface="Roboto"/>
+              <a:cs typeface="Roboto"/>
+              <a:sym typeface="Roboto"/>
+            </a:endParaRPr>
+          </a:p>
+          <a:p>
+            <a:pPr indent="-304800" lvl="1" marL="914400" rtl="0" algn="l">
+              <a:lnSpc>
+                <a:spcPct val="115000"/>
+              </a:lnSpc>
+              <a:spcBef>
+                <a:spcPts val="0"/>
+              </a:spcBef>
+              <a:spcAft>
+                <a:spcPts val="0"/>
+              </a:spcAft>
+              <a:buClr>
+                <a:schemeClr val="dk1"/>
+              </a:buClr>
+              <a:buSzPts val="1200"/>
+              <a:buFont typeface="Roboto"/>
+              <a:buChar char="●"/>
+            </a:pPr>
+            <a:r>
+              <a:rPr lang="en-US" sz="1200">
+                <a:solidFill>
+                  <a:schemeClr val="dk1"/>
+                </a:solidFill>
+                <a:latin typeface="Roboto"/>
+                <a:ea typeface="Roboto"/>
+                <a:cs typeface="Roboto"/>
+                <a:sym typeface="Roboto"/>
+              </a:rPr>
+              <a:t>the positive influencers, "Conversely, 'be' and 'off' pushed the model towards the correct non-sarcastic classification."</a:t>
+            </a:r>
+            <a:endParaRPr sz="1200">
+              <a:solidFill>
+                <a:schemeClr val="dk1"/>
+              </a:solidFill>
+              <a:latin typeface="Roboto"/>
+              <a:ea typeface="Roboto"/>
+              <a:cs typeface="Roboto"/>
+              <a:sym typeface="Roboto"/>
+            </a:endParaRPr>
+          </a:p>
+          <a:p>
+            <a:pPr indent="-228600" lvl="0" marL="457200" rtl="0" algn="l">
+              <a:lnSpc>
+                <a:spcPct val="115000"/>
+              </a:lnSpc>
+              <a:spcBef>
+                <a:spcPts val="0"/>
+              </a:spcBef>
+              <a:spcAft>
+                <a:spcPts val="0"/>
+              </a:spcAft>
+              <a:buClr>
+                <a:schemeClr val="dk1"/>
+              </a:buClr>
+              <a:buSzPts val="1200"/>
+              <a:buFont typeface="Roboto"/>
+              <a:buNone/>
+            </a:pPr>
+            <a:r>
+              <a:rPr lang="en-US" sz="1200">
+                <a:solidFill>
+                  <a:schemeClr val="dk1"/>
+                </a:solidFill>
+                <a:latin typeface="Roboto"/>
+                <a:ea typeface="Roboto"/>
+                <a:cs typeface="Roboto"/>
+                <a:sym typeface="Roboto"/>
+              </a:rPr>
+              <a:t>"The length of each bar indicates the magnitude of the impact. The longer the bar, the stronger the influence on the model's decision."</a:t>
+            </a:r>
+            <a:endParaRPr sz="1200">
+              <a:solidFill>
+                <a:schemeClr val="dk1"/>
+              </a:solidFill>
+              <a:latin typeface="Roboto"/>
+              <a:ea typeface="Roboto"/>
+              <a:cs typeface="Roboto"/>
+              <a:sym typeface="Roboto"/>
+            </a:endParaRPr>
+          </a:p>
+          <a:p>
+            <a:pPr indent="-228600" lvl="0" marL="457200" rtl="0" algn="l">
+              <a:lnSpc>
+                <a:spcPct val="115000"/>
+              </a:lnSpc>
+              <a:spcBef>
+                <a:spcPts val="0"/>
+              </a:spcBef>
+              <a:spcAft>
+                <a:spcPts val="0"/>
+              </a:spcAft>
+              <a:buClr>
+                <a:schemeClr val="dk1"/>
+              </a:buClr>
+              <a:buSzPts val="1200"/>
+              <a:buFont typeface="Roboto"/>
+              <a:buNone/>
+            </a:pPr>
+            <a:r>
               <a:t/>
             </a:r>
-            <a:endParaRPr/>
+            <a:endParaRPr sz="1200">
+              <a:solidFill>
+                <a:schemeClr val="dk1"/>
+              </a:solidFill>
+              <a:latin typeface="Roboto"/>
+              <a:ea typeface="Roboto"/>
+              <a:cs typeface="Roboto"/>
+              <a:sym typeface="Roboto"/>
+            </a:endParaRPr>
+          </a:p>
+          <a:p>
+            <a:pPr indent="0" lvl="0" marL="0" rtl="0" algn="l">
+              <a:spcBef>
+                <a:spcPts val="1500"/>
+              </a:spcBef>
+              <a:spcAft>
+                <a:spcPts val="0"/>
+              </a:spcAft>
+              <a:buNone/>
+            </a:pPr>
+            <a:r>
+              <a:t/>
+            </a:r>
+            <a:endParaRPr>
+              <a:solidFill>
+                <a:schemeClr val="dk1"/>
+              </a:solidFill>
+            </a:endParaRPr>
           </a:p>
         </p:txBody>
       </p:sp>
@@ -2207,6 +5559,182 @@
               <a:spcAft>
                 <a:spcPts val="0"/>
               </a:spcAft>
+              <a:buClr>
+                <a:schemeClr val="dk1"/>
+              </a:buClr>
+              <a:buSzPts val="1100"/>
+              <a:buFont typeface="Arial"/>
+              <a:buNone/>
+            </a:pPr>
+            <a:r>
+              <a:rPr lang="en-US"/>
+              <a:t>Next, </a:t>
+            </a:r>
+            <a:r>
+              <a:rPr lang="en-US"/>
+              <a:t>LSTM (Long Short-Term Memory) networks, a type of Recurrent Neural Network (RNN), are designed to process sequences of data and these  networks are particularly effective in sarcasm detection as they consider the entire context of a sentence or phrase. This ability to remember and utilize past information helps in understanding the tone and implied meaning, which are crucial for identifying sarcasm.</a:t>
+            </a:r>
+            <a:endParaRPr/>
+          </a:p>
+          <a:p>
+            <a:pPr indent="0" lvl="0" marL="0" rtl="0" algn="l">
+              <a:spcBef>
+                <a:spcPts val="0"/>
+              </a:spcBef>
+              <a:spcAft>
+                <a:spcPts val="0"/>
+              </a:spcAft>
+              <a:buClr>
+                <a:schemeClr val="dk1"/>
+              </a:buClr>
+              <a:buSzPts val="1100"/>
+              <a:buFont typeface="Arial"/>
+              <a:buNone/>
+            </a:pPr>
+            <a:r>
+              <a:rPr lang="en-US"/>
+              <a:t>Embedding Layer:Our first step is to transform tokenized words into meaningful vector spaces with 64 dimensions, giving us a dense representation of each word's features.</a:t>
+            </a:r>
+            <a:endParaRPr/>
+          </a:p>
+          <a:p>
+            <a:pPr indent="0" lvl="0" marL="0" rtl="0" algn="l">
+              <a:spcBef>
+                <a:spcPts val="0"/>
+              </a:spcBef>
+              <a:spcAft>
+                <a:spcPts val="0"/>
+              </a:spcAft>
+              <a:buClr>
+                <a:schemeClr val="dk1"/>
+              </a:buClr>
+              <a:buSzPts val="1100"/>
+              <a:buFont typeface="Arial"/>
+              <a:buNone/>
+            </a:pPr>
+            <a:r>
+              <a:rPr lang="en-US"/>
+              <a:t>Spatial Dropout (30%): Reduces overfitting.</a:t>
+            </a:r>
+            <a:endParaRPr/>
+          </a:p>
+          <a:p>
+            <a:pPr indent="0" lvl="0" marL="0" rtl="0" algn="l">
+              <a:spcBef>
+                <a:spcPts val="0"/>
+              </a:spcBef>
+              <a:spcAft>
+                <a:spcPts val="0"/>
+              </a:spcAft>
+              <a:buClr>
+                <a:schemeClr val="dk1"/>
+              </a:buClr>
+              <a:buSzPts val="1100"/>
+              <a:buFont typeface="Arial"/>
+              <a:buNone/>
+            </a:pPr>
+            <a:r>
+              <a:rPr lang="en-US"/>
+              <a:t>Bidirectional LSTM (64 units): Captures forward and backward context.</a:t>
+            </a:r>
+            <a:endParaRPr/>
+          </a:p>
+          <a:p>
+            <a:pPr indent="0" lvl="0" marL="0" rtl="0" algn="l">
+              <a:spcBef>
+                <a:spcPts val="0"/>
+              </a:spcBef>
+              <a:spcAft>
+                <a:spcPts val="0"/>
+              </a:spcAft>
+              <a:buClr>
+                <a:schemeClr val="dk1"/>
+              </a:buClr>
+              <a:buSzPts val="1100"/>
+              <a:buFont typeface="Arial"/>
+              <a:buNone/>
+            </a:pPr>
+            <a:r>
+              <a:rPr lang="en-US"/>
+              <a:t>Dense Layers: One for feature processing with 'relu' activation, and another for binary output using 'sigmoid'.</a:t>
+            </a:r>
+            <a:endParaRPr/>
+          </a:p>
+          <a:p>
+            <a:pPr indent="0" lvl="0" marL="0" rtl="0" algn="l">
+              <a:spcBef>
+                <a:spcPts val="0"/>
+              </a:spcBef>
+              <a:spcAft>
+                <a:spcPts val="0"/>
+              </a:spcAft>
+              <a:buClr>
+                <a:schemeClr val="dk1"/>
+              </a:buClr>
+              <a:buSzPts val="1100"/>
+              <a:buFont typeface="Arial"/>
+              <a:buNone/>
+            </a:pPr>
+            <a:r>
+              <a:rPr lang="en-US"/>
+              <a:t>We used </a:t>
+            </a:r>
+            <a:r>
+              <a:rPr lang="en-US"/>
+              <a:t>Adam Optimizer: Manages efficient learning.</a:t>
+            </a:r>
+            <a:endParaRPr/>
+          </a:p>
+          <a:p>
+            <a:pPr indent="0" lvl="0" marL="0" rtl="0" algn="l">
+              <a:spcBef>
+                <a:spcPts val="0"/>
+              </a:spcBef>
+              <a:spcAft>
+                <a:spcPts val="0"/>
+              </a:spcAft>
+              <a:buClr>
+                <a:schemeClr val="dk1"/>
+              </a:buClr>
+              <a:buSzPts val="1100"/>
+              <a:buFont typeface="Arial"/>
+              <a:buNone/>
+            </a:pPr>
+            <a:r>
+              <a:rPr lang="en-US"/>
+              <a:t>Early Stopping: Applied after 3 epochs without improvement to prevent overfitting.</a:t>
+            </a:r>
+            <a:endParaRPr/>
+          </a:p>
+          <a:p>
+            <a:pPr indent="0" lvl="0" marL="0" rtl="0" algn="l">
+              <a:spcBef>
+                <a:spcPts val="0"/>
+              </a:spcBef>
+              <a:spcAft>
+                <a:spcPts val="0"/>
+              </a:spcAft>
+              <a:buClr>
+                <a:schemeClr val="dk1"/>
+              </a:buClr>
+              <a:buSzPts val="1100"/>
+              <a:buFont typeface="Arial"/>
+              <a:buNone/>
+            </a:pPr>
+            <a:r>
+              <a:rPr lang="en-US"/>
+              <a:t>Training accuracy of 95 and Validation Accuracy: Achieved ~85%.</a:t>
+            </a:r>
+            <a:endParaRPr/>
+          </a:p>
+          <a:p>
+            <a:pPr indent="0" lvl="0" marL="0" rtl="0" algn="l">
+              <a:spcBef>
+                <a:spcPts val="0"/>
+              </a:spcBef>
+              <a:spcAft>
+                <a:spcPts val="0"/>
+              </a:spcAft>
               <a:buNone/>
             </a:pPr>
             <a:r>
@@ -2309,9 +5837,129 @@
               <a:buNone/>
             </a:pPr>
             <a:r>
+              <a:rPr lang="en-US" sz="1200">
+                <a:solidFill>
+                  <a:srgbClr val="374151"/>
+                </a:solidFill>
+                <a:latin typeface="Roboto"/>
+                <a:ea typeface="Roboto"/>
+                <a:cs typeface="Roboto"/>
+                <a:sym typeface="Roboto"/>
+              </a:rPr>
+              <a:t>BERT (Bidirectional Encoder Representations from Transformers), a cutting-edge transformer model renowned for its deep contextual understanding of language nuances. BERT's architecture is uniquely suited to pick up on the contextual clues that define sarcasm. By processing text bidirectionally, BERT understands both the preceding and following context of each word, a critical factor in detecting sarcastic undertones.</a:t>
+            </a:r>
+            <a:endParaRPr sz="1200">
+              <a:solidFill>
+                <a:srgbClr val="374151"/>
+              </a:solidFill>
+              <a:latin typeface="Roboto"/>
+              <a:ea typeface="Roboto"/>
+              <a:cs typeface="Roboto"/>
+              <a:sym typeface="Roboto"/>
+            </a:endParaRPr>
+          </a:p>
+          <a:p>
+            <a:pPr indent="-304800" lvl="0" marL="457200" rtl="0" algn="l">
+              <a:lnSpc>
+                <a:spcPct val="115000"/>
+              </a:lnSpc>
+              <a:spcBef>
+                <a:spcPts val="1500"/>
+              </a:spcBef>
+              <a:spcAft>
+                <a:spcPts val="0"/>
+              </a:spcAft>
+              <a:buClr>
+                <a:srgbClr val="374151"/>
+              </a:buClr>
+              <a:buSzPts val="1200"/>
+              <a:buFont typeface="Roboto"/>
+              <a:buChar char="●"/>
+            </a:pPr>
+            <a:r>
+              <a:rPr lang="en-US" sz="1200">
+                <a:solidFill>
+                  <a:srgbClr val="374151"/>
+                </a:solidFill>
+                <a:latin typeface="Roboto"/>
+                <a:ea typeface="Roboto"/>
+                <a:cs typeface="Roboto"/>
+                <a:sym typeface="Roboto"/>
+              </a:rPr>
+              <a:t>We crafted a specialized dataset class, ensuring that the headlines were tokenized and formatted to meet BERT's input standards, complete with attention masks for targeted processing.</a:t>
+            </a:r>
+            <a:endParaRPr sz="1200">
+              <a:solidFill>
+                <a:srgbClr val="374151"/>
+              </a:solidFill>
+              <a:latin typeface="Roboto"/>
+              <a:ea typeface="Roboto"/>
+              <a:cs typeface="Roboto"/>
+              <a:sym typeface="Roboto"/>
+            </a:endParaRPr>
+          </a:p>
+          <a:p>
+            <a:pPr indent="-304800" lvl="0" marL="457200" rtl="0" algn="l">
+              <a:lnSpc>
+                <a:spcPct val="115000"/>
+              </a:lnSpc>
+              <a:spcBef>
+                <a:spcPts val="0"/>
+              </a:spcBef>
+              <a:spcAft>
+                <a:spcPts val="0"/>
+              </a:spcAft>
+              <a:buClr>
+                <a:srgbClr val="374151"/>
+              </a:buClr>
+              <a:buSzPts val="1200"/>
+              <a:buFont typeface="Roboto"/>
+              <a:buChar char="●"/>
+            </a:pPr>
+            <a:r>
+              <a:rPr lang="en-US" sz="1200">
+                <a:solidFill>
+                  <a:srgbClr val="374151"/>
+                </a:solidFill>
+                <a:latin typeface="Roboto"/>
+                <a:ea typeface="Roboto"/>
+                <a:cs typeface="Roboto"/>
+                <a:sym typeface="Roboto"/>
+              </a:rPr>
+              <a:t>we utilized PyTorch DataLoaders, we efficiently managed batch processing, significantly improving our model's training time and resource After fine-tuning the model over 5 epochs, we achieved an accuracy of 91.47% on our validation set.</a:t>
+            </a:r>
+            <a:endParaRPr sz="1200">
+              <a:solidFill>
+                <a:srgbClr val="374151"/>
+              </a:solidFill>
+              <a:latin typeface="Roboto"/>
+              <a:ea typeface="Roboto"/>
+              <a:cs typeface="Roboto"/>
+              <a:sym typeface="Roboto"/>
+            </a:endParaRPr>
+          </a:p>
+          <a:p>
+            <a:pPr indent="0" lvl="0" marL="0" rtl="0" algn="l">
+              <a:spcBef>
+                <a:spcPts val="1500"/>
+              </a:spcBef>
+              <a:spcAft>
+                <a:spcPts val="0"/>
+              </a:spcAft>
+              <a:buNone/>
+            </a:pPr>
+            <a:r>
               <a:t/>
             </a:r>
-            <a:endParaRPr/>
+            <a:endParaRPr sz="1200">
+              <a:solidFill>
+                <a:srgbClr val="374151"/>
+              </a:solidFill>
+              <a:latin typeface="Roboto"/>
+              <a:ea typeface="Roboto"/>
+              <a:cs typeface="Roboto"/>
+              <a:sym typeface="Roboto"/>
+            </a:endParaRPr>
           </a:p>
         </p:txBody>
       </p:sp>
@@ -9497,27 +13145,20 @@
         </p:nvSpPr>
         <p:spPr>
           <a:xfrm>
-            <a:off x="1097280" y="286603"/>
+            <a:off x="1066805" y="760478"/>
             <a:ext cx="10058400" cy="1450800"/>
           </a:xfrm>
           <a:prstGeom prst="rect">
             <a:avLst/>
           </a:prstGeom>
-          <a:noFill/>
-          <a:ln>
-            <a:noFill/>
-          </a:ln>
         </p:spPr>
         <p:txBody>
           <a:bodyPr anchorCtr="0" anchor="b" bIns="45700" lIns="91425" spcFirstLastPara="1" rIns="91425" wrap="square" tIns="45700">
-            <a:normAutofit/>
+            <a:normAutofit fontScale="90000"/>
           </a:bodyPr>
           <a:lstStyle/>
           <a:p>
             <a:pPr indent="0" lvl="0" marL="0" rtl="0" algn="l">
-              <a:lnSpc>
-                <a:spcPct val="90000"/>
-              </a:lnSpc>
               <a:spcBef>
                 <a:spcPts val="0"/>
               </a:spcBef>
@@ -9527,20 +13168,35 @@
               <a:buClr>
                 <a:srgbClr val="3F3F3F"/>
               </a:buClr>
-              <a:buSzPts val="4400"/>
+              <a:buSzPct val="100000"/>
               <a:buFont typeface="Arial"/>
               <a:buNone/>
             </a:pPr>
             <a:r>
-              <a:rPr lang="en-US"/>
+              <a:rPr lang="en-US" sz="4400"/>
               <a:t>CLASSIFICATION</a:t>
             </a:r>
             <a:br>
-              <a:rPr lang="en-US"/>
+              <a:rPr lang="en-US" sz="4400"/>
             </a:br>
             <a:r>
-              <a:rPr lang="en-US"/>
-              <a:t>Transformers - BERT + MLP</a:t>
+              <a:rPr lang="en-US" sz="4400"/>
+              <a:t>Transformers - BERT + LSTM</a:t>
+            </a:r>
+            <a:endParaRPr sz="4400"/>
+          </a:p>
+          <a:p>
+            <a:pPr indent="0" lvl="0" marL="0" rtl="0" algn="l">
+              <a:spcBef>
+                <a:spcPts val="0"/>
+              </a:spcBef>
+              <a:spcAft>
+                <a:spcPts val="0"/>
+              </a:spcAft>
+              <a:buNone/>
+            </a:pPr>
+            <a:r>
+              <a:t/>
             </a:r>
             <a:endParaRPr/>
           </a:p>
@@ -9556,16 +13212,12 @@
         </p:nvSpPr>
         <p:spPr>
           <a:xfrm>
-            <a:off x="1097280" y="2120900"/>
-            <a:ext cx="4639800" cy="3748200"/>
+            <a:off x="1143000" y="1700425"/>
+            <a:ext cx="4639800" cy="5057100"/>
           </a:xfrm>
           <a:prstGeom prst="rect">
             <a:avLst/>
           </a:prstGeom>
-          <a:noFill/>
-          <a:ln>
-            <a:noFill/>
-          </a:ln>
         </p:spPr>
         <p:txBody>
           <a:bodyPr anchorCtr="0" anchor="t" bIns="45700" lIns="0" spcFirstLastPara="1" rIns="0" wrap="square" tIns="45700">
@@ -9573,7 +13225,7 @@
           </a:bodyPr>
           <a:lstStyle/>
           <a:p>
-            <a:pPr indent="-336550" lvl="0" marL="457200" rtl="0" algn="l">
+            <a:pPr indent="-330200" lvl="0" marL="457200" rtl="0" algn="l">
               <a:lnSpc>
                 <a:spcPct val="115000"/>
               </a:lnSpc>
@@ -9586,10 +13238,142 @@
               <a:buClr>
                 <a:schemeClr val="dk1"/>
               </a:buClr>
-              <a:buSzPts val="1700"/>
+              <a:buSzPts val="1600"/>
               <a:buFont typeface="Merriweather Light"/>
               <a:buChar char="➢"/>
             </a:pPr>
+            <a:r>
+              <a:rPr lang="en-US" sz="2200">
+                <a:solidFill>
+                  <a:schemeClr val="dk1"/>
+                </a:solidFill>
+                <a:latin typeface="Merriweather Light"/>
+                <a:ea typeface="Merriweather Light"/>
+                <a:cs typeface="Merriweather Light"/>
+                <a:sym typeface="Merriweather Light"/>
+              </a:rPr>
+              <a:t>Training accuracy improved from 89.3% to 98.1% over three epochs.</a:t>
+            </a:r>
+            <a:endParaRPr sz="2200">
+              <a:solidFill>
+                <a:schemeClr val="dk1"/>
+              </a:solidFill>
+              <a:latin typeface="Merriweather Light"/>
+              <a:ea typeface="Merriweather Light"/>
+              <a:cs typeface="Merriweather Light"/>
+              <a:sym typeface="Merriweather Light"/>
+            </a:endParaRPr>
+          </a:p>
+          <a:p>
+            <a:pPr indent="-330200" lvl="0" marL="457200" rtl="0" algn="l">
+              <a:lnSpc>
+                <a:spcPct val="115000"/>
+              </a:lnSpc>
+              <a:spcBef>
+                <a:spcPts val="0"/>
+              </a:spcBef>
+              <a:spcAft>
+                <a:spcPts val="0"/>
+              </a:spcAft>
+              <a:buClr>
+                <a:schemeClr val="dk1"/>
+              </a:buClr>
+              <a:buSzPts val="1600"/>
+              <a:buFont typeface="Merriweather Light"/>
+              <a:buChar char="➢"/>
+            </a:pPr>
+            <a:r>
+              <a:rPr lang="en-US" sz="2200">
+                <a:solidFill>
+                  <a:schemeClr val="dk1"/>
+                </a:solidFill>
+                <a:latin typeface="Merriweather Light"/>
+                <a:ea typeface="Merriweather Light"/>
+                <a:cs typeface="Merriweather Light"/>
+                <a:sym typeface="Merriweather Light"/>
+              </a:rPr>
+              <a:t>Validation accuracy increased from 96.9% to 99.2%.</a:t>
+            </a:r>
+            <a:endParaRPr sz="2200">
+              <a:solidFill>
+                <a:schemeClr val="dk1"/>
+              </a:solidFill>
+              <a:latin typeface="Merriweather Light"/>
+              <a:ea typeface="Merriweather Light"/>
+              <a:cs typeface="Merriweather Light"/>
+              <a:sym typeface="Merriweather Light"/>
+            </a:endParaRPr>
+          </a:p>
+          <a:p>
+            <a:pPr indent="-330200" lvl="0" marL="457200" rtl="0" algn="l">
+              <a:lnSpc>
+                <a:spcPct val="115000"/>
+              </a:lnSpc>
+              <a:spcBef>
+                <a:spcPts val="0"/>
+              </a:spcBef>
+              <a:spcAft>
+                <a:spcPts val="0"/>
+              </a:spcAft>
+              <a:buClr>
+                <a:schemeClr val="dk1"/>
+              </a:buClr>
+              <a:buSzPts val="1600"/>
+              <a:buFont typeface="Merriweather Light"/>
+              <a:buChar char="➢"/>
+            </a:pPr>
+            <a:r>
+              <a:rPr lang="en-US" sz="2200">
+                <a:solidFill>
+                  <a:schemeClr val="dk1"/>
+                </a:solidFill>
+                <a:latin typeface="Merriweather Light"/>
+                <a:ea typeface="Merriweather Light"/>
+                <a:cs typeface="Merriweather Light"/>
+                <a:sym typeface="Merriweather Light"/>
+              </a:rPr>
+              <a:t>Both training and validation losses significantly decreased, indicating effective learning.</a:t>
+            </a:r>
+            <a:endParaRPr sz="2200">
+              <a:solidFill>
+                <a:schemeClr val="dk1"/>
+              </a:solidFill>
+              <a:latin typeface="Merriweather Light"/>
+              <a:ea typeface="Merriweather Light"/>
+              <a:cs typeface="Merriweather Light"/>
+              <a:sym typeface="Merriweather Light"/>
+            </a:endParaRPr>
+          </a:p>
+          <a:p>
+            <a:pPr indent="-342900" lvl="0" marL="457200" rtl="0" algn="l">
+              <a:lnSpc>
+                <a:spcPct val="115000"/>
+              </a:lnSpc>
+              <a:spcBef>
+                <a:spcPts val="0"/>
+              </a:spcBef>
+              <a:spcAft>
+                <a:spcPts val="0"/>
+              </a:spcAft>
+              <a:buClr>
+                <a:schemeClr val="dk1"/>
+              </a:buClr>
+              <a:buSzPts val="1800"/>
+              <a:buFont typeface="Merriweather Light"/>
+              <a:buChar char="➢"/>
+            </a:pPr>
+            <a:r>
+              <a:rPr lang="en-US" sz="2200">
+                <a:solidFill>
+                  <a:schemeClr val="dk1"/>
+                </a:solidFill>
+                <a:latin typeface="Merriweather Light"/>
+                <a:ea typeface="Merriweather Light"/>
+                <a:cs typeface="Merriweather Light"/>
+                <a:sym typeface="Merriweather Light"/>
+              </a:rPr>
+              <a:t>High validation accuracy </a:t>
+            </a:r>
             <a:r>
               <a:rPr lang="en-US">
                 <a:solidFill>
@@ -9600,7 +13384,7 @@
                 <a:cs typeface="Merriweather Light"/>
                 <a:sym typeface="Merriweather Light"/>
               </a:rPr>
-              <a:t>BERT+MLP reached 99.6% validation accuracy.</a:t>
+              <a:t>suggests strong model generalization without overfitting.</a:t>
             </a:r>
             <a:endParaRPr>
               <a:solidFill>
@@ -9613,110 +13397,19 @@
             </a:endParaRPr>
           </a:p>
           <a:p>
-            <a:pPr indent="-336550" lvl="0" marL="457200" rtl="0" algn="l">
-              <a:lnSpc>
-                <a:spcPct val="115000"/>
-              </a:lnSpc>
-              <a:spcBef>
-                <a:spcPts val="0"/>
-              </a:spcBef>
-              <a:spcAft>
-                <a:spcPts val="0"/>
-              </a:spcAft>
-              <a:buClr>
-                <a:schemeClr val="dk1"/>
-              </a:buClr>
-              <a:buSzPts val="1700"/>
-              <a:buFont typeface="Merriweather Light"/>
-              <a:buChar char="➢"/>
+            <a:pPr indent="0" lvl="0" marL="0" rtl="0" algn="l">
+              <a:spcBef>
+                <a:spcPts val="1200"/>
+              </a:spcBef>
+              <a:spcAft>
+                <a:spcPts val="200"/>
+              </a:spcAft>
+              <a:buNone/>
             </a:pPr>
             <a:r>
-              <a:rPr lang="en-US">
-                <a:solidFill>
-                  <a:schemeClr val="dk1"/>
-                </a:solidFill>
-                <a:latin typeface="Merriweather Light"/>
-                <a:ea typeface="Merriweather Light"/>
-                <a:cs typeface="Merriweather Light"/>
-                <a:sym typeface="Merriweather Light"/>
-              </a:rPr>
-              <a:t>Consistent gains over three epochs.</a:t>
-            </a:r>
-            <a:endParaRPr>
-              <a:solidFill>
-                <a:schemeClr val="dk1"/>
-              </a:solidFill>
-              <a:latin typeface="Merriweather Light"/>
-              <a:ea typeface="Merriweather Light"/>
-              <a:cs typeface="Merriweather Light"/>
-              <a:sym typeface="Merriweather Light"/>
-            </a:endParaRPr>
-          </a:p>
-          <a:p>
-            <a:pPr indent="-336550" lvl="0" marL="457200" rtl="0" algn="l">
-              <a:lnSpc>
-                <a:spcPct val="115000"/>
-              </a:lnSpc>
-              <a:spcBef>
-                <a:spcPts val="0"/>
-              </a:spcBef>
-              <a:spcAft>
-                <a:spcPts val="0"/>
-              </a:spcAft>
-              <a:buClr>
-                <a:schemeClr val="dk1"/>
-              </a:buClr>
-              <a:buSzPts val="1700"/>
-              <a:buFont typeface="Merriweather Light"/>
-              <a:buChar char="➢"/>
-            </a:pPr>
-            <a:r>
-              <a:rPr lang="en-US">
-                <a:solidFill>
-                  <a:schemeClr val="dk1"/>
-                </a:solidFill>
-                <a:latin typeface="Merriweather Light"/>
-                <a:ea typeface="Merriweather Light"/>
-                <a:cs typeface="Merriweather Light"/>
-                <a:sym typeface="Merriweather Light"/>
-              </a:rPr>
-              <a:t>Well-tuned model with reduced losses.</a:t>
-            </a:r>
-            <a:endParaRPr>
-              <a:solidFill>
-                <a:schemeClr val="dk1"/>
-              </a:solidFill>
-              <a:latin typeface="Merriweather Light"/>
-              <a:ea typeface="Merriweather Light"/>
-              <a:cs typeface="Merriweather Light"/>
-              <a:sym typeface="Merriweather Light"/>
-            </a:endParaRPr>
-          </a:p>
-          <a:p>
-            <a:pPr indent="0" lvl="0" marL="457200" rtl="0" algn="l">
-              <a:lnSpc>
-                <a:spcPct val="120000"/>
-              </a:lnSpc>
-              <a:spcBef>
-                <a:spcPts val="0"/>
-              </a:spcBef>
-              <a:spcAft>
-                <a:spcPts val="0"/>
-              </a:spcAft>
-              <a:buNone/>
-            </a:pPr>
-            <a:r>
               <a:t/>
             </a:r>
-            <a:endParaRPr sz="1600">
-              <a:solidFill>
-                <a:schemeClr val="dk1"/>
-              </a:solidFill>
-              <a:latin typeface="Merriweather"/>
-              <a:ea typeface="Merriweather"/>
-              <a:cs typeface="Merriweather"/>
-              <a:sym typeface="Merriweather"/>
-            </a:endParaRPr>
+            <a:endParaRPr/>
           </a:p>
         </p:txBody>
       </p:sp>
@@ -9736,8 +13429,8 @@
         </p:blipFill>
         <p:spPr>
           <a:xfrm>
-            <a:off x="5889480" y="1889803"/>
-            <a:ext cx="6150119" cy="3998124"/>
+            <a:off x="5989275" y="1852825"/>
+            <a:ext cx="5633801" cy="4439149"/>
           </a:xfrm>
           <a:prstGeom prst="rect">
             <a:avLst/>
@@ -9783,20 +13476,27 @@
         </p:nvSpPr>
         <p:spPr>
           <a:xfrm>
-            <a:off x="1066805" y="760478"/>
+            <a:off x="1097280" y="286603"/>
             <a:ext cx="10058400" cy="1450800"/>
           </a:xfrm>
           <a:prstGeom prst="rect">
             <a:avLst/>
           </a:prstGeom>
+          <a:noFill/>
+          <a:ln>
+            <a:noFill/>
+          </a:ln>
         </p:spPr>
         <p:txBody>
           <a:bodyPr anchorCtr="0" anchor="b" bIns="45700" lIns="91425" spcFirstLastPara="1" rIns="91425" wrap="square" tIns="45700">
-            <a:normAutofit fontScale="90000"/>
+            <a:normAutofit/>
           </a:bodyPr>
           <a:lstStyle/>
           <a:p>
             <a:pPr indent="0" lvl="0" marL="0" rtl="0" algn="l">
+              <a:lnSpc>
+                <a:spcPct val="90000"/>
+              </a:lnSpc>
               <a:spcBef>
                 <a:spcPts val="0"/>
               </a:spcBef>
@@ -9806,35 +13506,20 @@
               <a:buClr>
                 <a:srgbClr val="3F3F3F"/>
               </a:buClr>
-              <a:buSzPct val="100000"/>
+              <a:buSzPts val="4400"/>
               <a:buFont typeface="Arial"/>
               <a:buNone/>
             </a:pPr>
             <a:r>
-              <a:rPr lang="en-US" sz="4400"/>
+              <a:rPr lang="en-US"/>
               <a:t>CLASSIFICATION</a:t>
             </a:r>
             <a:br>
-              <a:rPr lang="en-US" sz="4400"/>
+              <a:rPr lang="en-US"/>
             </a:br>
             <a:r>
-              <a:rPr lang="en-US" sz="4400"/>
-              <a:t>Transformers - BERT + LSTM</a:t>
-            </a:r>
-            <a:endParaRPr sz="4400"/>
-          </a:p>
-          <a:p>
-            <a:pPr indent="0" lvl="0" marL="0" rtl="0" algn="l">
-              <a:spcBef>
-                <a:spcPts val="0"/>
-              </a:spcBef>
-              <a:spcAft>
-                <a:spcPts val="0"/>
-              </a:spcAft>
-              <a:buNone/>
-            </a:pPr>
-            <a:r>
-              <a:t/>
+              <a:rPr lang="en-US"/>
+              <a:t>Transformers - BERT + MLP</a:t>
             </a:r>
             <a:endParaRPr/>
           </a:p>
@@ -9856,6 +13541,10 @@
           <a:prstGeom prst="rect">
             <a:avLst/>
           </a:prstGeom>
+          <a:noFill/>
+          <a:ln>
+            <a:noFill/>
+          </a:ln>
         </p:spPr>
         <p:txBody>
           <a:bodyPr anchorCtr="0" anchor="t" bIns="45700" lIns="0" spcFirstLastPara="1" rIns="0" wrap="square" tIns="45700">
@@ -9863,7 +13552,7 @@
           </a:bodyPr>
           <a:lstStyle/>
           <a:p>
-            <a:pPr indent="-342900" lvl="0" marL="457200" rtl="0" algn="l">
+            <a:pPr indent="-336550" lvl="0" marL="457200" rtl="0" algn="l">
               <a:lnSpc>
                 <a:spcPct val="115000"/>
               </a:lnSpc>
@@ -9876,7 +13565,7 @@
               <a:buClr>
                 <a:schemeClr val="dk1"/>
               </a:buClr>
-              <a:buSzPts val="1800"/>
+              <a:buSzPts val="1700"/>
               <a:buFont typeface="Merriweather Light"/>
               <a:buChar char="➢"/>
             </a:pPr>
@@ -9890,7 +13579,7 @@
                 <a:cs typeface="Merriweather Light"/>
                 <a:sym typeface="Merriweather Light"/>
               </a:rPr>
-              <a:t>Training accuracy improved from 89.3% to 98.1% over three epochs.</a:t>
+              <a:t>BERT+MLP reached 99.6% validation accuracy.</a:t>
             </a:r>
             <a:endParaRPr>
               <a:solidFill>
@@ -9903,7 +13592,7 @@
             </a:endParaRPr>
           </a:p>
           <a:p>
-            <a:pPr indent="-342900" lvl="0" marL="457200" rtl="0" algn="l">
+            <a:pPr indent="-336550" lvl="0" marL="457200" rtl="0" algn="l">
               <a:lnSpc>
                 <a:spcPct val="115000"/>
               </a:lnSpc>
@@ -9916,7 +13605,7 @@
               <a:buClr>
                 <a:schemeClr val="dk1"/>
               </a:buClr>
-              <a:buSzPts val="1800"/>
+              <a:buSzPts val="1700"/>
               <a:buFont typeface="Merriweather Light"/>
               <a:buChar char="➢"/>
             </a:pPr>
@@ -9930,7 +13619,7 @@
                 <a:cs typeface="Merriweather Light"/>
                 <a:sym typeface="Merriweather Light"/>
               </a:rPr>
-              <a:t>Validation accuracy increased from 96.9% to 99.2%.</a:t>
+              <a:t>Consistent gains over three epochs.</a:t>
             </a:r>
             <a:endParaRPr>
               <a:solidFill>
@@ -9943,7 +13632,7 @@
             </a:endParaRPr>
           </a:p>
           <a:p>
-            <a:pPr indent="-342900" lvl="0" marL="457200" rtl="0" algn="l">
+            <a:pPr indent="-336550" lvl="0" marL="457200" rtl="0" algn="l">
               <a:lnSpc>
                 <a:spcPct val="115000"/>
               </a:lnSpc>
@@ -9956,7 +13645,7 @@
               <a:buClr>
                 <a:schemeClr val="dk1"/>
               </a:buClr>
-              <a:buSzPts val="1800"/>
+              <a:buSzPts val="1700"/>
               <a:buFont typeface="Merriweather Light"/>
               <a:buChar char="➢"/>
             </a:pPr>
@@ -9970,7 +13659,7 @@
                 <a:cs typeface="Merriweather Light"/>
                 <a:sym typeface="Merriweather Light"/>
               </a:rPr>
-              <a:t>Both training and validation losses significantly decreased, indicating effective learning.</a:t>
+              <a:t>Well-tuned model with reduced losses.</a:t>
             </a:r>
             <a:endParaRPr>
               <a:solidFill>
@@ -9983,9 +13672,9 @@
             </a:endParaRPr>
           </a:p>
           <a:p>
-            <a:pPr indent="-342900" lvl="0" marL="457200" rtl="0" algn="l">
+            <a:pPr indent="0" lvl="0" marL="457200" rtl="0" algn="l">
               <a:lnSpc>
-                <a:spcPct val="115000"/>
+                <a:spcPct val="120000"/>
               </a:lnSpc>
               <a:spcBef>
                 <a:spcPts val="0"/>
@@ -9993,49 +13682,20 @@
               <a:spcAft>
                 <a:spcPts val="0"/>
               </a:spcAft>
-              <a:buClr>
-                <a:schemeClr val="dk1"/>
-              </a:buClr>
-              <a:buSzPts val="1800"/>
-              <a:buFont typeface="Merriweather Light"/>
-              <a:buChar char="➢"/>
+              <a:buNone/>
             </a:pPr>
             <a:r>
-              <a:rPr lang="en-US">
-                <a:solidFill>
-                  <a:schemeClr val="dk1"/>
-                </a:solidFill>
-                <a:latin typeface="Merriweather Light"/>
-                <a:ea typeface="Merriweather Light"/>
-                <a:cs typeface="Merriweather Light"/>
-                <a:sym typeface="Merriweather Light"/>
-              </a:rPr>
-              <a:t>High validation accuracy suggests strong model generalization without overfitting.</a:t>
-            </a:r>
-            <a:endParaRPr>
+              <a:t/>
+            </a:r>
+            <a:endParaRPr sz="1600">
               <a:solidFill>
                 <a:schemeClr val="dk1"/>
               </a:solidFill>
-              <a:latin typeface="Merriweather Light"/>
-              <a:ea typeface="Merriweather Light"/>
-              <a:cs typeface="Merriweather Light"/>
-              <a:sym typeface="Merriweather Light"/>
+              <a:latin typeface="Merriweather"/>
+              <a:ea typeface="Merriweather"/>
+              <a:cs typeface="Merriweather"/>
+              <a:sym typeface="Merriweather"/>
             </a:endParaRPr>
-          </a:p>
-          <a:p>
-            <a:pPr indent="0" lvl="0" marL="0" rtl="0" algn="l">
-              <a:spcBef>
-                <a:spcPts val="1200"/>
-              </a:spcBef>
-              <a:spcAft>
-                <a:spcPts val="200"/>
-              </a:spcAft>
-              <a:buNone/>
-            </a:pPr>
-            <a:r>
-              <a:t/>
-            </a:r>
-            <a:endParaRPr/>
           </a:p>
         </p:txBody>
       </p:sp>
@@ -10055,8 +13715,8 @@
         </p:blipFill>
         <p:spPr>
           <a:xfrm>
-            <a:off x="5989275" y="1852825"/>
-            <a:ext cx="5633801" cy="4439149"/>
+            <a:off x="5889480" y="1889803"/>
+            <a:ext cx="6150119" cy="3998124"/>
           </a:xfrm>
           <a:prstGeom prst="rect">
             <a:avLst/>
@@ -10159,7 +13819,7 @@
             <a:tbl>
               <a:tblPr>
                 <a:noFill/>
-                <a:tableStyleId>{DBD4E4F3-E874-4DF0-8283-1141DD2E4C56}</a:tableStyleId>
+                <a:tableStyleId>{C0C42444-D6F8-4CB2-A571-7F798FD433F7}</a:tableStyleId>
               </a:tblPr>
               <a:tblGrid>
                 <a:gridCol w="1486550"/>
@@ -12389,7 +16049,7 @@
                           <a:cs typeface="Merriweather"/>
                           <a:sym typeface="Merriweather"/>
                         </a:rPr>
-                        <a:t>0.98</a:t>
+                        <a:t>0.97</a:t>
                       </a:r>
                       <a:endParaRPr sz="1200">
                         <a:solidFill>
@@ -15013,561 +18673,6 @@
                       </a:pPr>
                       <a:r>
                         <a:t/>
-                      </a:r>
-                      <a:endParaRPr sz="1200">
-                        <a:solidFill>
-                          <a:schemeClr val="dk1"/>
-                        </a:solidFill>
-                        <a:latin typeface="Merriweather"/>
-                        <a:ea typeface="Merriweather"/>
-                        <a:cs typeface="Merriweather"/>
-                        <a:sym typeface="Merriweather"/>
-                      </a:endParaRPr>
-                    </a:p>
-                  </a:txBody>
-                  <a:tcPr marT="82275" marB="82275" marR="63500" marL="82275" anchor="ctr">
-                    <a:lnL cap="flat" cmpd="sng" w="38100">
-                      <a:solidFill>
-                        <a:srgbClr val="262626"/>
-                      </a:solidFill>
-                      <a:prstDash val="solid"/>
-                      <a:round/>
-                      <a:headEnd len="sm" w="sm" type="none"/>
-                      <a:tailEnd len="sm" w="sm" type="none"/>
-                    </a:lnL>
-                    <a:lnR cap="flat" cmpd="sng" w="38100">
-                      <a:solidFill>
-                        <a:srgbClr val="262626"/>
-                      </a:solidFill>
-                      <a:prstDash val="solid"/>
-                      <a:round/>
-                      <a:headEnd len="sm" w="sm" type="none"/>
-                      <a:tailEnd len="sm" w="sm" type="none"/>
-                    </a:lnR>
-                    <a:lnT cap="flat" cmpd="sng" w="38100">
-                      <a:solidFill>
-                        <a:srgbClr val="262626"/>
-                      </a:solidFill>
-                      <a:prstDash val="solid"/>
-                      <a:round/>
-                      <a:headEnd len="sm" w="sm" type="none"/>
-                      <a:tailEnd len="sm" w="sm" type="none"/>
-                    </a:lnT>
-                    <a:lnB cap="flat" cmpd="sng" w="38100">
-                      <a:solidFill>
-                        <a:srgbClr val="262626"/>
-                      </a:solidFill>
-                      <a:prstDash val="solid"/>
-                      <a:round/>
-                      <a:headEnd len="sm" w="sm" type="none"/>
-                      <a:tailEnd len="sm" w="sm" type="none"/>
-                    </a:lnB>
-                  </a:tcPr>
-                </a:tc>
-              </a:tr>
-              <a:tr h="469425">
-                <a:tc>
-                  <a:txBody>
-                    <a:bodyPr/>
-                    <a:lstStyle/>
-                    <a:p>
-                      <a:pPr indent="9144" lvl="0" marL="0" rtl="0" algn="l">
-                        <a:lnSpc>
-                          <a:spcPct val="171429"/>
-                        </a:lnSpc>
-                        <a:spcBef>
-                          <a:spcPts val="0"/>
-                        </a:spcBef>
-                        <a:spcAft>
-                          <a:spcPts val="0"/>
-                        </a:spcAft>
-                        <a:buNone/>
-                      </a:pPr>
-                      <a:r>
-                        <a:rPr lang="en-US" sz="1200">
-                          <a:solidFill>
-                            <a:schemeClr val="dk1"/>
-                          </a:solidFill>
-                          <a:latin typeface="Merriweather"/>
-                          <a:ea typeface="Merriweather"/>
-                          <a:cs typeface="Merriweather"/>
-                          <a:sym typeface="Merriweather"/>
-                        </a:rPr>
-                        <a:t>RoBERTa</a:t>
-                      </a:r>
-                      <a:endParaRPr sz="1200">
-                        <a:solidFill>
-                          <a:schemeClr val="dk1"/>
-                        </a:solidFill>
-                        <a:latin typeface="Merriweather"/>
-                        <a:ea typeface="Merriweather"/>
-                        <a:cs typeface="Merriweather"/>
-                        <a:sym typeface="Merriweather"/>
-                      </a:endParaRPr>
-                    </a:p>
-                  </a:txBody>
-                  <a:tcPr marT="82275" marB="82275" marR="63500" marL="82275" anchor="ctr">
-                    <a:lnL cap="flat" cmpd="sng" w="38100">
-                      <a:solidFill>
-                        <a:srgbClr val="262626"/>
-                      </a:solidFill>
-                      <a:prstDash val="solid"/>
-                      <a:round/>
-                      <a:headEnd len="sm" w="sm" type="none"/>
-                      <a:tailEnd len="sm" w="sm" type="none"/>
-                    </a:lnL>
-                    <a:lnR cap="flat" cmpd="sng" w="38100">
-                      <a:solidFill>
-                        <a:srgbClr val="262626"/>
-                      </a:solidFill>
-                      <a:prstDash val="solid"/>
-                      <a:round/>
-                      <a:headEnd len="sm" w="sm" type="none"/>
-                      <a:tailEnd len="sm" w="sm" type="none"/>
-                    </a:lnR>
-                    <a:lnT cap="flat" cmpd="sng" w="38100">
-                      <a:solidFill>
-                        <a:srgbClr val="262626"/>
-                      </a:solidFill>
-                      <a:prstDash val="solid"/>
-                      <a:round/>
-                      <a:headEnd len="sm" w="sm" type="none"/>
-                      <a:tailEnd len="sm" w="sm" type="none"/>
-                    </a:lnT>
-                    <a:lnB cap="flat" cmpd="sng" w="38100">
-                      <a:solidFill>
-                        <a:srgbClr val="262626"/>
-                      </a:solidFill>
-                      <a:prstDash val="solid"/>
-                      <a:round/>
-                      <a:headEnd len="sm" w="sm" type="none"/>
-                      <a:tailEnd len="sm" w="sm" type="none"/>
-                    </a:lnB>
-                  </a:tcPr>
-                </a:tc>
-                <a:tc>
-                  <a:txBody>
-                    <a:bodyPr/>
-                    <a:lstStyle/>
-                    <a:p>
-                      <a:pPr indent="9144" lvl="0" marL="0" rtl="0" algn="l">
-                        <a:lnSpc>
-                          <a:spcPct val="171429"/>
-                        </a:lnSpc>
-                        <a:spcBef>
-                          <a:spcPts val="0"/>
-                        </a:spcBef>
-                        <a:spcAft>
-                          <a:spcPts val="0"/>
-                        </a:spcAft>
-                        <a:buNone/>
-                      </a:pPr>
-                      <a:r>
-                        <a:rPr lang="en-US" sz="1200">
-                          <a:solidFill>
-                            <a:schemeClr val="dk1"/>
-                          </a:solidFill>
-                          <a:latin typeface="Merriweather"/>
-                          <a:ea typeface="Merriweather"/>
-                          <a:cs typeface="Merriweather"/>
-                          <a:sym typeface="Merriweather"/>
-                        </a:rPr>
-                        <a:t>0.76</a:t>
-                      </a:r>
-                      <a:endParaRPr sz="1200">
-                        <a:solidFill>
-                          <a:schemeClr val="dk1"/>
-                        </a:solidFill>
-                        <a:latin typeface="Merriweather"/>
-                        <a:ea typeface="Merriweather"/>
-                        <a:cs typeface="Merriweather"/>
-                        <a:sym typeface="Merriweather"/>
-                      </a:endParaRPr>
-                    </a:p>
-                  </a:txBody>
-                  <a:tcPr marT="82275" marB="82275" marR="63500" marL="82275" anchor="ctr">
-                    <a:lnL cap="flat" cmpd="sng" w="38100">
-                      <a:solidFill>
-                        <a:srgbClr val="262626"/>
-                      </a:solidFill>
-                      <a:prstDash val="solid"/>
-                      <a:round/>
-                      <a:headEnd len="sm" w="sm" type="none"/>
-                      <a:tailEnd len="sm" w="sm" type="none"/>
-                    </a:lnL>
-                    <a:lnR cap="flat" cmpd="sng" w="38100">
-                      <a:solidFill>
-                        <a:srgbClr val="262626"/>
-                      </a:solidFill>
-                      <a:prstDash val="solid"/>
-                      <a:round/>
-                      <a:headEnd len="sm" w="sm" type="none"/>
-                      <a:tailEnd len="sm" w="sm" type="none"/>
-                    </a:lnR>
-                    <a:lnT cap="flat" cmpd="sng" w="38100">
-                      <a:solidFill>
-                        <a:srgbClr val="262626"/>
-                      </a:solidFill>
-                      <a:prstDash val="solid"/>
-                      <a:round/>
-                      <a:headEnd len="sm" w="sm" type="none"/>
-                      <a:tailEnd len="sm" w="sm" type="none"/>
-                    </a:lnT>
-                    <a:lnB cap="flat" cmpd="sng" w="38100">
-                      <a:solidFill>
-                        <a:srgbClr val="262626"/>
-                      </a:solidFill>
-                      <a:prstDash val="solid"/>
-                      <a:round/>
-                      <a:headEnd len="sm" w="sm" type="none"/>
-                      <a:tailEnd len="sm" w="sm" type="none"/>
-                    </a:lnB>
-                  </a:tcPr>
-                </a:tc>
-                <a:tc>
-                  <a:txBody>
-                    <a:bodyPr/>
-                    <a:lstStyle/>
-                    <a:p>
-                      <a:pPr indent="9144" lvl="0" marL="0" rtl="0" algn="l">
-                        <a:lnSpc>
-                          <a:spcPct val="171429"/>
-                        </a:lnSpc>
-                        <a:spcBef>
-                          <a:spcPts val="0"/>
-                        </a:spcBef>
-                        <a:spcAft>
-                          <a:spcPts val="0"/>
-                        </a:spcAft>
-                        <a:buNone/>
-                      </a:pPr>
-                      <a:r>
-                        <a:rPr lang="en-US" sz="1200">
-                          <a:solidFill>
-                            <a:schemeClr val="dk1"/>
-                          </a:solidFill>
-                          <a:latin typeface="Merriweather"/>
-                          <a:ea typeface="Merriweather"/>
-                          <a:cs typeface="Merriweather"/>
-                          <a:sym typeface="Merriweather"/>
-                        </a:rPr>
-                        <a:t>10</a:t>
-                      </a:r>
-                      <a:endParaRPr sz="1200">
-                        <a:solidFill>
-                          <a:schemeClr val="dk1"/>
-                        </a:solidFill>
-                        <a:latin typeface="Merriweather"/>
-                        <a:ea typeface="Merriweather"/>
-                        <a:cs typeface="Merriweather"/>
-                        <a:sym typeface="Merriweather"/>
-                      </a:endParaRPr>
-                    </a:p>
-                  </a:txBody>
-                  <a:tcPr marT="82275" marB="82275" marR="63500" marL="82275" anchor="ctr">
-                    <a:lnL cap="flat" cmpd="sng" w="38100">
-                      <a:solidFill>
-                        <a:srgbClr val="262626"/>
-                      </a:solidFill>
-                      <a:prstDash val="solid"/>
-                      <a:round/>
-                      <a:headEnd len="sm" w="sm" type="none"/>
-                      <a:tailEnd len="sm" w="sm" type="none"/>
-                    </a:lnL>
-                    <a:lnR cap="flat" cmpd="sng" w="38100">
-                      <a:solidFill>
-                        <a:srgbClr val="262626"/>
-                      </a:solidFill>
-                      <a:prstDash val="solid"/>
-                      <a:round/>
-                      <a:headEnd len="sm" w="sm" type="none"/>
-                      <a:tailEnd len="sm" w="sm" type="none"/>
-                    </a:lnR>
-                    <a:lnT cap="flat" cmpd="sng" w="38100">
-                      <a:solidFill>
-                        <a:srgbClr val="262626"/>
-                      </a:solidFill>
-                      <a:prstDash val="solid"/>
-                      <a:round/>
-                      <a:headEnd len="sm" w="sm" type="none"/>
-                      <a:tailEnd len="sm" w="sm" type="none"/>
-                    </a:lnT>
-                    <a:lnB cap="flat" cmpd="sng" w="38100">
-                      <a:solidFill>
-                        <a:srgbClr val="262626"/>
-                      </a:solidFill>
-                      <a:prstDash val="solid"/>
-                      <a:round/>
-                      <a:headEnd len="sm" w="sm" type="none"/>
-                      <a:tailEnd len="sm" w="sm" type="none"/>
-                    </a:lnB>
-                  </a:tcPr>
-                </a:tc>
-                <a:tc>
-                  <a:txBody>
-                    <a:bodyPr/>
-                    <a:lstStyle/>
-                    <a:p>
-                      <a:pPr indent="9144" lvl="0" marL="0" rtl="0" algn="l">
-                        <a:lnSpc>
-                          <a:spcPct val="171429"/>
-                        </a:lnSpc>
-                        <a:spcBef>
-                          <a:spcPts val="0"/>
-                        </a:spcBef>
-                        <a:spcAft>
-                          <a:spcPts val="0"/>
-                        </a:spcAft>
-                        <a:buNone/>
-                      </a:pPr>
-                      <a:r>
-                        <a:rPr lang="en-US" sz="1200">
-                          <a:solidFill>
-                            <a:schemeClr val="dk1"/>
-                          </a:solidFill>
-                          <a:latin typeface="Merriweather"/>
-                          <a:ea typeface="Merriweather"/>
-                          <a:cs typeface="Merriweather"/>
-                          <a:sym typeface="Merriweather"/>
-                        </a:rPr>
-                        <a:t>256</a:t>
-                      </a:r>
-                      <a:endParaRPr sz="1200">
-                        <a:solidFill>
-                          <a:schemeClr val="dk1"/>
-                        </a:solidFill>
-                        <a:latin typeface="Merriweather"/>
-                        <a:ea typeface="Merriweather"/>
-                        <a:cs typeface="Merriweather"/>
-                        <a:sym typeface="Merriweather"/>
-                      </a:endParaRPr>
-                    </a:p>
-                  </a:txBody>
-                  <a:tcPr marT="82275" marB="82275" marR="63500" marL="82275" anchor="ctr">
-                    <a:lnL cap="flat" cmpd="sng" w="38100">
-                      <a:solidFill>
-                        <a:srgbClr val="262626"/>
-                      </a:solidFill>
-                      <a:prstDash val="solid"/>
-                      <a:round/>
-                      <a:headEnd len="sm" w="sm" type="none"/>
-                      <a:tailEnd len="sm" w="sm" type="none"/>
-                    </a:lnL>
-                    <a:lnR cap="flat" cmpd="sng" w="38100">
-                      <a:solidFill>
-                        <a:srgbClr val="262626"/>
-                      </a:solidFill>
-                      <a:prstDash val="solid"/>
-                      <a:round/>
-                      <a:headEnd len="sm" w="sm" type="none"/>
-                      <a:tailEnd len="sm" w="sm" type="none"/>
-                    </a:lnR>
-                    <a:lnT cap="flat" cmpd="sng" w="38100">
-                      <a:solidFill>
-                        <a:srgbClr val="262626"/>
-                      </a:solidFill>
-                      <a:prstDash val="solid"/>
-                      <a:round/>
-                      <a:headEnd len="sm" w="sm" type="none"/>
-                      <a:tailEnd len="sm" w="sm" type="none"/>
-                    </a:lnT>
-                    <a:lnB cap="flat" cmpd="sng" w="38100">
-                      <a:solidFill>
-                        <a:srgbClr val="262626"/>
-                      </a:solidFill>
-                      <a:prstDash val="solid"/>
-                      <a:round/>
-                      <a:headEnd len="sm" w="sm" type="none"/>
-                      <a:tailEnd len="sm" w="sm" type="none"/>
-                    </a:lnB>
-                  </a:tcPr>
-                </a:tc>
-                <a:tc>
-                  <a:txBody>
-                    <a:bodyPr/>
-                    <a:lstStyle/>
-                    <a:p>
-                      <a:pPr indent="9144" lvl="0" marL="0" rtl="0" algn="l">
-                        <a:lnSpc>
-                          <a:spcPct val="171429"/>
-                        </a:lnSpc>
-                        <a:spcBef>
-                          <a:spcPts val="0"/>
-                        </a:spcBef>
-                        <a:spcAft>
-                          <a:spcPts val="0"/>
-                        </a:spcAft>
-                        <a:buNone/>
-                      </a:pPr>
-                      <a:r>
-                        <a:rPr lang="en-US" sz="1200">
-                          <a:solidFill>
-                            <a:schemeClr val="dk1"/>
-                          </a:solidFill>
-                          <a:latin typeface="Merriweather"/>
-                          <a:ea typeface="Merriweather"/>
-                          <a:cs typeface="Merriweather"/>
-                          <a:sym typeface="Merriweather"/>
-                        </a:rPr>
-                        <a:t>1e-5</a:t>
-                      </a:r>
-                      <a:endParaRPr sz="1200">
-                        <a:solidFill>
-                          <a:schemeClr val="dk1"/>
-                        </a:solidFill>
-                        <a:latin typeface="Merriweather"/>
-                        <a:ea typeface="Merriweather"/>
-                        <a:cs typeface="Merriweather"/>
-                        <a:sym typeface="Merriweather"/>
-                      </a:endParaRPr>
-                    </a:p>
-                  </a:txBody>
-                  <a:tcPr marT="82275" marB="82275" marR="63500" marL="82275" anchor="ctr">
-                    <a:lnL cap="flat" cmpd="sng" w="38100">
-                      <a:solidFill>
-                        <a:srgbClr val="262626"/>
-                      </a:solidFill>
-                      <a:prstDash val="solid"/>
-                      <a:round/>
-                      <a:headEnd len="sm" w="sm" type="none"/>
-                      <a:tailEnd len="sm" w="sm" type="none"/>
-                    </a:lnL>
-                    <a:lnR cap="flat" cmpd="sng" w="38100">
-                      <a:solidFill>
-                        <a:srgbClr val="262626"/>
-                      </a:solidFill>
-                      <a:prstDash val="solid"/>
-                      <a:round/>
-                      <a:headEnd len="sm" w="sm" type="none"/>
-                      <a:tailEnd len="sm" w="sm" type="none"/>
-                    </a:lnR>
-                    <a:lnT cap="flat" cmpd="sng" w="38100">
-                      <a:solidFill>
-                        <a:srgbClr val="262626"/>
-                      </a:solidFill>
-                      <a:prstDash val="solid"/>
-                      <a:round/>
-                      <a:headEnd len="sm" w="sm" type="none"/>
-                      <a:tailEnd len="sm" w="sm" type="none"/>
-                    </a:lnT>
-                    <a:lnB cap="flat" cmpd="sng" w="38100">
-                      <a:solidFill>
-                        <a:srgbClr val="262626"/>
-                      </a:solidFill>
-                      <a:prstDash val="solid"/>
-                      <a:round/>
-                      <a:headEnd len="sm" w="sm" type="none"/>
-                      <a:tailEnd len="sm" w="sm" type="none"/>
-                    </a:lnB>
-                  </a:tcPr>
-                </a:tc>
-                <a:tc>
-                  <a:txBody>
-                    <a:bodyPr/>
-                    <a:lstStyle/>
-                    <a:p>
-                      <a:pPr indent="9144" lvl="0" marL="0" rtl="0" algn="l">
-                        <a:lnSpc>
-                          <a:spcPct val="171429"/>
-                        </a:lnSpc>
-                        <a:spcBef>
-                          <a:spcPts val="0"/>
-                        </a:spcBef>
-                        <a:spcAft>
-                          <a:spcPts val="0"/>
-                        </a:spcAft>
-                        <a:buNone/>
-                      </a:pPr>
-                      <a:r>
-                        <a:rPr lang="en-US" sz="1200">
-                          <a:solidFill>
-                            <a:schemeClr val="dk1"/>
-                          </a:solidFill>
-                          <a:latin typeface="Merriweather"/>
-                          <a:ea typeface="Merriweather"/>
-                          <a:cs typeface="Merriweather"/>
-                          <a:sym typeface="Merriweather"/>
-                        </a:rPr>
-                        <a:t>32</a:t>
-                      </a:r>
-                      <a:endParaRPr sz="1200">
-                        <a:solidFill>
-                          <a:schemeClr val="dk1"/>
-                        </a:solidFill>
-                        <a:latin typeface="Merriweather"/>
-                        <a:ea typeface="Merriweather"/>
-                        <a:cs typeface="Merriweather"/>
-                        <a:sym typeface="Merriweather"/>
-                      </a:endParaRPr>
-                    </a:p>
-                  </a:txBody>
-                  <a:tcPr marT="82275" marB="82275" marR="63500" marL="82275" anchor="ctr">
-                    <a:lnL cap="flat" cmpd="sng" w="38100">
-                      <a:solidFill>
-                        <a:srgbClr val="262626"/>
-                      </a:solidFill>
-                      <a:prstDash val="solid"/>
-                      <a:round/>
-                      <a:headEnd len="sm" w="sm" type="none"/>
-                      <a:tailEnd len="sm" w="sm" type="none"/>
-                    </a:lnL>
-                    <a:lnR cap="flat" cmpd="sng" w="38100">
-                      <a:solidFill>
-                        <a:srgbClr val="262626"/>
-                      </a:solidFill>
-                      <a:prstDash val="solid"/>
-                      <a:round/>
-                      <a:headEnd len="sm" w="sm" type="none"/>
-                      <a:tailEnd len="sm" w="sm" type="none"/>
-                    </a:lnR>
-                    <a:lnT cap="flat" cmpd="sng" w="38100">
-                      <a:solidFill>
-                        <a:srgbClr val="262626"/>
-                      </a:solidFill>
-                      <a:prstDash val="solid"/>
-                      <a:round/>
-                      <a:headEnd len="sm" w="sm" type="none"/>
-                      <a:tailEnd len="sm" w="sm" type="none"/>
-                    </a:lnT>
-                    <a:lnB cap="flat" cmpd="sng" w="38100">
-                      <a:solidFill>
-                        <a:srgbClr val="262626"/>
-                      </a:solidFill>
-                      <a:prstDash val="solid"/>
-                      <a:round/>
-                      <a:headEnd len="sm" w="sm" type="none"/>
-                      <a:tailEnd len="sm" w="sm" type="none"/>
-                    </a:lnB>
-                  </a:tcPr>
-                </a:tc>
-                <a:tc>
-                  <a:txBody>
-                    <a:bodyPr/>
-                    <a:lstStyle/>
-                    <a:p>
-                      <a:pPr indent="9144" lvl="0" marL="0" rtl="0" algn="l">
-                        <a:lnSpc>
-                          <a:spcPct val="171429"/>
-                        </a:lnSpc>
-                        <a:spcBef>
-                          <a:spcPts val="0"/>
-                        </a:spcBef>
-                        <a:spcAft>
-                          <a:spcPts val="0"/>
-                        </a:spcAft>
-                        <a:buNone/>
-                      </a:pPr>
-                      <a:r>
-                        <a:rPr lang="en-US" sz="1200">
-                          <a:solidFill>
-                            <a:schemeClr val="dk1"/>
-                          </a:solidFill>
-                          <a:latin typeface="Merriweather"/>
-                          <a:ea typeface="Merriweather"/>
-                          <a:cs typeface="Merriweather"/>
-                          <a:sym typeface="Merriweather"/>
-                        </a:rPr>
-                        <a:t>Adam</a:t>
                       </a:r>
                       <a:endParaRPr sz="1200">
                         <a:solidFill>
@@ -16520,7 +19625,7 @@
             </a:pPr>
             <a:r>
               <a:rPr lang="en-US" sz="3300"/>
-              <a:t>Prof is really impressed by our project !!</a:t>
+              <a:t>We all really really love this class!</a:t>
             </a:r>
             <a:endParaRPr sz="3300"/>
           </a:p>
@@ -16673,11 +19778,11 @@
         </p:spPr>
         <p:txBody>
           <a:bodyPr anchorCtr="0" anchor="t" bIns="45700" lIns="0" spcFirstLastPara="1" rIns="0" wrap="square" tIns="45700">
-            <a:normAutofit fontScale="77500" lnSpcReduction="10000"/>
+            <a:normAutofit fontScale="85000" lnSpcReduction="20000"/>
           </a:bodyPr>
           <a:lstStyle/>
           <a:p>
-            <a:pPr indent="-93503" lvl="0" marL="91440" rtl="0" algn="l">
+            <a:pPr indent="-102552" lvl="0" marL="91440" rtl="0" algn="l">
               <a:lnSpc>
                 <a:spcPct val="120000"/>
               </a:lnSpc>
@@ -16723,7 +19828,7 @@
             </a:endParaRPr>
           </a:p>
           <a:p>
-            <a:pPr indent="-93503" lvl="0" marL="91440" rtl="0" algn="l">
+            <a:pPr indent="-102552" lvl="0" marL="91440" rtl="0" algn="l">
               <a:lnSpc>
                 <a:spcPct val="120000"/>
               </a:lnSpc>
@@ -16759,7 +19864,31 @@
                 <a:cs typeface="Merriweather Light"/>
                 <a:sym typeface="Merriweather Light"/>
               </a:rPr>
-              <a:t>Utilize a mix of classical ML algorithms (Random Forest, MLP, LR) and advanced neural networks (LSTM, BERT, Roberta) for effective sarcasm detection.</a:t>
+              <a:t>Utilize a mix of classical ML algorithms (</a:t>
+            </a:r>
+            <a:r>
+              <a:rPr lang="en-US">
+                <a:solidFill>
+                  <a:schemeClr val="dk1"/>
+                </a:solidFill>
+                <a:latin typeface="Merriweather Light"/>
+                <a:ea typeface="Merriweather Light"/>
+                <a:cs typeface="Merriweather Light"/>
+                <a:sym typeface="Merriweather Light"/>
+              </a:rPr>
+              <a:t>Naive Bayes</a:t>
+            </a:r>
+            <a:r>
+              <a:rPr i="0" lang="en-US" u="none" strike="noStrike">
+                <a:solidFill>
+                  <a:schemeClr val="dk1"/>
+                </a:solidFill>
+                <a:latin typeface="Merriweather Light"/>
+                <a:ea typeface="Merriweather Light"/>
+                <a:cs typeface="Merriweather Light"/>
+                <a:sym typeface="Merriweather Light"/>
+              </a:rPr>
+              <a:t>, MLP, LR) and advanced neural networks (LSTM, BERT, Roberta) for effective sarcasm detection.</a:t>
             </a:r>
             <a:endParaRPr>
               <a:latin typeface="Merriweather Light"/>
@@ -16769,7 +19898,7 @@
             </a:endParaRPr>
           </a:p>
           <a:p>
-            <a:pPr indent="-93503" lvl="0" marL="91440" rtl="0" algn="l">
+            <a:pPr indent="-102552" lvl="0" marL="91440" rtl="0" algn="l">
               <a:lnSpc>
                 <a:spcPct val="120000"/>
               </a:lnSpc>
@@ -16815,7 +19944,7 @@
             </a:endParaRPr>
           </a:p>
           <a:p>
-            <a:pPr indent="-93503" lvl="0" marL="91440" rtl="0" algn="l">
+            <a:pPr indent="0" lvl="0" marL="0" rtl="0" algn="l">
               <a:lnSpc>
                 <a:spcPct val="120000"/>
               </a:lnSpc>
@@ -16825,33 +19954,10 @@
               <a:spcAft>
                 <a:spcPts val="0"/>
               </a:spcAft>
-              <a:buSzPct val="79166"/>
-              <a:buFont typeface="Merriweather Light"/>
-              <a:buChar char="➢"/>
+              <a:buNone/>
             </a:pPr>
             <a:r>
-              <a:rPr lang="en-US">
-                <a:solidFill>
-                  <a:schemeClr val="dk1"/>
-                </a:solidFill>
-                <a:latin typeface="Merriweather Light"/>
-                <a:ea typeface="Merriweather Light"/>
-                <a:cs typeface="Merriweather Light"/>
-                <a:sym typeface="Merriweather Light"/>
-              </a:rPr>
-              <a:t>  </a:t>
-            </a:r>
-            <a:r>
-              <a:rPr i="0" lang="en-US" u="none" strike="noStrike">
-                <a:solidFill>
-                  <a:schemeClr val="dk1"/>
-                </a:solidFill>
-                <a:latin typeface="Merriweather Light"/>
-                <a:ea typeface="Merriweather Light"/>
-                <a:cs typeface="Merriweather Light"/>
-                <a:sym typeface="Merriweather Light"/>
-              </a:rPr>
-              <a:t>Focus on model explain ability to ensure transparency in how the models discern and generate sarcastic content.</a:t>
+              <a:t/>
             </a:r>
             <a:endParaRPr>
               <a:latin typeface="Merriweather Light"/>
@@ -17487,7 +20593,7 @@
                 <a:cs typeface="Merriweather Light"/>
                 <a:sym typeface="Merriweather Light"/>
               </a:rPr>
-              <a:t> Web Scraping for sarcastic news.</a:t>
+              <a:t> Web Scraping for sarcastic news from TheOnion website.</a:t>
             </a:r>
             <a:endParaRPr sz="1600">
               <a:solidFill>
@@ -17922,7 +21028,7 @@
         </p:nvSpPr>
         <p:spPr>
           <a:xfrm>
-            <a:off x="1097274" y="2120900"/>
+            <a:off x="549499" y="2120900"/>
             <a:ext cx="5195400" cy="3748200"/>
           </a:xfrm>
           <a:prstGeom prst="rect">
@@ -18205,8 +21311,8 @@
         </p:blipFill>
         <p:spPr>
           <a:xfrm>
-            <a:off x="6515950" y="2120900"/>
-            <a:ext cx="4639800" cy="1695450"/>
+            <a:off x="6292675" y="1027650"/>
+            <a:ext cx="5899324" cy="2630439"/>
           </a:xfrm>
           <a:prstGeom prst="rect">
             <a:avLst/>
@@ -18233,8 +21339,8 @@
         </p:blipFill>
         <p:spPr>
           <a:xfrm>
-            <a:off x="6515950" y="3964100"/>
-            <a:ext cx="4639800" cy="1905000"/>
+            <a:off x="6292675" y="3658100"/>
+            <a:ext cx="5899326" cy="3018175"/>
           </a:xfrm>
           <a:prstGeom prst="rect">
             <a:avLst/>
@@ -18915,8 +22021,8 @@
         </p:blipFill>
         <p:spPr>
           <a:xfrm>
-            <a:off x="6441625" y="1926325"/>
-            <a:ext cx="5628976" cy="4484125"/>
+            <a:off x="6556250" y="1600200"/>
+            <a:ext cx="5227325" cy="4318975"/>
           </a:xfrm>
           <a:prstGeom prst="rect">
             <a:avLst/>
@@ -19120,7 +22226,7 @@
         </p:nvSpPr>
         <p:spPr>
           <a:xfrm>
-            <a:off x="6876300" y="2025400"/>
+            <a:off x="6876300" y="1598675"/>
             <a:ext cx="4800600" cy="4103100"/>
           </a:xfrm>
           <a:prstGeom prst="rect">
@@ -19165,7 +22271,7 @@
         </p:blipFill>
         <p:spPr>
           <a:xfrm>
-            <a:off x="6876300" y="2025400"/>
+            <a:off x="6876300" y="1598675"/>
             <a:ext cx="4800600" cy="4103100"/>
           </a:xfrm>
           <a:prstGeom prst="rect">
@@ -19186,6 +22292,285 @@
 </file>
 
 <file path=ppt/theme/theme1.xml><?xml version="1.0" encoding="utf-8"?>
+<a:theme xmlns:a="http://schemas.openxmlformats.org/drawingml/2006/main" xmlns:r="http://schemas.openxmlformats.org/officeDocument/2006/relationships">
+  <a:themeElements>
+    <a:clrScheme name="Default">
+      <a:dk1>
+        <a:srgbClr val="000000"/>
+      </a:dk1>
+      <a:lt1>
+        <a:srgbClr val="FFFFFF"/>
+      </a:lt1>
+      <a:dk2>
+        <a:srgbClr val="158158"/>
+      </a:dk2>
+      <a:lt2>
+        <a:srgbClr val="F3F3F3"/>
+      </a:lt2>
+      <a:accent1>
+        <a:srgbClr val="058DC7"/>
+      </a:accent1>
+      <a:accent2>
+        <a:srgbClr val="50B432"/>
+      </a:accent2>
+      <a:accent3>
+        <a:srgbClr val="ED561B"/>
+      </a:accent3>
+      <a:accent4>
+        <a:srgbClr val="EDEF00"/>
+      </a:accent4>
+      <a:accent5>
+        <a:srgbClr val="24CBE5"/>
+      </a:accent5>
+      <a:accent6>
+        <a:srgbClr val="64E572"/>
+      </a:accent6>
+      <a:hlink>
+        <a:srgbClr val="2200CC"/>
+      </a:hlink>
+      <a:folHlink>
+        <a:srgbClr val="551A8B"/>
+      </a:folHlink>
+    </a:clrScheme>
+    <a:fontScheme name="Office">
+      <a:majorFont>
+        <a:latin typeface="Arial"/>
+        <a:ea typeface=""/>
+        <a:cs typeface=""/>
+        <a:font script="Jpan" typeface="ＭＳ Ｐゴシック"/>
+        <a:font script="Hang" typeface="맑은 고딕"/>
+        <a:font script="Hans" typeface="宋体"/>
+        <a:font script="Hant" typeface="新細明體"/>
+        <a:font script="Arab" typeface="Times New Roman"/>
+        <a:font script="Hebr" typeface="Times New Roman"/>
+        <a:font script="Thai" typeface="Angsana New"/>
+        <a:font script="Ethi" typeface="Nyala"/>
+        <a:font script="Beng" typeface="Vrinda"/>
+        <a:font script="Gujr" typeface="Shruti"/>
+        <a:font script="Khmr" typeface="MoolBoran"/>
+        <a:font script="Knda" typeface="Tunga"/>
+        <a:font script="Guru" typeface="Raavi"/>
+        <a:font script="Cans" typeface="Euphemia"/>
+        <a:font script="Cher" typeface="Plantagenet Cherokee"/>
+        <a:font script="Yiii" typeface="Microsoft Yi Baiti"/>
+        <a:font script="Tibt" typeface="Microsoft Himalaya"/>
+        <a:font script="Thaa" typeface="MV Boli"/>
+        <a:font script="Deva" typeface="Mangal"/>
+        <a:font script="Telu" typeface="Gautami"/>
+        <a:font script="Taml" typeface="Latha"/>
+        <a:font script="Syrc" typeface="Estrangelo Edessa"/>
+        <a:font script="Orya" typeface="Kalinga"/>
+        <a:font script="Mlym" typeface="Kartika"/>
+        <a:font script="Laoo" typeface="DokChampa"/>
+        <a:font script="Sinh" typeface="Iskoola Pota"/>
+        <a:font script="Mong" typeface="Mongolian Baiti"/>
+        <a:font script="Viet" typeface="Times New Roman"/>
+        <a:font script="Uigh" typeface="Microsoft Uighur"/>
+        <a:font script="Geor" typeface="Sylfaen"/>
+      </a:majorFont>
+      <a:minorFont>
+        <a:latin typeface="Arial"/>
+        <a:ea typeface=""/>
+        <a:cs typeface=""/>
+        <a:font script="Jpan" typeface="ＭＳ Ｐゴシック"/>
+        <a:font script="Hang" typeface="맑은 고딕"/>
+        <a:font script="Hans" typeface="宋体"/>
+        <a:font script="Hant" typeface="新細明體"/>
+        <a:font script="Arab" typeface="Arial"/>
+        <a:font script="Hebr" typeface="Arial"/>
+        <a:font script="Thai" typeface="Cordia New"/>
+        <a:font script="Ethi" typeface="Nyala"/>
+        <a:font script="Beng" typeface="Vrinda"/>
+        <a:font script="Gujr" typeface="Shruti"/>
+        <a:font script="Khmr" typeface="DaunPenh"/>
+        <a:font script="Knda" typeface="Tunga"/>
+        <a:font script="Guru" typeface="Raavi"/>
+        <a:font script="Cans" typeface="Euphemia"/>
+        <a:font script="Cher" typeface="Plantagenet Cherokee"/>
+        <a:font script="Yiii" typeface="Microsoft Yi Baiti"/>
+        <a:font script="Tibt" typeface="Microsoft Himalaya"/>
+        <a:font script="Thaa" typeface="MV Boli"/>
+        <a:font script="Deva" typeface="Mangal"/>
+        <a:font script="Telu" typeface="Gautami"/>
+        <a:font script="Taml" typeface="Latha"/>
+        <a:font script="Syrc" typeface="Estrangelo Edessa"/>
+        <a:font script="Orya" typeface="Kalinga"/>
+        <a:font script="Mlym" typeface="Kartika"/>
+        <a:font script="Laoo" typeface="DokChampa"/>
+        <a:font script="Sinh" typeface="Iskoola Pota"/>
+        <a:font script="Mong" typeface="Mongolian Baiti"/>
+        <a:font script="Viet" typeface="Arial"/>
+        <a:font script="Uigh" typeface="Microsoft Uighur"/>
+        <a:font script="Geor" typeface="Sylfaen"/>
+      </a:minorFont>
+    </a:fontScheme>
+    <a:fmtScheme name="Office">
+      <a:fillStyleLst>
+        <a:solidFill>
+          <a:schemeClr val="phClr"/>
+        </a:solidFill>
+        <a:gradFill rotWithShape="1">
+          <a:gsLst>
+            <a:gs pos="0">
+              <a:schemeClr val="phClr">
+                <a:tint val="50000"/>
+                <a:satMod val="300000"/>
+              </a:schemeClr>
+            </a:gs>
+            <a:gs pos="35000">
+              <a:schemeClr val="phClr">
+                <a:tint val="37000"/>
+                <a:satMod val="300000"/>
+              </a:schemeClr>
+            </a:gs>
+            <a:gs pos="100000">
+              <a:schemeClr val="phClr">
+                <a:tint val="15000"/>
+                <a:satMod val="350000"/>
+              </a:schemeClr>
+            </a:gs>
+          </a:gsLst>
+          <a:lin ang="16200000" scaled="1"/>
+        </a:gradFill>
+        <a:gradFill rotWithShape="1">
+          <a:gsLst>
+            <a:gs pos="0">
+              <a:schemeClr val="phClr">
+                <a:tint val="100000"/>
+                <a:shade val="100000"/>
+                <a:satMod val="130000"/>
+              </a:schemeClr>
+            </a:gs>
+            <a:gs pos="100000">
+              <a:schemeClr val="phClr">
+                <a:tint val="50000"/>
+                <a:shade val="100000"/>
+                <a:satMod val="350000"/>
+              </a:schemeClr>
+            </a:gs>
+          </a:gsLst>
+          <a:lin ang="16200000" scaled="0"/>
+        </a:gradFill>
+      </a:fillStyleLst>
+      <a:lnStyleLst>
+        <a:ln w="9525" cap="flat" cmpd="sng" algn="ctr">
+          <a:solidFill>
+            <a:schemeClr val="phClr">
+              <a:shade val="95000"/>
+              <a:satMod val="105000"/>
+            </a:schemeClr>
+          </a:solidFill>
+          <a:prstDash val="solid"/>
+        </a:ln>
+        <a:ln w="25400" cap="flat" cmpd="sng" algn="ctr">
+          <a:solidFill>
+            <a:schemeClr val="phClr"/>
+          </a:solidFill>
+          <a:prstDash val="solid"/>
+        </a:ln>
+        <a:ln w="38100" cap="flat" cmpd="sng" algn="ctr">
+          <a:solidFill>
+            <a:schemeClr val="phClr"/>
+          </a:solidFill>
+          <a:prstDash val="solid"/>
+        </a:ln>
+      </a:lnStyleLst>
+      <a:effectStyleLst>
+        <a:effectStyle>
+          <a:effectLst>
+            <a:outerShdw blurRad="40000" dist="20000" dir="5400000" rotWithShape="0">
+              <a:srgbClr val="000000">
+                <a:alpha val="38000"/>
+              </a:srgbClr>
+            </a:outerShdw>
+          </a:effectLst>
+        </a:effectStyle>
+        <a:effectStyle>
+          <a:effectLst>
+            <a:outerShdw blurRad="40000" dist="23000" dir="5400000" rotWithShape="0">
+              <a:srgbClr val="000000">
+                <a:alpha val="35000"/>
+              </a:srgbClr>
+            </a:outerShdw>
+          </a:effectLst>
+        </a:effectStyle>
+        <a:effectStyle>
+          <a:effectLst>
+            <a:outerShdw blurRad="40000" dist="23000" dir="5400000" rotWithShape="0">
+              <a:srgbClr val="000000">
+                <a:alpha val="35000"/>
+              </a:srgbClr>
+            </a:outerShdw>
+          </a:effectLst>
+          <a:scene3d>
+            <a:camera prst="orthographicFront">
+              <a:rot lat="0" lon="0" rev="0"/>
+            </a:camera>
+            <a:lightRig rig="threePt" dir="t">
+              <a:rot lat="0" lon="0" rev="1200000"/>
+            </a:lightRig>
+          </a:scene3d>
+          <a:sp3d>
+            <a:bevelT w="63500" h="25400"/>
+          </a:sp3d>
+        </a:effectStyle>
+      </a:effectStyleLst>
+      <a:bgFillStyleLst>
+        <a:solidFill>
+          <a:schemeClr val="phClr"/>
+        </a:solidFill>
+        <a:gradFill rotWithShape="1">
+          <a:gsLst>
+            <a:gs pos="0">
+              <a:schemeClr val="phClr">
+                <a:tint val="40000"/>
+                <a:satMod val="350000"/>
+              </a:schemeClr>
+            </a:gs>
+            <a:gs pos="40000">
+              <a:schemeClr val="phClr">
+                <a:tint val="45000"/>
+                <a:shade val="99000"/>
+                <a:satMod val="350000"/>
+              </a:schemeClr>
+            </a:gs>
+            <a:gs pos="100000">
+              <a:schemeClr val="phClr">
+                <a:shade val="20000"/>
+                <a:satMod val="255000"/>
+              </a:schemeClr>
+            </a:gs>
+          </a:gsLst>
+          <a:path path="circle">
+            <a:fillToRect l="50000" t="-80000" r="50000" b="180000"/>
+          </a:path>
+        </a:gradFill>
+        <a:gradFill rotWithShape="1">
+          <a:gsLst>
+            <a:gs pos="0">
+              <a:schemeClr val="phClr">
+                <a:tint val="80000"/>
+                <a:satMod val="300000"/>
+              </a:schemeClr>
+            </a:gs>
+            <a:gs pos="100000">
+              <a:schemeClr val="phClr">
+                <a:shade val="30000"/>
+                <a:satMod val="200000"/>
+              </a:schemeClr>
+            </a:gs>
+          </a:gsLst>
+          <a:path path="circle">
+            <a:fillToRect l="50000" t="50000" r="50000" b="50000"/>
+          </a:path>
+        </a:gradFill>
+      </a:bgFillStyleLst>
+    </a:fmtScheme>
+  </a:themeElements>
+</a:theme>
+</file>
+
+<file path=ppt/theme/theme2.xml><?xml version="1.0" encoding="utf-8"?>
 <a:theme xmlns:a="http://schemas.openxmlformats.org/drawingml/2006/main" xmlns:r="http://schemas.openxmlformats.org/officeDocument/2006/relationships" name="Slate">
   <a:themeElements>
     <a:clrScheme name="Slate">
@@ -19462,283 +22847,4 @@
     </a:fmtScheme>
   </a:themeElements>
 </a:theme>
-</file>
-
-<file path=ppt/theme/theme2.xml><?xml version="1.0" encoding="utf-8"?>
-<a:theme xmlns:a="http://schemas.openxmlformats.org/drawingml/2006/main" xmlns:r="http://schemas.openxmlformats.org/officeDocument/2006/relationships">
-  <a:themeElements>
-    <a:clrScheme name="Default">
-      <a:dk1>
-        <a:srgbClr val="000000"/>
-      </a:dk1>
-      <a:lt1>
-        <a:srgbClr val="FFFFFF"/>
-      </a:lt1>
-      <a:dk2>
-        <a:srgbClr val="158158"/>
-      </a:dk2>
-      <a:lt2>
-        <a:srgbClr val="F3F3F3"/>
-      </a:lt2>
-      <a:accent1>
-        <a:srgbClr val="058DC7"/>
-      </a:accent1>
-      <a:accent2>
-        <a:srgbClr val="50B432"/>
-      </a:accent2>
-      <a:accent3>
-        <a:srgbClr val="ED561B"/>
-      </a:accent3>
-      <a:accent4>
-        <a:srgbClr val="EDEF00"/>
-      </a:accent4>
-      <a:accent5>
-        <a:srgbClr val="24CBE5"/>
-      </a:accent5>
-      <a:accent6>
-        <a:srgbClr val="64E572"/>
-      </a:accent6>
-      <a:hlink>
-        <a:srgbClr val="2200CC"/>
-      </a:hlink>
-      <a:folHlink>
-        <a:srgbClr val="551A8B"/>
-      </a:folHlink>
-    </a:clrScheme>
-    <a:fontScheme name="Office">
-      <a:majorFont>
-        <a:latin typeface="Arial"/>
-        <a:ea typeface=""/>
-        <a:cs typeface=""/>
-        <a:font script="Jpan" typeface="ＭＳ Ｐゴシック"/>
-        <a:font script="Hang" typeface="맑은 고딕"/>
-        <a:font script="Hans" typeface="宋体"/>
-        <a:font script="Hant" typeface="新細明體"/>
-        <a:font script="Arab" typeface="Times New Roman"/>
-        <a:font script="Hebr" typeface="Times New Roman"/>
-        <a:font script="Thai" typeface="Angsana New"/>
-        <a:font script="Ethi" typeface="Nyala"/>
-        <a:font script="Beng" typeface="Vrinda"/>
-        <a:font script="Gujr" typeface="Shruti"/>
-        <a:font script="Khmr" typeface="MoolBoran"/>
-        <a:font script="Knda" typeface="Tunga"/>
-        <a:font script="Guru" typeface="Raavi"/>
-        <a:font script="Cans" typeface="Euphemia"/>
-        <a:font script="Cher" typeface="Plantagenet Cherokee"/>
-        <a:font script="Yiii" typeface="Microsoft Yi Baiti"/>
-        <a:font script="Tibt" typeface="Microsoft Himalaya"/>
-        <a:font script="Thaa" typeface="MV Boli"/>
-        <a:font script="Deva" typeface="Mangal"/>
-        <a:font script="Telu" typeface="Gautami"/>
-        <a:font script="Taml" typeface="Latha"/>
-        <a:font script="Syrc" typeface="Estrangelo Edessa"/>
-        <a:font script="Orya" typeface="Kalinga"/>
-        <a:font script="Mlym" typeface="Kartika"/>
-        <a:font script="Laoo" typeface="DokChampa"/>
-        <a:font script="Sinh" typeface="Iskoola Pota"/>
-        <a:font script="Mong" typeface="Mongolian Baiti"/>
-        <a:font script="Viet" typeface="Times New Roman"/>
-        <a:font script="Uigh" typeface="Microsoft Uighur"/>
-        <a:font script="Geor" typeface="Sylfaen"/>
-      </a:majorFont>
-      <a:minorFont>
-        <a:latin typeface="Arial"/>
-        <a:ea typeface=""/>
-        <a:cs typeface=""/>
-        <a:font script="Jpan" typeface="ＭＳ Ｐゴシック"/>
-        <a:font script="Hang" typeface="맑은 고딕"/>
-        <a:font script="Hans" typeface="宋体"/>
-        <a:font script="Hant" typeface="新細明體"/>
-        <a:font script="Arab" typeface="Arial"/>
-        <a:font script="Hebr" typeface="Arial"/>
-        <a:font script="Thai" typeface="Cordia New"/>
-        <a:font script="Ethi" typeface="Nyala"/>
-        <a:font script="Beng" typeface="Vrinda"/>
-        <a:font script="Gujr" typeface="Shruti"/>
-        <a:font script="Khmr" typeface="DaunPenh"/>
-        <a:font script="Knda" typeface="Tunga"/>
-        <a:font script="Guru" typeface="Raavi"/>
-        <a:font script="Cans" typeface="Euphemia"/>
-        <a:font script="Cher" typeface="Plantagenet Cherokee"/>
-        <a:font script="Yiii" typeface="Microsoft Yi Baiti"/>
-        <a:font script="Tibt" typeface="Microsoft Himalaya"/>
-        <a:font script="Thaa" typeface="MV Boli"/>
-        <a:font script="Deva" typeface="Mangal"/>
-        <a:font script="Telu" typeface="Gautami"/>
-        <a:font script="Taml" typeface="Latha"/>
-        <a:font script="Syrc" typeface="Estrangelo Edessa"/>
-        <a:font script="Orya" typeface="Kalinga"/>
-        <a:font script="Mlym" typeface="Kartika"/>
-        <a:font script="Laoo" typeface="DokChampa"/>
-        <a:font script="Sinh" typeface="Iskoola Pota"/>
-        <a:font script="Mong" typeface="Mongolian Baiti"/>
-        <a:font script="Viet" typeface="Arial"/>
-        <a:font script="Uigh" typeface="Microsoft Uighur"/>
-        <a:font script="Geor" typeface="Sylfaen"/>
-      </a:minorFont>
-    </a:fontScheme>
-    <a:fmtScheme name="Office">
-      <a:fillStyleLst>
-        <a:solidFill>
-          <a:schemeClr val="phClr"/>
-        </a:solidFill>
-        <a:gradFill rotWithShape="1">
-          <a:gsLst>
-            <a:gs pos="0">
-              <a:schemeClr val="phClr">
-                <a:tint val="50000"/>
-                <a:satMod val="300000"/>
-              </a:schemeClr>
-            </a:gs>
-            <a:gs pos="35000">
-              <a:schemeClr val="phClr">
-                <a:tint val="37000"/>
-                <a:satMod val="300000"/>
-              </a:schemeClr>
-            </a:gs>
-            <a:gs pos="100000">
-              <a:schemeClr val="phClr">
-                <a:tint val="15000"/>
-                <a:satMod val="350000"/>
-              </a:schemeClr>
-            </a:gs>
-          </a:gsLst>
-          <a:lin ang="16200000" scaled="1"/>
-        </a:gradFill>
-        <a:gradFill rotWithShape="1">
-          <a:gsLst>
-            <a:gs pos="0">
-              <a:schemeClr val="phClr">
-                <a:tint val="100000"/>
-                <a:shade val="100000"/>
-                <a:satMod val="130000"/>
-              </a:schemeClr>
-            </a:gs>
-            <a:gs pos="100000">
-              <a:schemeClr val="phClr">
-                <a:tint val="50000"/>
-                <a:shade val="100000"/>
-                <a:satMod val="350000"/>
-              </a:schemeClr>
-            </a:gs>
-          </a:gsLst>
-          <a:lin ang="16200000" scaled="0"/>
-        </a:gradFill>
-      </a:fillStyleLst>
-      <a:lnStyleLst>
-        <a:ln w="9525" cap="flat" cmpd="sng" algn="ctr">
-          <a:solidFill>
-            <a:schemeClr val="phClr">
-              <a:shade val="95000"/>
-              <a:satMod val="105000"/>
-            </a:schemeClr>
-          </a:solidFill>
-          <a:prstDash val="solid"/>
-        </a:ln>
-        <a:ln w="25400" cap="flat" cmpd="sng" algn="ctr">
-          <a:solidFill>
-            <a:schemeClr val="phClr"/>
-          </a:solidFill>
-          <a:prstDash val="solid"/>
-        </a:ln>
-        <a:ln w="38100" cap="flat" cmpd="sng" algn="ctr">
-          <a:solidFill>
-            <a:schemeClr val="phClr"/>
-          </a:solidFill>
-          <a:prstDash val="solid"/>
-        </a:ln>
-      </a:lnStyleLst>
-      <a:effectStyleLst>
-        <a:effectStyle>
-          <a:effectLst>
-            <a:outerShdw blurRad="40000" dist="20000" dir="5400000" rotWithShape="0">
-              <a:srgbClr val="000000">
-                <a:alpha val="38000"/>
-              </a:srgbClr>
-            </a:outerShdw>
-          </a:effectLst>
-        </a:effectStyle>
-        <a:effectStyle>
-          <a:effectLst>
-            <a:outerShdw blurRad="40000" dist="23000" dir="5400000" rotWithShape="0">
-              <a:srgbClr val="000000">
-                <a:alpha val="35000"/>
-              </a:srgbClr>
-            </a:outerShdw>
-          </a:effectLst>
-        </a:effectStyle>
-        <a:effectStyle>
-          <a:effectLst>
-            <a:outerShdw blurRad="40000" dist="23000" dir="5400000" rotWithShape="0">
-              <a:srgbClr val="000000">
-                <a:alpha val="35000"/>
-              </a:srgbClr>
-            </a:outerShdw>
-          </a:effectLst>
-          <a:scene3d>
-            <a:camera prst="orthographicFront">
-              <a:rot lat="0" lon="0" rev="0"/>
-            </a:camera>
-            <a:lightRig rig="threePt" dir="t">
-              <a:rot lat="0" lon="0" rev="1200000"/>
-            </a:lightRig>
-          </a:scene3d>
-          <a:sp3d>
-            <a:bevelT w="63500" h="25400"/>
-          </a:sp3d>
-        </a:effectStyle>
-      </a:effectStyleLst>
-      <a:bgFillStyleLst>
-        <a:solidFill>
-          <a:schemeClr val="phClr"/>
-        </a:solidFill>
-        <a:gradFill rotWithShape="1">
-          <a:gsLst>
-            <a:gs pos="0">
-              <a:schemeClr val="phClr">
-                <a:tint val="40000"/>
-                <a:satMod val="350000"/>
-              </a:schemeClr>
-            </a:gs>
-            <a:gs pos="40000">
-              <a:schemeClr val="phClr">
-                <a:tint val="45000"/>
-                <a:shade val="99000"/>
-                <a:satMod val="350000"/>
-              </a:schemeClr>
-            </a:gs>
-            <a:gs pos="100000">
-              <a:schemeClr val="phClr">
-                <a:shade val="20000"/>
-                <a:satMod val="255000"/>
-              </a:schemeClr>
-            </a:gs>
-          </a:gsLst>
-          <a:path path="circle">
-            <a:fillToRect l="50000" t="-80000" r="50000" b="180000"/>
-          </a:path>
-        </a:gradFill>
-        <a:gradFill rotWithShape="1">
-          <a:gsLst>
-            <a:gs pos="0">
-              <a:schemeClr val="phClr">
-                <a:tint val="80000"/>
-                <a:satMod val="300000"/>
-              </a:schemeClr>
-            </a:gs>
-            <a:gs pos="100000">
-              <a:schemeClr val="phClr">
-                <a:shade val="30000"/>
-                <a:satMod val="200000"/>
-              </a:schemeClr>
-            </a:gs>
-          </a:gsLst>
-          <a:path path="circle">
-            <a:fillToRect l="50000" t="50000" r="50000" b="50000"/>
-          </a:path>
-        </a:gradFill>
-      </a:bgFillStyleLst>
-    </a:fmtScheme>
-  </a:themeElements>
-</a:theme>
 </file>